--- a/ps.pptx
+++ b/ps.pptx
@@ -12,6 +12,11 @@
     <p:sldId id="276" r:id="rId6"/>
     <p:sldId id="277" r:id="rId7"/>
     <p:sldId id="278" r:id="rId8"/>
+    <p:sldId id="279" r:id="rId9"/>
+    <p:sldId id="281" r:id="rId10"/>
+    <p:sldId id="282" r:id="rId11"/>
+    <p:sldId id="280" r:id="rId12"/>
+    <p:sldId id="283" r:id="rId13"/>
   </p:sldIdLst>
   <p:sldSz cx="12192000" cy="6858000"/>
   <p:notesSz cx="6858000" cy="9144000"/>
@@ -140,7 +145,7 @@
           <p:cNvPr id="2" name="제목 1">
             <a:extLst>
               <a:ext uri="{FF2B5EF4-FFF2-40B4-BE49-F238E27FC236}">
-                <a16:creationId xmlns:a16="http://schemas.microsoft.com/office/drawing/2014/main" id="{9EF95BAD-A1BD-4190-90F6-832EDCAA11EA}"/>
+                <a16:creationId xmlns:a16="http://schemas.microsoft.com/office/drawing/2014/main" xmlns="" id="{9EF95BAD-A1BD-4190-90F6-832EDCAA11EA}"/>
               </a:ext>
             </a:extLst>
           </p:cNvPr>
@@ -177,7 +182,7 @@
           <p:cNvPr id="3" name="부제목 2">
             <a:extLst>
               <a:ext uri="{FF2B5EF4-FFF2-40B4-BE49-F238E27FC236}">
-                <a16:creationId xmlns:a16="http://schemas.microsoft.com/office/drawing/2014/main" id="{FEE2D966-2DFB-4EF1-B6BB-AD34AE5F1BB4}"/>
+                <a16:creationId xmlns:a16="http://schemas.microsoft.com/office/drawing/2014/main" xmlns="" id="{FEE2D966-2DFB-4EF1-B6BB-AD34AE5F1BB4}"/>
               </a:ext>
             </a:extLst>
           </p:cNvPr>
@@ -247,7 +252,7 @@
           <p:cNvPr id="4" name="날짜 개체 틀 3">
             <a:extLst>
               <a:ext uri="{FF2B5EF4-FFF2-40B4-BE49-F238E27FC236}">
-                <a16:creationId xmlns:a16="http://schemas.microsoft.com/office/drawing/2014/main" id="{61933261-922E-4949-A021-21EC7494CE8F}"/>
+                <a16:creationId xmlns:a16="http://schemas.microsoft.com/office/drawing/2014/main" xmlns="" id="{61933261-922E-4949-A021-21EC7494CE8F}"/>
               </a:ext>
             </a:extLst>
           </p:cNvPr>
@@ -265,7 +270,7 @@
           <a:p>
             <a:fld id="{0A5ADF93-5C79-47A9-813F-31B3BD393BDC}" type="datetimeFigureOut">
               <a:rPr lang="ko-KR" altLang="en-US" smtClean="0"/>
-              <a:t>2018-03-16</a:t>
+              <a:t>2018-03-18</a:t>
             </a:fld>
             <a:endParaRPr lang="ko-KR" altLang="en-US"/>
           </a:p>
@@ -276,7 +281,7 @@
           <p:cNvPr id="5" name="바닥글 개체 틀 4">
             <a:extLst>
               <a:ext uri="{FF2B5EF4-FFF2-40B4-BE49-F238E27FC236}">
-                <a16:creationId xmlns:a16="http://schemas.microsoft.com/office/drawing/2014/main" id="{90D2018E-7EA9-4A12-A068-27F19CC29A53}"/>
+                <a16:creationId xmlns:a16="http://schemas.microsoft.com/office/drawing/2014/main" xmlns="" id="{90D2018E-7EA9-4A12-A068-27F19CC29A53}"/>
               </a:ext>
             </a:extLst>
           </p:cNvPr>
@@ -301,7 +306,7 @@
           <p:cNvPr id="6" name="슬라이드 번호 개체 틀 5">
             <a:extLst>
               <a:ext uri="{FF2B5EF4-FFF2-40B4-BE49-F238E27FC236}">
-                <a16:creationId xmlns:a16="http://schemas.microsoft.com/office/drawing/2014/main" id="{22799DE5-3C4E-4AD7-8564-146550220D45}"/>
+                <a16:creationId xmlns:a16="http://schemas.microsoft.com/office/drawing/2014/main" xmlns="" id="{22799DE5-3C4E-4AD7-8564-146550220D45}"/>
               </a:ext>
             </a:extLst>
           </p:cNvPr>
@@ -360,7 +365,7 @@
           <p:cNvPr id="2" name="제목 1">
             <a:extLst>
               <a:ext uri="{FF2B5EF4-FFF2-40B4-BE49-F238E27FC236}">
-                <a16:creationId xmlns:a16="http://schemas.microsoft.com/office/drawing/2014/main" id="{E6687F83-5D12-4C21-BC80-82CC3C1EEC0B}"/>
+                <a16:creationId xmlns:a16="http://schemas.microsoft.com/office/drawing/2014/main" xmlns="" id="{E6687F83-5D12-4C21-BC80-82CC3C1EEC0B}"/>
               </a:ext>
             </a:extLst>
           </p:cNvPr>
@@ -388,7 +393,7 @@
           <p:cNvPr id="3" name="세로 텍스트 개체 틀 2">
             <a:extLst>
               <a:ext uri="{FF2B5EF4-FFF2-40B4-BE49-F238E27FC236}">
-                <a16:creationId xmlns:a16="http://schemas.microsoft.com/office/drawing/2014/main" id="{6EDDE0B6-51E7-43BB-AFDB-CD69D080715F}"/>
+                <a16:creationId xmlns:a16="http://schemas.microsoft.com/office/drawing/2014/main" xmlns="" id="{6EDDE0B6-51E7-43BB-AFDB-CD69D080715F}"/>
               </a:ext>
             </a:extLst>
           </p:cNvPr>
@@ -445,7 +450,7 @@
           <p:cNvPr id="4" name="날짜 개체 틀 3">
             <a:extLst>
               <a:ext uri="{FF2B5EF4-FFF2-40B4-BE49-F238E27FC236}">
-                <a16:creationId xmlns:a16="http://schemas.microsoft.com/office/drawing/2014/main" id="{5FB2ACAD-BED6-4CD5-A73B-44E2844351CE}"/>
+                <a16:creationId xmlns:a16="http://schemas.microsoft.com/office/drawing/2014/main" xmlns="" id="{5FB2ACAD-BED6-4CD5-A73B-44E2844351CE}"/>
               </a:ext>
             </a:extLst>
           </p:cNvPr>
@@ -463,7 +468,7 @@
           <a:p>
             <a:fld id="{0A5ADF93-5C79-47A9-813F-31B3BD393BDC}" type="datetimeFigureOut">
               <a:rPr lang="ko-KR" altLang="en-US" smtClean="0"/>
-              <a:t>2018-03-16</a:t>
+              <a:t>2018-03-18</a:t>
             </a:fld>
             <a:endParaRPr lang="ko-KR" altLang="en-US"/>
           </a:p>
@@ -474,7 +479,7 @@
           <p:cNvPr id="5" name="바닥글 개체 틀 4">
             <a:extLst>
               <a:ext uri="{FF2B5EF4-FFF2-40B4-BE49-F238E27FC236}">
-                <a16:creationId xmlns:a16="http://schemas.microsoft.com/office/drawing/2014/main" id="{51042095-8C3F-48E2-9353-16D2EA5F5E99}"/>
+                <a16:creationId xmlns:a16="http://schemas.microsoft.com/office/drawing/2014/main" xmlns="" id="{51042095-8C3F-48E2-9353-16D2EA5F5E99}"/>
               </a:ext>
             </a:extLst>
           </p:cNvPr>
@@ -499,7 +504,7 @@
           <p:cNvPr id="6" name="슬라이드 번호 개체 틀 5">
             <a:extLst>
               <a:ext uri="{FF2B5EF4-FFF2-40B4-BE49-F238E27FC236}">
-                <a16:creationId xmlns:a16="http://schemas.microsoft.com/office/drawing/2014/main" id="{BF6508DC-92FF-4751-89E4-C4B9F622624C}"/>
+                <a16:creationId xmlns:a16="http://schemas.microsoft.com/office/drawing/2014/main" xmlns="" id="{BF6508DC-92FF-4751-89E4-C4B9F622624C}"/>
               </a:ext>
             </a:extLst>
           </p:cNvPr>
@@ -558,7 +563,7 @@
           <p:cNvPr id="2" name="세로 제목 1">
             <a:extLst>
               <a:ext uri="{FF2B5EF4-FFF2-40B4-BE49-F238E27FC236}">
-                <a16:creationId xmlns:a16="http://schemas.microsoft.com/office/drawing/2014/main" id="{5A419DF6-3181-4F3D-B3E7-A618A599AC47}"/>
+                <a16:creationId xmlns:a16="http://schemas.microsoft.com/office/drawing/2014/main" xmlns="" id="{5A419DF6-3181-4F3D-B3E7-A618A599AC47}"/>
               </a:ext>
             </a:extLst>
           </p:cNvPr>
@@ -591,7 +596,7 @@
           <p:cNvPr id="3" name="세로 텍스트 개체 틀 2">
             <a:extLst>
               <a:ext uri="{FF2B5EF4-FFF2-40B4-BE49-F238E27FC236}">
-                <a16:creationId xmlns:a16="http://schemas.microsoft.com/office/drawing/2014/main" id="{EA41697D-AE23-44F0-8032-768425DB39C7}"/>
+                <a16:creationId xmlns:a16="http://schemas.microsoft.com/office/drawing/2014/main" xmlns="" id="{EA41697D-AE23-44F0-8032-768425DB39C7}"/>
               </a:ext>
             </a:extLst>
           </p:cNvPr>
@@ -653,7 +658,7 @@
           <p:cNvPr id="4" name="날짜 개체 틀 3">
             <a:extLst>
               <a:ext uri="{FF2B5EF4-FFF2-40B4-BE49-F238E27FC236}">
-                <a16:creationId xmlns:a16="http://schemas.microsoft.com/office/drawing/2014/main" id="{D6495760-A13C-489B-A169-ED54BF2BDD0B}"/>
+                <a16:creationId xmlns:a16="http://schemas.microsoft.com/office/drawing/2014/main" xmlns="" id="{D6495760-A13C-489B-A169-ED54BF2BDD0B}"/>
               </a:ext>
             </a:extLst>
           </p:cNvPr>
@@ -671,7 +676,7 @@
           <a:p>
             <a:fld id="{0A5ADF93-5C79-47A9-813F-31B3BD393BDC}" type="datetimeFigureOut">
               <a:rPr lang="ko-KR" altLang="en-US" smtClean="0"/>
-              <a:t>2018-03-16</a:t>
+              <a:t>2018-03-18</a:t>
             </a:fld>
             <a:endParaRPr lang="ko-KR" altLang="en-US"/>
           </a:p>
@@ -682,7 +687,7 @@
           <p:cNvPr id="5" name="바닥글 개체 틀 4">
             <a:extLst>
               <a:ext uri="{FF2B5EF4-FFF2-40B4-BE49-F238E27FC236}">
-                <a16:creationId xmlns:a16="http://schemas.microsoft.com/office/drawing/2014/main" id="{A6CCE2E1-085B-47DA-8807-812B70150E10}"/>
+                <a16:creationId xmlns:a16="http://schemas.microsoft.com/office/drawing/2014/main" xmlns="" id="{A6CCE2E1-085B-47DA-8807-812B70150E10}"/>
               </a:ext>
             </a:extLst>
           </p:cNvPr>
@@ -707,7 +712,7 @@
           <p:cNvPr id="6" name="슬라이드 번호 개체 틀 5">
             <a:extLst>
               <a:ext uri="{FF2B5EF4-FFF2-40B4-BE49-F238E27FC236}">
-                <a16:creationId xmlns:a16="http://schemas.microsoft.com/office/drawing/2014/main" id="{DB2AD103-AB7F-4135-AD16-DB620F13F956}"/>
+                <a16:creationId xmlns:a16="http://schemas.microsoft.com/office/drawing/2014/main" xmlns="" id="{DB2AD103-AB7F-4135-AD16-DB620F13F956}"/>
               </a:ext>
             </a:extLst>
           </p:cNvPr>
@@ -766,7 +771,7 @@
           <p:cNvPr id="2" name="제목 1">
             <a:extLst>
               <a:ext uri="{FF2B5EF4-FFF2-40B4-BE49-F238E27FC236}">
-                <a16:creationId xmlns:a16="http://schemas.microsoft.com/office/drawing/2014/main" id="{1CAA1AF2-8DF8-406C-81CE-DB0FCC88AF44}"/>
+                <a16:creationId xmlns:a16="http://schemas.microsoft.com/office/drawing/2014/main" xmlns="" id="{1CAA1AF2-8DF8-406C-81CE-DB0FCC88AF44}"/>
               </a:ext>
             </a:extLst>
           </p:cNvPr>
@@ -794,7 +799,7 @@
           <p:cNvPr id="3" name="내용 개체 틀 2">
             <a:extLst>
               <a:ext uri="{FF2B5EF4-FFF2-40B4-BE49-F238E27FC236}">
-                <a16:creationId xmlns:a16="http://schemas.microsoft.com/office/drawing/2014/main" id="{3EAAF00E-E2C5-466D-9A0D-CB6E9C7A6457}"/>
+                <a16:creationId xmlns:a16="http://schemas.microsoft.com/office/drawing/2014/main" xmlns="" id="{3EAAF00E-E2C5-466D-9A0D-CB6E9C7A6457}"/>
               </a:ext>
             </a:extLst>
           </p:cNvPr>
@@ -851,7 +856,7 @@
           <p:cNvPr id="4" name="날짜 개체 틀 3">
             <a:extLst>
               <a:ext uri="{FF2B5EF4-FFF2-40B4-BE49-F238E27FC236}">
-                <a16:creationId xmlns:a16="http://schemas.microsoft.com/office/drawing/2014/main" id="{CFD7E4CB-0E10-4B6E-89BD-377F932528F5}"/>
+                <a16:creationId xmlns:a16="http://schemas.microsoft.com/office/drawing/2014/main" xmlns="" id="{CFD7E4CB-0E10-4B6E-89BD-377F932528F5}"/>
               </a:ext>
             </a:extLst>
           </p:cNvPr>
@@ -869,7 +874,7 @@
           <a:p>
             <a:fld id="{0A5ADF93-5C79-47A9-813F-31B3BD393BDC}" type="datetimeFigureOut">
               <a:rPr lang="ko-KR" altLang="en-US" smtClean="0"/>
-              <a:t>2018-03-16</a:t>
+              <a:t>2018-03-18</a:t>
             </a:fld>
             <a:endParaRPr lang="ko-KR" altLang="en-US"/>
           </a:p>
@@ -880,7 +885,7 @@
           <p:cNvPr id="5" name="바닥글 개체 틀 4">
             <a:extLst>
               <a:ext uri="{FF2B5EF4-FFF2-40B4-BE49-F238E27FC236}">
-                <a16:creationId xmlns:a16="http://schemas.microsoft.com/office/drawing/2014/main" id="{DC71B185-45AE-4ABB-B9A3-E0DDF2C534D4}"/>
+                <a16:creationId xmlns:a16="http://schemas.microsoft.com/office/drawing/2014/main" xmlns="" id="{DC71B185-45AE-4ABB-B9A3-E0DDF2C534D4}"/>
               </a:ext>
             </a:extLst>
           </p:cNvPr>
@@ -905,7 +910,7 @@
           <p:cNvPr id="6" name="슬라이드 번호 개체 틀 5">
             <a:extLst>
               <a:ext uri="{FF2B5EF4-FFF2-40B4-BE49-F238E27FC236}">
-                <a16:creationId xmlns:a16="http://schemas.microsoft.com/office/drawing/2014/main" id="{0B3FA0C0-71F7-474A-9F88-9CFEA33A6356}"/>
+                <a16:creationId xmlns:a16="http://schemas.microsoft.com/office/drawing/2014/main" xmlns="" id="{0B3FA0C0-71F7-474A-9F88-9CFEA33A6356}"/>
               </a:ext>
             </a:extLst>
           </p:cNvPr>
@@ -964,7 +969,7 @@
           <p:cNvPr id="2" name="제목 1">
             <a:extLst>
               <a:ext uri="{FF2B5EF4-FFF2-40B4-BE49-F238E27FC236}">
-                <a16:creationId xmlns:a16="http://schemas.microsoft.com/office/drawing/2014/main" id="{CF0884CF-9ABB-48DD-9A06-B468321644BD}"/>
+                <a16:creationId xmlns:a16="http://schemas.microsoft.com/office/drawing/2014/main" xmlns="" id="{CF0884CF-9ABB-48DD-9A06-B468321644BD}"/>
               </a:ext>
             </a:extLst>
           </p:cNvPr>
@@ -1001,7 +1006,7 @@
           <p:cNvPr id="3" name="텍스트 개체 틀 2">
             <a:extLst>
               <a:ext uri="{FF2B5EF4-FFF2-40B4-BE49-F238E27FC236}">
-                <a16:creationId xmlns:a16="http://schemas.microsoft.com/office/drawing/2014/main" id="{6E1C39AA-DE7B-4D20-B393-F01FB6D02734}"/>
+                <a16:creationId xmlns:a16="http://schemas.microsoft.com/office/drawing/2014/main" xmlns="" id="{6E1C39AA-DE7B-4D20-B393-F01FB6D02734}"/>
               </a:ext>
             </a:extLst>
           </p:cNvPr>
@@ -1126,7 +1131,7 @@
           <p:cNvPr id="4" name="날짜 개체 틀 3">
             <a:extLst>
               <a:ext uri="{FF2B5EF4-FFF2-40B4-BE49-F238E27FC236}">
-                <a16:creationId xmlns:a16="http://schemas.microsoft.com/office/drawing/2014/main" id="{2BE50F09-3D31-4AE9-A342-283EB4C091AB}"/>
+                <a16:creationId xmlns:a16="http://schemas.microsoft.com/office/drawing/2014/main" xmlns="" id="{2BE50F09-3D31-4AE9-A342-283EB4C091AB}"/>
               </a:ext>
             </a:extLst>
           </p:cNvPr>
@@ -1144,7 +1149,7 @@
           <a:p>
             <a:fld id="{0A5ADF93-5C79-47A9-813F-31B3BD393BDC}" type="datetimeFigureOut">
               <a:rPr lang="ko-KR" altLang="en-US" smtClean="0"/>
-              <a:t>2018-03-16</a:t>
+              <a:t>2018-03-18</a:t>
             </a:fld>
             <a:endParaRPr lang="ko-KR" altLang="en-US"/>
           </a:p>
@@ -1155,7 +1160,7 @@
           <p:cNvPr id="5" name="바닥글 개체 틀 4">
             <a:extLst>
               <a:ext uri="{FF2B5EF4-FFF2-40B4-BE49-F238E27FC236}">
-                <a16:creationId xmlns:a16="http://schemas.microsoft.com/office/drawing/2014/main" id="{50502F1C-7C2E-4B2A-83DD-5343F5552E5E}"/>
+                <a16:creationId xmlns:a16="http://schemas.microsoft.com/office/drawing/2014/main" xmlns="" id="{50502F1C-7C2E-4B2A-83DD-5343F5552E5E}"/>
               </a:ext>
             </a:extLst>
           </p:cNvPr>
@@ -1180,7 +1185,7 @@
           <p:cNvPr id="6" name="슬라이드 번호 개체 틀 5">
             <a:extLst>
               <a:ext uri="{FF2B5EF4-FFF2-40B4-BE49-F238E27FC236}">
-                <a16:creationId xmlns:a16="http://schemas.microsoft.com/office/drawing/2014/main" id="{74D9507E-B5BF-4EAC-BF70-578DDA838DB0}"/>
+                <a16:creationId xmlns:a16="http://schemas.microsoft.com/office/drawing/2014/main" xmlns="" id="{74D9507E-B5BF-4EAC-BF70-578DDA838DB0}"/>
               </a:ext>
             </a:extLst>
           </p:cNvPr>
@@ -1239,7 +1244,7 @@
           <p:cNvPr id="2" name="제목 1">
             <a:extLst>
               <a:ext uri="{FF2B5EF4-FFF2-40B4-BE49-F238E27FC236}">
-                <a16:creationId xmlns:a16="http://schemas.microsoft.com/office/drawing/2014/main" id="{D0BBD996-58EF-4B9C-8AC2-3E4BACE6EE00}"/>
+                <a16:creationId xmlns:a16="http://schemas.microsoft.com/office/drawing/2014/main" xmlns="" id="{D0BBD996-58EF-4B9C-8AC2-3E4BACE6EE00}"/>
               </a:ext>
             </a:extLst>
           </p:cNvPr>
@@ -1267,7 +1272,7 @@
           <p:cNvPr id="3" name="내용 개체 틀 2">
             <a:extLst>
               <a:ext uri="{FF2B5EF4-FFF2-40B4-BE49-F238E27FC236}">
-                <a16:creationId xmlns:a16="http://schemas.microsoft.com/office/drawing/2014/main" id="{5FF19C14-F78A-44AF-ACBF-57419167805D}"/>
+                <a16:creationId xmlns:a16="http://schemas.microsoft.com/office/drawing/2014/main" xmlns="" id="{5FF19C14-F78A-44AF-ACBF-57419167805D}"/>
               </a:ext>
             </a:extLst>
           </p:cNvPr>
@@ -1329,7 +1334,7 @@
           <p:cNvPr id="4" name="내용 개체 틀 3">
             <a:extLst>
               <a:ext uri="{FF2B5EF4-FFF2-40B4-BE49-F238E27FC236}">
-                <a16:creationId xmlns:a16="http://schemas.microsoft.com/office/drawing/2014/main" id="{5D57420B-5D9F-47E1-87FE-88890ADA4414}"/>
+                <a16:creationId xmlns:a16="http://schemas.microsoft.com/office/drawing/2014/main" xmlns="" id="{5D57420B-5D9F-47E1-87FE-88890ADA4414}"/>
               </a:ext>
             </a:extLst>
           </p:cNvPr>
@@ -1391,7 +1396,7 @@
           <p:cNvPr id="5" name="날짜 개체 틀 4">
             <a:extLst>
               <a:ext uri="{FF2B5EF4-FFF2-40B4-BE49-F238E27FC236}">
-                <a16:creationId xmlns:a16="http://schemas.microsoft.com/office/drawing/2014/main" id="{F4B5B9C0-65C3-4368-9033-2F85A451A538}"/>
+                <a16:creationId xmlns:a16="http://schemas.microsoft.com/office/drawing/2014/main" xmlns="" id="{F4B5B9C0-65C3-4368-9033-2F85A451A538}"/>
               </a:ext>
             </a:extLst>
           </p:cNvPr>
@@ -1409,7 +1414,7 @@
           <a:p>
             <a:fld id="{0A5ADF93-5C79-47A9-813F-31B3BD393BDC}" type="datetimeFigureOut">
               <a:rPr lang="ko-KR" altLang="en-US" smtClean="0"/>
-              <a:t>2018-03-16</a:t>
+              <a:t>2018-03-18</a:t>
             </a:fld>
             <a:endParaRPr lang="ko-KR" altLang="en-US"/>
           </a:p>
@@ -1420,7 +1425,7 @@
           <p:cNvPr id="6" name="바닥글 개체 틀 5">
             <a:extLst>
               <a:ext uri="{FF2B5EF4-FFF2-40B4-BE49-F238E27FC236}">
-                <a16:creationId xmlns:a16="http://schemas.microsoft.com/office/drawing/2014/main" id="{815459EC-FC82-4103-A366-0A205FE9845C}"/>
+                <a16:creationId xmlns:a16="http://schemas.microsoft.com/office/drawing/2014/main" xmlns="" id="{815459EC-FC82-4103-A366-0A205FE9845C}"/>
               </a:ext>
             </a:extLst>
           </p:cNvPr>
@@ -1445,7 +1450,7 @@
           <p:cNvPr id="7" name="슬라이드 번호 개체 틀 6">
             <a:extLst>
               <a:ext uri="{FF2B5EF4-FFF2-40B4-BE49-F238E27FC236}">
-                <a16:creationId xmlns:a16="http://schemas.microsoft.com/office/drawing/2014/main" id="{0D0BB88A-DA7B-4664-94C1-5F17BA25B699}"/>
+                <a16:creationId xmlns:a16="http://schemas.microsoft.com/office/drawing/2014/main" xmlns="" id="{0D0BB88A-DA7B-4664-94C1-5F17BA25B699}"/>
               </a:ext>
             </a:extLst>
           </p:cNvPr>
@@ -1504,7 +1509,7 @@
           <p:cNvPr id="2" name="제목 1">
             <a:extLst>
               <a:ext uri="{FF2B5EF4-FFF2-40B4-BE49-F238E27FC236}">
-                <a16:creationId xmlns:a16="http://schemas.microsoft.com/office/drawing/2014/main" id="{91C540F5-EE56-422E-84D9-4A402FD8227A}"/>
+                <a16:creationId xmlns:a16="http://schemas.microsoft.com/office/drawing/2014/main" xmlns="" id="{91C540F5-EE56-422E-84D9-4A402FD8227A}"/>
               </a:ext>
             </a:extLst>
           </p:cNvPr>
@@ -1537,7 +1542,7 @@
           <p:cNvPr id="3" name="텍스트 개체 틀 2">
             <a:extLst>
               <a:ext uri="{FF2B5EF4-FFF2-40B4-BE49-F238E27FC236}">
-                <a16:creationId xmlns:a16="http://schemas.microsoft.com/office/drawing/2014/main" id="{465FA3E2-DCF4-481B-998C-EC894DCC64A7}"/>
+                <a16:creationId xmlns:a16="http://schemas.microsoft.com/office/drawing/2014/main" xmlns="" id="{465FA3E2-DCF4-481B-998C-EC894DCC64A7}"/>
               </a:ext>
             </a:extLst>
           </p:cNvPr>
@@ -1608,7 +1613,7 @@
           <p:cNvPr id="4" name="내용 개체 틀 3">
             <a:extLst>
               <a:ext uri="{FF2B5EF4-FFF2-40B4-BE49-F238E27FC236}">
-                <a16:creationId xmlns:a16="http://schemas.microsoft.com/office/drawing/2014/main" id="{136432CE-C666-4065-8D14-68897C957954}"/>
+                <a16:creationId xmlns:a16="http://schemas.microsoft.com/office/drawing/2014/main" xmlns="" id="{136432CE-C666-4065-8D14-68897C957954}"/>
               </a:ext>
             </a:extLst>
           </p:cNvPr>
@@ -1670,7 +1675,7 @@
           <p:cNvPr id="5" name="텍스트 개체 틀 4">
             <a:extLst>
               <a:ext uri="{FF2B5EF4-FFF2-40B4-BE49-F238E27FC236}">
-                <a16:creationId xmlns:a16="http://schemas.microsoft.com/office/drawing/2014/main" id="{66BA9512-0D0C-411C-9A87-ED2FDC87CC70}"/>
+                <a16:creationId xmlns:a16="http://schemas.microsoft.com/office/drawing/2014/main" xmlns="" id="{66BA9512-0D0C-411C-9A87-ED2FDC87CC70}"/>
               </a:ext>
             </a:extLst>
           </p:cNvPr>
@@ -1741,7 +1746,7 @@
           <p:cNvPr id="6" name="내용 개체 틀 5">
             <a:extLst>
               <a:ext uri="{FF2B5EF4-FFF2-40B4-BE49-F238E27FC236}">
-                <a16:creationId xmlns:a16="http://schemas.microsoft.com/office/drawing/2014/main" id="{514ECA09-FE2D-4743-8C16-497189C625F2}"/>
+                <a16:creationId xmlns:a16="http://schemas.microsoft.com/office/drawing/2014/main" xmlns="" id="{514ECA09-FE2D-4743-8C16-497189C625F2}"/>
               </a:ext>
             </a:extLst>
           </p:cNvPr>
@@ -1803,7 +1808,7 @@
           <p:cNvPr id="7" name="날짜 개체 틀 6">
             <a:extLst>
               <a:ext uri="{FF2B5EF4-FFF2-40B4-BE49-F238E27FC236}">
-                <a16:creationId xmlns:a16="http://schemas.microsoft.com/office/drawing/2014/main" id="{3EB2313C-0346-424C-A548-1990B4C537DD}"/>
+                <a16:creationId xmlns:a16="http://schemas.microsoft.com/office/drawing/2014/main" xmlns="" id="{3EB2313C-0346-424C-A548-1990B4C537DD}"/>
               </a:ext>
             </a:extLst>
           </p:cNvPr>
@@ -1821,7 +1826,7 @@
           <a:p>
             <a:fld id="{0A5ADF93-5C79-47A9-813F-31B3BD393BDC}" type="datetimeFigureOut">
               <a:rPr lang="ko-KR" altLang="en-US" smtClean="0"/>
-              <a:t>2018-03-16</a:t>
+              <a:t>2018-03-18</a:t>
             </a:fld>
             <a:endParaRPr lang="ko-KR" altLang="en-US"/>
           </a:p>
@@ -1832,7 +1837,7 @@
           <p:cNvPr id="8" name="바닥글 개체 틀 7">
             <a:extLst>
               <a:ext uri="{FF2B5EF4-FFF2-40B4-BE49-F238E27FC236}">
-                <a16:creationId xmlns:a16="http://schemas.microsoft.com/office/drawing/2014/main" id="{E3C5C5FD-77A0-4779-AB3F-9A23F40D91A4}"/>
+                <a16:creationId xmlns:a16="http://schemas.microsoft.com/office/drawing/2014/main" xmlns="" id="{E3C5C5FD-77A0-4779-AB3F-9A23F40D91A4}"/>
               </a:ext>
             </a:extLst>
           </p:cNvPr>
@@ -1857,7 +1862,7 @@
           <p:cNvPr id="9" name="슬라이드 번호 개체 틀 8">
             <a:extLst>
               <a:ext uri="{FF2B5EF4-FFF2-40B4-BE49-F238E27FC236}">
-                <a16:creationId xmlns:a16="http://schemas.microsoft.com/office/drawing/2014/main" id="{90CA1239-79FD-49C3-9267-58FA715BD8D5}"/>
+                <a16:creationId xmlns:a16="http://schemas.microsoft.com/office/drawing/2014/main" xmlns="" id="{90CA1239-79FD-49C3-9267-58FA715BD8D5}"/>
               </a:ext>
             </a:extLst>
           </p:cNvPr>
@@ -1916,7 +1921,7 @@
           <p:cNvPr id="2" name="제목 1">
             <a:extLst>
               <a:ext uri="{FF2B5EF4-FFF2-40B4-BE49-F238E27FC236}">
-                <a16:creationId xmlns:a16="http://schemas.microsoft.com/office/drawing/2014/main" id="{F5303425-9A3E-4A1B-AD59-42FCD0350AA3}"/>
+                <a16:creationId xmlns:a16="http://schemas.microsoft.com/office/drawing/2014/main" xmlns="" id="{F5303425-9A3E-4A1B-AD59-42FCD0350AA3}"/>
               </a:ext>
             </a:extLst>
           </p:cNvPr>
@@ -1944,7 +1949,7 @@
           <p:cNvPr id="3" name="날짜 개체 틀 2">
             <a:extLst>
               <a:ext uri="{FF2B5EF4-FFF2-40B4-BE49-F238E27FC236}">
-                <a16:creationId xmlns:a16="http://schemas.microsoft.com/office/drawing/2014/main" id="{49BE11C8-F553-43D2-82FA-08C640E05495}"/>
+                <a16:creationId xmlns:a16="http://schemas.microsoft.com/office/drawing/2014/main" xmlns="" id="{49BE11C8-F553-43D2-82FA-08C640E05495}"/>
               </a:ext>
             </a:extLst>
           </p:cNvPr>
@@ -1962,7 +1967,7 @@
           <a:p>
             <a:fld id="{0A5ADF93-5C79-47A9-813F-31B3BD393BDC}" type="datetimeFigureOut">
               <a:rPr lang="ko-KR" altLang="en-US" smtClean="0"/>
-              <a:t>2018-03-16</a:t>
+              <a:t>2018-03-18</a:t>
             </a:fld>
             <a:endParaRPr lang="ko-KR" altLang="en-US"/>
           </a:p>
@@ -1973,7 +1978,7 @@
           <p:cNvPr id="4" name="바닥글 개체 틀 3">
             <a:extLst>
               <a:ext uri="{FF2B5EF4-FFF2-40B4-BE49-F238E27FC236}">
-                <a16:creationId xmlns:a16="http://schemas.microsoft.com/office/drawing/2014/main" id="{92342317-E450-4141-BA45-166F7259B14C}"/>
+                <a16:creationId xmlns:a16="http://schemas.microsoft.com/office/drawing/2014/main" xmlns="" id="{92342317-E450-4141-BA45-166F7259B14C}"/>
               </a:ext>
             </a:extLst>
           </p:cNvPr>
@@ -1998,7 +2003,7 @@
           <p:cNvPr id="5" name="슬라이드 번호 개체 틀 4">
             <a:extLst>
               <a:ext uri="{FF2B5EF4-FFF2-40B4-BE49-F238E27FC236}">
-                <a16:creationId xmlns:a16="http://schemas.microsoft.com/office/drawing/2014/main" id="{1250B345-EFDE-4118-8803-118FCBEB1B4A}"/>
+                <a16:creationId xmlns:a16="http://schemas.microsoft.com/office/drawing/2014/main" xmlns="" id="{1250B345-EFDE-4118-8803-118FCBEB1B4A}"/>
               </a:ext>
             </a:extLst>
           </p:cNvPr>
@@ -2057,7 +2062,7 @@
           <p:cNvPr id="2" name="날짜 개체 틀 1">
             <a:extLst>
               <a:ext uri="{FF2B5EF4-FFF2-40B4-BE49-F238E27FC236}">
-                <a16:creationId xmlns:a16="http://schemas.microsoft.com/office/drawing/2014/main" id="{71605074-72EE-49BE-BFD8-7C29953877A4}"/>
+                <a16:creationId xmlns:a16="http://schemas.microsoft.com/office/drawing/2014/main" xmlns="" id="{71605074-72EE-49BE-BFD8-7C29953877A4}"/>
               </a:ext>
             </a:extLst>
           </p:cNvPr>
@@ -2075,7 +2080,7 @@
           <a:p>
             <a:fld id="{0A5ADF93-5C79-47A9-813F-31B3BD393BDC}" type="datetimeFigureOut">
               <a:rPr lang="ko-KR" altLang="en-US" smtClean="0"/>
-              <a:t>2018-03-16</a:t>
+              <a:t>2018-03-18</a:t>
             </a:fld>
             <a:endParaRPr lang="ko-KR" altLang="en-US"/>
           </a:p>
@@ -2086,7 +2091,7 @@
           <p:cNvPr id="3" name="바닥글 개체 틀 2">
             <a:extLst>
               <a:ext uri="{FF2B5EF4-FFF2-40B4-BE49-F238E27FC236}">
-                <a16:creationId xmlns:a16="http://schemas.microsoft.com/office/drawing/2014/main" id="{2C9B01E1-B032-4D46-B1EC-F1EDF564837E}"/>
+                <a16:creationId xmlns:a16="http://schemas.microsoft.com/office/drawing/2014/main" xmlns="" id="{2C9B01E1-B032-4D46-B1EC-F1EDF564837E}"/>
               </a:ext>
             </a:extLst>
           </p:cNvPr>
@@ -2111,7 +2116,7 @@
           <p:cNvPr id="4" name="슬라이드 번호 개체 틀 3">
             <a:extLst>
               <a:ext uri="{FF2B5EF4-FFF2-40B4-BE49-F238E27FC236}">
-                <a16:creationId xmlns:a16="http://schemas.microsoft.com/office/drawing/2014/main" id="{992B5EC1-A57D-4AE8-BDED-EA091E971502}"/>
+                <a16:creationId xmlns:a16="http://schemas.microsoft.com/office/drawing/2014/main" xmlns="" id="{992B5EC1-A57D-4AE8-BDED-EA091E971502}"/>
               </a:ext>
             </a:extLst>
           </p:cNvPr>
@@ -2170,7 +2175,7 @@
           <p:cNvPr id="2" name="제목 1">
             <a:extLst>
               <a:ext uri="{FF2B5EF4-FFF2-40B4-BE49-F238E27FC236}">
-                <a16:creationId xmlns:a16="http://schemas.microsoft.com/office/drawing/2014/main" id="{84C449F2-3609-4C30-81CF-1FA64D36DE2F}"/>
+                <a16:creationId xmlns:a16="http://schemas.microsoft.com/office/drawing/2014/main" xmlns="" id="{84C449F2-3609-4C30-81CF-1FA64D36DE2F}"/>
               </a:ext>
             </a:extLst>
           </p:cNvPr>
@@ -2207,7 +2212,7 @@
           <p:cNvPr id="3" name="내용 개체 틀 2">
             <a:extLst>
               <a:ext uri="{FF2B5EF4-FFF2-40B4-BE49-F238E27FC236}">
-                <a16:creationId xmlns:a16="http://schemas.microsoft.com/office/drawing/2014/main" id="{DA2F5C3A-131F-4897-B76E-BA82FD390FCE}"/>
+                <a16:creationId xmlns:a16="http://schemas.microsoft.com/office/drawing/2014/main" xmlns="" id="{DA2F5C3A-131F-4897-B76E-BA82FD390FCE}"/>
               </a:ext>
             </a:extLst>
           </p:cNvPr>
@@ -2297,7 +2302,7 @@
           <p:cNvPr id="4" name="텍스트 개체 틀 3">
             <a:extLst>
               <a:ext uri="{FF2B5EF4-FFF2-40B4-BE49-F238E27FC236}">
-                <a16:creationId xmlns:a16="http://schemas.microsoft.com/office/drawing/2014/main" id="{CE99BB8F-B9CF-4B3B-848A-2FB4C54955FF}"/>
+                <a16:creationId xmlns:a16="http://schemas.microsoft.com/office/drawing/2014/main" xmlns="" id="{CE99BB8F-B9CF-4B3B-848A-2FB4C54955FF}"/>
               </a:ext>
             </a:extLst>
           </p:cNvPr>
@@ -2368,7 +2373,7 @@
           <p:cNvPr id="5" name="날짜 개체 틀 4">
             <a:extLst>
               <a:ext uri="{FF2B5EF4-FFF2-40B4-BE49-F238E27FC236}">
-                <a16:creationId xmlns:a16="http://schemas.microsoft.com/office/drawing/2014/main" id="{7EA48B1B-8ABA-48C0-A894-507E2AE5E857}"/>
+                <a16:creationId xmlns:a16="http://schemas.microsoft.com/office/drawing/2014/main" xmlns="" id="{7EA48B1B-8ABA-48C0-A894-507E2AE5E857}"/>
               </a:ext>
             </a:extLst>
           </p:cNvPr>
@@ -2386,7 +2391,7 @@
           <a:p>
             <a:fld id="{0A5ADF93-5C79-47A9-813F-31B3BD393BDC}" type="datetimeFigureOut">
               <a:rPr lang="ko-KR" altLang="en-US" smtClean="0"/>
-              <a:t>2018-03-16</a:t>
+              <a:t>2018-03-18</a:t>
             </a:fld>
             <a:endParaRPr lang="ko-KR" altLang="en-US"/>
           </a:p>
@@ -2397,7 +2402,7 @@
           <p:cNvPr id="6" name="바닥글 개체 틀 5">
             <a:extLst>
               <a:ext uri="{FF2B5EF4-FFF2-40B4-BE49-F238E27FC236}">
-                <a16:creationId xmlns:a16="http://schemas.microsoft.com/office/drawing/2014/main" id="{E35B26C9-5CB5-4CBF-8E31-1B08D3C572FE}"/>
+                <a16:creationId xmlns:a16="http://schemas.microsoft.com/office/drawing/2014/main" xmlns="" id="{E35B26C9-5CB5-4CBF-8E31-1B08D3C572FE}"/>
               </a:ext>
             </a:extLst>
           </p:cNvPr>
@@ -2422,7 +2427,7 @@
           <p:cNvPr id="7" name="슬라이드 번호 개체 틀 6">
             <a:extLst>
               <a:ext uri="{FF2B5EF4-FFF2-40B4-BE49-F238E27FC236}">
-                <a16:creationId xmlns:a16="http://schemas.microsoft.com/office/drawing/2014/main" id="{3B647881-3AD5-4C10-9E8C-B1C42293B738}"/>
+                <a16:creationId xmlns:a16="http://schemas.microsoft.com/office/drawing/2014/main" xmlns="" id="{3B647881-3AD5-4C10-9E8C-B1C42293B738}"/>
               </a:ext>
             </a:extLst>
           </p:cNvPr>
@@ -2481,7 +2486,7 @@
           <p:cNvPr id="2" name="제목 1">
             <a:extLst>
               <a:ext uri="{FF2B5EF4-FFF2-40B4-BE49-F238E27FC236}">
-                <a16:creationId xmlns:a16="http://schemas.microsoft.com/office/drawing/2014/main" id="{0BAB5EF4-9B83-4C7C-8342-30F3D2E64058}"/>
+                <a16:creationId xmlns:a16="http://schemas.microsoft.com/office/drawing/2014/main" xmlns="" id="{0BAB5EF4-9B83-4C7C-8342-30F3D2E64058}"/>
               </a:ext>
             </a:extLst>
           </p:cNvPr>
@@ -2518,7 +2523,7 @@
           <p:cNvPr id="3" name="그림 개체 틀 2">
             <a:extLst>
               <a:ext uri="{FF2B5EF4-FFF2-40B4-BE49-F238E27FC236}">
-                <a16:creationId xmlns:a16="http://schemas.microsoft.com/office/drawing/2014/main" id="{17EFAB28-96A0-4BC9-A70F-9C0E2B84E070}"/>
+                <a16:creationId xmlns:a16="http://schemas.microsoft.com/office/drawing/2014/main" xmlns="" id="{17EFAB28-96A0-4BC9-A70F-9C0E2B84E070}"/>
               </a:ext>
             </a:extLst>
           </p:cNvPr>
@@ -2585,7 +2590,7 @@
           <p:cNvPr id="4" name="텍스트 개체 틀 3">
             <a:extLst>
               <a:ext uri="{FF2B5EF4-FFF2-40B4-BE49-F238E27FC236}">
-                <a16:creationId xmlns:a16="http://schemas.microsoft.com/office/drawing/2014/main" id="{A5CB9ECA-D0AD-4C88-84AD-6B6A39D1FBD9}"/>
+                <a16:creationId xmlns:a16="http://schemas.microsoft.com/office/drawing/2014/main" xmlns="" id="{A5CB9ECA-D0AD-4C88-84AD-6B6A39D1FBD9}"/>
               </a:ext>
             </a:extLst>
           </p:cNvPr>
@@ -2656,7 +2661,7 @@
           <p:cNvPr id="5" name="날짜 개체 틀 4">
             <a:extLst>
               <a:ext uri="{FF2B5EF4-FFF2-40B4-BE49-F238E27FC236}">
-                <a16:creationId xmlns:a16="http://schemas.microsoft.com/office/drawing/2014/main" id="{368C0EA8-C3AF-46F0-9725-9413544114FF}"/>
+                <a16:creationId xmlns:a16="http://schemas.microsoft.com/office/drawing/2014/main" xmlns="" id="{368C0EA8-C3AF-46F0-9725-9413544114FF}"/>
               </a:ext>
             </a:extLst>
           </p:cNvPr>
@@ -2674,7 +2679,7 @@
           <a:p>
             <a:fld id="{0A5ADF93-5C79-47A9-813F-31B3BD393BDC}" type="datetimeFigureOut">
               <a:rPr lang="ko-KR" altLang="en-US" smtClean="0"/>
-              <a:t>2018-03-16</a:t>
+              <a:t>2018-03-18</a:t>
             </a:fld>
             <a:endParaRPr lang="ko-KR" altLang="en-US"/>
           </a:p>
@@ -2685,7 +2690,7 @@
           <p:cNvPr id="6" name="바닥글 개체 틀 5">
             <a:extLst>
               <a:ext uri="{FF2B5EF4-FFF2-40B4-BE49-F238E27FC236}">
-                <a16:creationId xmlns:a16="http://schemas.microsoft.com/office/drawing/2014/main" id="{3378DF57-06D5-461C-B986-30E668B9716B}"/>
+                <a16:creationId xmlns:a16="http://schemas.microsoft.com/office/drawing/2014/main" xmlns="" id="{3378DF57-06D5-461C-B986-30E668B9716B}"/>
               </a:ext>
             </a:extLst>
           </p:cNvPr>
@@ -2710,7 +2715,7 @@
           <p:cNvPr id="7" name="슬라이드 번호 개체 틀 6">
             <a:extLst>
               <a:ext uri="{FF2B5EF4-FFF2-40B4-BE49-F238E27FC236}">
-                <a16:creationId xmlns:a16="http://schemas.microsoft.com/office/drawing/2014/main" id="{9904DDC9-FBDE-46AA-959D-CCC0C5550E5B}"/>
+                <a16:creationId xmlns:a16="http://schemas.microsoft.com/office/drawing/2014/main" xmlns="" id="{9904DDC9-FBDE-46AA-959D-CCC0C5550E5B}"/>
               </a:ext>
             </a:extLst>
           </p:cNvPr>
@@ -2774,7 +2779,7 @@
           <p:cNvPr id="2" name="제목 개체 틀 1">
             <a:extLst>
               <a:ext uri="{FF2B5EF4-FFF2-40B4-BE49-F238E27FC236}">
-                <a16:creationId xmlns:a16="http://schemas.microsoft.com/office/drawing/2014/main" id="{B2366319-57A4-4AFA-A885-10AB4A1B776F}"/>
+                <a16:creationId xmlns:a16="http://schemas.microsoft.com/office/drawing/2014/main" xmlns="" id="{B2366319-57A4-4AFA-A885-10AB4A1B776F}"/>
               </a:ext>
             </a:extLst>
           </p:cNvPr>
@@ -2812,7 +2817,7 @@
           <p:cNvPr id="3" name="텍스트 개체 틀 2">
             <a:extLst>
               <a:ext uri="{FF2B5EF4-FFF2-40B4-BE49-F238E27FC236}">
-                <a16:creationId xmlns:a16="http://schemas.microsoft.com/office/drawing/2014/main" id="{6A2301CE-A07B-4A63-B003-0EED4C28ACB7}"/>
+                <a16:creationId xmlns:a16="http://schemas.microsoft.com/office/drawing/2014/main" xmlns="" id="{6A2301CE-A07B-4A63-B003-0EED4C28ACB7}"/>
               </a:ext>
             </a:extLst>
           </p:cNvPr>
@@ -2879,7 +2884,7 @@
           <p:cNvPr id="4" name="날짜 개체 틀 3">
             <a:extLst>
               <a:ext uri="{FF2B5EF4-FFF2-40B4-BE49-F238E27FC236}">
-                <a16:creationId xmlns:a16="http://schemas.microsoft.com/office/drawing/2014/main" id="{A0E298A3-EEBB-41BD-9377-2C6A35EDC5A2}"/>
+                <a16:creationId xmlns:a16="http://schemas.microsoft.com/office/drawing/2014/main" xmlns="" id="{A0E298A3-EEBB-41BD-9377-2C6A35EDC5A2}"/>
               </a:ext>
             </a:extLst>
           </p:cNvPr>
@@ -2915,7 +2920,7 @@
           <a:p>
             <a:fld id="{0A5ADF93-5C79-47A9-813F-31B3BD393BDC}" type="datetimeFigureOut">
               <a:rPr lang="ko-KR" altLang="en-US" smtClean="0"/>
-              <a:t>2018-03-16</a:t>
+              <a:t>2018-03-18</a:t>
             </a:fld>
             <a:endParaRPr lang="ko-KR" altLang="en-US"/>
           </a:p>
@@ -2926,7 +2931,7 @@
           <p:cNvPr id="5" name="바닥글 개체 틀 4">
             <a:extLst>
               <a:ext uri="{FF2B5EF4-FFF2-40B4-BE49-F238E27FC236}">
-                <a16:creationId xmlns:a16="http://schemas.microsoft.com/office/drawing/2014/main" id="{B6335B64-2DC3-48AE-8FD4-252B17784972}"/>
+                <a16:creationId xmlns:a16="http://schemas.microsoft.com/office/drawing/2014/main" xmlns="" id="{B6335B64-2DC3-48AE-8FD4-252B17784972}"/>
               </a:ext>
             </a:extLst>
           </p:cNvPr>
@@ -2969,7 +2974,7 @@
           <p:cNvPr id="6" name="슬라이드 번호 개체 틀 5">
             <a:extLst>
               <a:ext uri="{FF2B5EF4-FFF2-40B4-BE49-F238E27FC236}">
-                <a16:creationId xmlns:a16="http://schemas.microsoft.com/office/drawing/2014/main" id="{631C29B0-1D22-4F97-88D7-5BC70C4227A7}"/>
+                <a16:creationId xmlns:a16="http://schemas.microsoft.com/office/drawing/2014/main" xmlns="" id="{631C29B0-1D22-4F97-88D7-5BC70C4227A7}"/>
               </a:ext>
             </a:extLst>
           </p:cNvPr>
@@ -3337,7 +3342,7 @@
           <p:cNvPr id="4" name="TextBox 3">
             <a:extLst>
               <a:ext uri="{FF2B5EF4-FFF2-40B4-BE49-F238E27FC236}">
-                <a16:creationId xmlns:a16="http://schemas.microsoft.com/office/drawing/2014/main" id="{99D9A428-322D-42CF-807A-CA0BF3F21AFB}"/>
+                <a16:creationId xmlns:a16="http://schemas.microsoft.com/office/drawing/2014/main" xmlns="" id="{99D9A428-322D-42CF-807A-CA0BF3F21AFB}"/>
               </a:ext>
             </a:extLst>
           </p:cNvPr>
@@ -3387,7 +3392,7 @@
           <p:cNvPr id="5" name="직사각형 4">
             <a:extLst>
               <a:ext uri="{FF2B5EF4-FFF2-40B4-BE49-F238E27FC236}">
-                <a16:creationId xmlns:a16="http://schemas.microsoft.com/office/drawing/2014/main" id="{FD08DBE9-2CC7-495B-BB6D-434553ABEF3C}"/>
+                <a16:creationId xmlns:a16="http://schemas.microsoft.com/office/drawing/2014/main" xmlns="" id="{FD08DBE9-2CC7-495B-BB6D-434553ABEF3C}"/>
               </a:ext>
             </a:extLst>
           </p:cNvPr>
@@ -3463,7 +3468,7 @@
           <p:cNvPr id="6" name="원통형 5">
             <a:extLst>
               <a:ext uri="{FF2B5EF4-FFF2-40B4-BE49-F238E27FC236}">
-                <a16:creationId xmlns:a16="http://schemas.microsoft.com/office/drawing/2014/main" id="{EEBF77D9-2D27-4E15-8941-E7DB1B70EBCF}"/>
+                <a16:creationId xmlns:a16="http://schemas.microsoft.com/office/drawing/2014/main" xmlns="" id="{EEBF77D9-2D27-4E15-8941-E7DB1B70EBCF}"/>
               </a:ext>
             </a:extLst>
           </p:cNvPr>
@@ -3507,7 +3512,7 @@
           <p:cNvPr id="7" name="직사각형 6">
             <a:extLst>
               <a:ext uri="{FF2B5EF4-FFF2-40B4-BE49-F238E27FC236}">
-                <a16:creationId xmlns:a16="http://schemas.microsoft.com/office/drawing/2014/main" id="{499BAA85-6BA9-4E3F-929B-2CAEA6641ED7}"/>
+                <a16:creationId xmlns:a16="http://schemas.microsoft.com/office/drawing/2014/main" xmlns="" id="{499BAA85-6BA9-4E3F-929B-2CAEA6641ED7}"/>
               </a:ext>
             </a:extLst>
           </p:cNvPr>
@@ -3551,7 +3556,7 @@
           <p:cNvPr id="8" name="직사각형 7">
             <a:extLst>
               <a:ext uri="{FF2B5EF4-FFF2-40B4-BE49-F238E27FC236}">
-                <a16:creationId xmlns:a16="http://schemas.microsoft.com/office/drawing/2014/main" id="{A2120509-B08A-4514-AD66-E36F9475398D}"/>
+                <a16:creationId xmlns:a16="http://schemas.microsoft.com/office/drawing/2014/main" xmlns="" id="{A2120509-B08A-4514-AD66-E36F9475398D}"/>
               </a:ext>
             </a:extLst>
           </p:cNvPr>
@@ -3601,7 +3606,7 @@
           <p:cNvPr id="9" name="직사각형 8">
             <a:extLst>
               <a:ext uri="{FF2B5EF4-FFF2-40B4-BE49-F238E27FC236}">
-                <a16:creationId xmlns:a16="http://schemas.microsoft.com/office/drawing/2014/main" id="{82C5A3E3-8DCB-4063-901E-4E7DFE72103E}"/>
+                <a16:creationId xmlns:a16="http://schemas.microsoft.com/office/drawing/2014/main" xmlns="" id="{82C5A3E3-8DCB-4063-901E-4E7DFE72103E}"/>
               </a:ext>
             </a:extLst>
           </p:cNvPr>
@@ -3651,7 +3656,7 @@
           <p:cNvPr id="10" name="직사각형 9">
             <a:extLst>
               <a:ext uri="{FF2B5EF4-FFF2-40B4-BE49-F238E27FC236}">
-                <a16:creationId xmlns:a16="http://schemas.microsoft.com/office/drawing/2014/main" id="{3DB061C8-4981-434C-AE86-2995946D4599}"/>
+                <a16:creationId xmlns:a16="http://schemas.microsoft.com/office/drawing/2014/main" xmlns="" id="{3DB061C8-4981-434C-AE86-2995946D4599}"/>
               </a:ext>
             </a:extLst>
           </p:cNvPr>
@@ -3701,7 +3706,7 @@
           <p:cNvPr id="11" name="직사각형 10">
             <a:extLst>
               <a:ext uri="{FF2B5EF4-FFF2-40B4-BE49-F238E27FC236}">
-                <a16:creationId xmlns:a16="http://schemas.microsoft.com/office/drawing/2014/main" id="{603FE2BC-54F5-4344-A972-ED3DFCA70384}"/>
+                <a16:creationId xmlns:a16="http://schemas.microsoft.com/office/drawing/2014/main" xmlns="" id="{603FE2BC-54F5-4344-A972-ED3DFCA70384}"/>
               </a:ext>
             </a:extLst>
           </p:cNvPr>
@@ -3751,7 +3756,7 @@
           <p:cNvPr id="13" name="직선 연결선 12">
             <a:extLst>
               <a:ext uri="{FF2B5EF4-FFF2-40B4-BE49-F238E27FC236}">
-                <a16:creationId xmlns:a16="http://schemas.microsoft.com/office/drawing/2014/main" id="{3A7A8D42-6BAD-4A41-8A59-2111E7A3AA62}"/>
+                <a16:creationId xmlns:a16="http://schemas.microsoft.com/office/drawing/2014/main" xmlns="" id="{3A7A8D42-6BAD-4A41-8A59-2111E7A3AA62}"/>
               </a:ext>
             </a:extLst>
           </p:cNvPr>
@@ -3787,7 +3792,7 @@
           <p:cNvPr id="15" name="직선 연결선 14">
             <a:extLst>
               <a:ext uri="{FF2B5EF4-FFF2-40B4-BE49-F238E27FC236}">
-                <a16:creationId xmlns:a16="http://schemas.microsoft.com/office/drawing/2014/main" id="{653CCDF7-47A9-4CC2-AFB1-C5E155028D18}"/>
+                <a16:creationId xmlns:a16="http://schemas.microsoft.com/office/drawing/2014/main" xmlns="" id="{653CCDF7-47A9-4CC2-AFB1-C5E155028D18}"/>
               </a:ext>
             </a:extLst>
           </p:cNvPr>
@@ -3823,7 +3828,7 @@
           <p:cNvPr id="16" name="직선 연결선 15">
             <a:extLst>
               <a:ext uri="{FF2B5EF4-FFF2-40B4-BE49-F238E27FC236}">
-                <a16:creationId xmlns:a16="http://schemas.microsoft.com/office/drawing/2014/main" id="{2C1AABD8-8CC5-45B9-B3C9-51FD48B87E7B}"/>
+                <a16:creationId xmlns:a16="http://schemas.microsoft.com/office/drawing/2014/main" xmlns="" id="{2C1AABD8-8CC5-45B9-B3C9-51FD48B87E7B}"/>
               </a:ext>
             </a:extLst>
           </p:cNvPr>
@@ -3861,7 +3866,7 @@
           <p:cNvPr id="18" name="직선 연결선 17">
             <a:extLst>
               <a:ext uri="{FF2B5EF4-FFF2-40B4-BE49-F238E27FC236}">
-                <a16:creationId xmlns:a16="http://schemas.microsoft.com/office/drawing/2014/main" id="{8DD73171-3E9F-45C0-AA90-C0CFCAB3BA74}"/>
+                <a16:creationId xmlns:a16="http://schemas.microsoft.com/office/drawing/2014/main" xmlns="" id="{8DD73171-3E9F-45C0-AA90-C0CFCAB3BA74}"/>
               </a:ext>
             </a:extLst>
           </p:cNvPr>
@@ -3899,7 +3904,7 @@
           <p:cNvPr id="24" name="TextBox 23">
             <a:extLst>
               <a:ext uri="{FF2B5EF4-FFF2-40B4-BE49-F238E27FC236}">
-                <a16:creationId xmlns:a16="http://schemas.microsoft.com/office/drawing/2014/main" id="{532CB77F-8230-4E2D-8D1D-C2FF39E02FC7}"/>
+                <a16:creationId xmlns:a16="http://schemas.microsoft.com/office/drawing/2014/main" xmlns="" id="{532CB77F-8230-4E2D-8D1D-C2FF39E02FC7}"/>
               </a:ext>
             </a:extLst>
           </p:cNvPr>
@@ -3936,7 +3941,7 @@
           <p:cNvPr id="25" name="TextBox 24">
             <a:extLst>
               <a:ext uri="{FF2B5EF4-FFF2-40B4-BE49-F238E27FC236}">
-                <a16:creationId xmlns:a16="http://schemas.microsoft.com/office/drawing/2014/main" id="{F4B1E6A3-88C4-4DDD-BBEB-7537E0116B07}"/>
+                <a16:creationId xmlns:a16="http://schemas.microsoft.com/office/drawing/2014/main" xmlns="" id="{F4B1E6A3-88C4-4DDD-BBEB-7537E0116B07}"/>
               </a:ext>
             </a:extLst>
           </p:cNvPr>
@@ -3973,7 +3978,7 @@
           <p:cNvPr id="26" name="TextBox 25">
             <a:extLst>
               <a:ext uri="{FF2B5EF4-FFF2-40B4-BE49-F238E27FC236}">
-                <a16:creationId xmlns:a16="http://schemas.microsoft.com/office/drawing/2014/main" id="{76BE915D-A1D3-44F6-90DF-1F17ECFCEFB4}"/>
+                <a16:creationId xmlns:a16="http://schemas.microsoft.com/office/drawing/2014/main" xmlns="" id="{76BE915D-A1D3-44F6-90DF-1F17ECFCEFB4}"/>
               </a:ext>
             </a:extLst>
           </p:cNvPr>
@@ -4013,6 +4018,3834 @@
     <p:extLst>
       <p:ext uri="{BB962C8B-B14F-4D97-AF65-F5344CB8AC3E}">
         <p14:creationId xmlns:p14="http://schemas.microsoft.com/office/powerpoint/2010/main" val="1867942235"/>
+      </p:ext>
+    </p:extLst>
+  </p:cSld>
+  <p:clrMapOvr>
+    <a:masterClrMapping/>
+  </p:clrMapOvr>
+</p:sld>
+</file>
+
+<file path=ppt/slides/slide10.xml><?xml version="1.0" encoding="utf-8"?>
+<p:sld xmlns:a="http://schemas.openxmlformats.org/drawingml/2006/main" xmlns:r="http://schemas.openxmlformats.org/officeDocument/2006/relationships" xmlns:p="http://schemas.openxmlformats.org/presentationml/2006/main">
+  <p:cSld>
+    <p:spTree>
+      <p:nvGrpSpPr>
+        <p:cNvPr id="1" name=""/>
+        <p:cNvGrpSpPr/>
+        <p:nvPr/>
+      </p:nvGrpSpPr>
+      <p:grpSpPr>
+        <a:xfrm>
+          <a:off x="0" y="0"/>
+          <a:ext cx="0" cy="0"/>
+          <a:chOff x="0" y="0"/>
+          <a:chExt cx="0" cy="0"/>
+        </a:xfrm>
+      </p:grpSpPr>
+      <p:sp>
+        <p:nvSpPr>
+          <p:cNvPr id="7" name="직사각형 6">
+            <a:extLst>
+              <a:ext uri="{FF2B5EF4-FFF2-40B4-BE49-F238E27FC236}">
+                <a16:creationId xmlns:a16="http://schemas.microsoft.com/office/drawing/2014/main" xmlns="" id="{AA7231FC-3028-4C36-8DED-8474CF01E01D}"/>
+              </a:ext>
+            </a:extLst>
+          </p:cNvPr>
+          <p:cNvSpPr/>
+          <p:nvPr/>
+        </p:nvSpPr>
+        <p:spPr>
+          <a:xfrm>
+            <a:off x="1007327" y="1469489"/>
+            <a:ext cx="1334428" cy="3983457"/>
+          </a:xfrm>
+          <a:prstGeom prst="rect">
+            <a:avLst/>
+          </a:prstGeom>
+        </p:spPr>
+        <p:style>
+          <a:lnRef idx="2">
+            <a:schemeClr val="dk1"/>
+          </a:lnRef>
+          <a:fillRef idx="1">
+            <a:schemeClr val="lt1"/>
+          </a:fillRef>
+          <a:effectRef idx="0">
+            <a:schemeClr val="dk1"/>
+          </a:effectRef>
+          <a:fontRef idx="minor">
+            <a:schemeClr val="dk1"/>
+          </a:fontRef>
+        </p:style>
+        <p:txBody>
+          <a:bodyPr rtlCol="0" anchor="ctr"/>
+          <a:lstStyle/>
+          <a:p>
+            <a:pPr algn="ctr"/>
+            <a:endParaRPr lang="ko-KR" altLang="en-US"/>
+          </a:p>
+        </p:txBody>
+      </p:sp>
+      <p:sp>
+        <p:nvSpPr>
+          <p:cNvPr id="8" name="직사각형 7">
+            <a:extLst>
+              <a:ext uri="{FF2B5EF4-FFF2-40B4-BE49-F238E27FC236}">
+                <a16:creationId xmlns:a16="http://schemas.microsoft.com/office/drawing/2014/main" xmlns="" id="{196F14C3-28B0-434D-9501-B1EBF55ADE0C}"/>
+              </a:ext>
+            </a:extLst>
+          </p:cNvPr>
+          <p:cNvSpPr/>
+          <p:nvPr/>
+        </p:nvSpPr>
+        <p:spPr>
+          <a:xfrm>
+            <a:off x="1005470" y="1857274"/>
+            <a:ext cx="1334428" cy="556191"/>
+          </a:xfrm>
+          <a:prstGeom prst="rect">
+            <a:avLst/>
+          </a:prstGeom>
+        </p:spPr>
+        <p:style>
+          <a:lnRef idx="2">
+            <a:schemeClr val="accent1">
+              <a:shade val="50000"/>
+            </a:schemeClr>
+          </a:lnRef>
+          <a:fillRef idx="1">
+            <a:schemeClr val="accent1"/>
+          </a:fillRef>
+          <a:effectRef idx="0">
+            <a:schemeClr val="accent1"/>
+          </a:effectRef>
+          <a:fontRef idx="minor">
+            <a:schemeClr val="lt1"/>
+          </a:fontRef>
+        </p:style>
+        <p:txBody>
+          <a:bodyPr rtlCol="0" anchor="ctr"/>
+          <a:lstStyle/>
+          <a:p>
+            <a:pPr algn="ctr"/>
+            <a:r>
+              <a:rPr lang="en-US" altLang="ko-KR" dirty="0"/>
+              <a:t>text</a:t>
+            </a:r>
+            <a:endParaRPr lang="ko-KR" altLang="en-US" dirty="0"/>
+          </a:p>
+        </p:txBody>
+      </p:sp>
+      <p:sp>
+        <p:nvSpPr>
+          <p:cNvPr id="9" name="직사각형 8">
+            <a:extLst>
+              <a:ext uri="{FF2B5EF4-FFF2-40B4-BE49-F238E27FC236}">
+                <a16:creationId xmlns:a16="http://schemas.microsoft.com/office/drawing/2014/main" xmlns="" id="{CEC42D83-C639-45D6-B3A0-613E40B0AC26}"/>
+              </a:ext>
+            </a:extLst>
+          </p:cNvPr>
+          <p:cNvSpPr/>
+          <p:nvPr/>
+        </p:nvSpPr>
+        <p:spPr>
+          <a:xfrm>
+            <a:off x="1005470" y="4078875"/>
+            <a:ext cx="1334428" cy="561714"/>
+          </a:xfrm>
+          <a:prstGeom prst="rect">
+            <a:avLst/>
+          </a:prstGeom>
+        </p:spPr>
+        <p:style>
+          <a:lnRef idx="2">
+            <a:schemeClr val="accent4">
+              <a:shade val="50000"/>
+            </a:schemeClr>
+          </a:lnRef>
+          <a:fillRef idx="1">
+            <a:schemeClr val="accent4"/>
+          </a:fillRef>
+          <a:effectRef idx="0">
+            <a:schemeClr val="accent4"/>
+          </a:effectRef>
+          <a:fontRef idx="minor">
+            <a:schemeClr val="lt1"/>
+          </a:fontRef>
+        </p:style>
+        <p:txBody>
+          <a:bodyPr rtlCol="0" anchor="ctr"/>
+          <a:lstStyle/>
+          <a:p>
+            <a:pPr algn="ctr"/>
+            <a:endParaRPr lang="ko-KR" altLang="en-US"/>
+          </a:p>
+        </p:txBody>
+      </p:sp>
+      <p:sp>
+        <p:nvSpPr>
+          <p:cNvPr id="10" name="TextBox 9">
+            <a:extLst>
+              <a:ext uri="{FF2B5EF4-FFF2-40B4-BE49-F238E27FC236}">
+                <a16:creationId xmlns:a16="http://schemas.microsoft.com/office/drawing/2014/main" xmlns="" id="{D234E267-1352-4B64-91C9-86F87DC60B1E}"/>
+              </a:ext>
+            </a:extLst>
+          </p:cNvPr>
+          <p:cNvSpPr txBox="1"/>
+          <p:nvPr/>
+        </p:nvSpPr>
+        <p:spPr>
+          <a:xfrm>
+            <a:off x="1050072" y="1093398"/>
+            <a:ext cx="1248937" cy="307777"/>
+          </a:xfrm>
+          <a:prstGeom prst="rect">
+            <a:avLst/>
+          </a:prstGeom>
+          <a:noFill/>
+        </p:spPr>
+        <p:txBody>
+          <a:bodyPr wrap="square" rtlCol="0">
+            <a:spAutoFit/>
+          </a:bodyPr>
+          <a:lstStyle/>
+          <a:p>
+            <a:pPr algn="ctr"/>
+            <a:r>
+              <a:rPr lang="en-US" altLang="ko-KR" sz="1400" dirty="0"/>
+              <a:t>parent</a:t>
+            </a:r>
+            <a:endParaRPr lang="ko-KR" altLang="en-US" sz="1400" dirty="0"/>
+          </a:p>
+        </p:txBody>
+      </p:sp>
+      <p:sp>
+        <p:nvSpPr>
+          <p:cNvPr id="12" name="직사각형 11">
+            <a:extLst>
+              <a:ext uri="{FF2B5EF4-FFF2-40B4-BE49-F238E27FC236}">
+                <a16:creationId xmlns:a16="http://schemas.microsoft.com/office/drawing/2014/main" xmlns="" id="{13C5DCAA-751F-496A-A405-96FFCBD0245B}"/>
+              </a:ext>
+            </a:extLst>
+          </p:cNvPr>
+          <p:cNvSpPr/>
+          <p:nvPr/>
+        </p:nvSpPr>
+        <p:spPr>
+          <a:xfrm>
+            <a:off x="9958037" y="1469489"/>
+            <a:ext cx="1334428" cy="3983457"/>
+          </a:xfrm>
+          <a:prstGeom prst="rect">
+            <a:avLst/>
+          </a:prstGeom>
+        </p:spPr>
+        <p:style>
+          <a:lnRef idx="2">
+            <a:schemeClr val="dk1"/>
+          </a:lnRef>
+          <a:fillRef idx="1">
+            <a:schemeClr val="lt1"/>
+          </a:fillRef>
+          <a:effectRef idx="0">
+            <a:schemeClr val="dk1"/>
+          </a:effectRef>
+          <a:fontRef idx="minor">
+            <a:schemeClr val="dk1"/>
+          </a:fontRef>
+        </p:style>
+        <p:txBody>
+          <a:bodyPr rtlCol="0" anchor="ctr"/>
+          <a:lstStyle/>
+          <a:p>
+            <a:pPr algn="ctr"/>
+            <a:endParaRPr lang="ko-KR" altLang="en-US"/>
+          </a:p>
+        </p:txBody>
+      </p:sp>
+      <p:sp>
+        <p:nvSpPr>
+          <p:cNvPr id="13" name="직사각형 12">
+            <a:extLst>
+              <a:ext uri="{FF2B5EF4-FFF2-40B4-BE49-F238E27FC236}">
+                <a16:creationId xmlns:a16="http://schemas.microsoft.com/office/drawing/2014/main" xmlns="" id="{77C91BE5-2C8F-4144-8FB7-AD1E735ED54E}"/>
+              </a:ext>
+            </a:extLst>
+          </p:cNvPr>
+          <p:cNvSpPr/>
+          <p:nvPr/>
+        </p:nvSpPr>
+        <p:spPr>
+          <a:xfrm>
+            <a:off x="9956180" y="1857274"/>
+            <a:ext cx="1334428" cy="556191"/>
+          </a:xfrm>
+          <a:prstGeom prst="rect">
+            <a:avLst/>
+          </a:prstGeom>
+        </p:spPr>
+        <p:style>
+          <a:lnRef idx="2">
+            <a:schemeClr val="accent1">
+              <a:shade val="50000"/>
+            </a:schemeClr>
+          </a:lnRef>
+          <a:fillRef idx="1">
+            <a:schemeClr val="accent1"/>
+          </a:fillRef>
+          <a:effectRef idx="0">
+            <a:schemeClr val="accent1"/>
+          </a:effectRef>
+          <a:fontRef idx="minor">
+            <a:schemeClr val="lt1"/>
+          </a:fontRef>
+        </p:style>
+        <p:txBody>
+          <a:bodyPr rtlCol="0" anchor="ctr"/>
+          <a:lstStyle/>
+          <a:p>
+            <a:pPr algn="ctr"/>
+            <a:r>
+              <a:rPr lang="en-US" altLang="ko-KR" dirty="0"/>
+              <a:t>text</a:t>
+            </a:r>
+            <a:endParaRPr lang="ko-KR" altLang="en-US" dirty="0"/>
+          </a:p>
+        </p:txBody>
+      </p:sp>
+      <p:sp>
+        <p:nvSpPr>
+          <p:cNvPr id="14" name="직사각형 13">
+            <a:extLst>
+              <a:ext uri="{FF2B5EF4-FFF2-40B4-BE49-F238E27FC236}">
+                <a16:creationId xmlns:a16="http://schemas.microsoft.com/office/drawing/2014/main" xmlns="" id="{76D38772-319F-43FB-A26B-B8854B0951CE}"/>
+              </a:ext>
+            </a:extLst>
+          </p:cNvPr>
+          <p:cNvSpPr/>
+          <p:nvPr/>
+        </p:nvSpPr>
+        <p:spPr>
+          <a:xfrm>
+            <a:off x="9956180" y="4078875"/>
+            <a:ext cx="1334428" cy="561714"/>
+          </a:xfrm>
+          <a:prstGeom prst="rect">
+            <a:avLst/>
+          </a:prstGeom>
+        </p:spPr>
+        <p:style>
+          <a:lnRef idx="2">
+            <a:schemeClr val="accent4">
+              <a:shade val="50000"/>
+            </a:schemeClr>
+          </a:lnRef>
+          <a:fillRef idx="1">
+            <a:schemeClr val="accent4"/>
+          </a:fillRef>
+          <a:effectRef idx="0">
+            <a:schemeClr val="accent4"/>
+          </a:effectRef>
+          <a:fontRef idx="minor">
+            <a:schemeClr val="lt1"/>
+          </a:fontRef>
+        </p:style>
+        <p:txBody>
+          <a:bodyPr rtlCol="0" anchor="ctr"/>
+          <a:lstStyle/>
+          <a:p>
+            <a:pPr algn="ctr"/>
+            <a:endParaRPr lang="ko-KR" altLang="en-US"/>
+          </a:p>
+        </p:txBody>
+      </p:sp>
+      <p:sp>
+        <p:nvSpPr>
+          <p:cNvPr id="15" name="TextBox 14">
+            <a:extLst>
+              <a:ext uri="{FF2B5EF4-FFF2-40B4-BE49-F238E27FC236}">
+                <a16:creationId xmlns:a16="http://schemas.microsoft.com/office/drawing/2014/main" xmlns="" id="{7F769A63-B359-4AFE-B4DE-B461E66D50D1}"/>
+              </a:ext>
+            </a:extLst>
+          </p:cNvPr>
+          <p:cNvSpPr txBox="1"/>
+          <p:nvPr/>
+        </p:nvSpPr>
+        <p:spPr>
+          <a:xfrm>
+            <a:off x="10000782" y="1093398"/>
+            <a:ext cx="1248937" cy="307777"/>
+          </a:xfrm>
+          <a:prstGeom prst="rect">
+            <a:avLst/>
+          </a:prstGeom>
+          <a:noFill/>
+        </p:spPr>
+        <p:txBody>
+          <a:bodyPr wrap="square" rtlCol="0">
+            <a:spAutoFit/>
+          </a:bodyPr>
+          <a:lstStyle/>
+          <a:p>
+            <a:pPr algn="ctr"/>
+            <a:r>
+              <a:rPr lang="en-US" altLang="ko-KR" sz="1400" dirty="0"/>
+              <a:t>child</a:t>
+            </a:r>
+            <a:endParaRPr lang="ko-KR" altLang="en-US" sz="1400" dirty="0"/>
+          </a:p>
+        </p:txBody>
+      </p:sp>
+      <p:cxnSp>
+        <p:nvCxnSpPr>
+          <p:cNvPr id="17" name="직선 연결선 16">
+            <a:extLst>
+              <a:ext uri="{FF2B5EF4-FFF2-40B4-BE49-F238E27FC236}">
+                <a16:creationId xmlns:a16="http://schemas.microsoft.com/office/drawing/2014/main" xmlns="" id="{FCF616DE-67FF-4B57-A67B-9EF32C072650}"/>
+              </a:ext>
+            </a:extLst>
+          </p:cNvPr>
+          <p:cNvCxnSpPr/>
+          <p:nvPr/>
+        </p:nvCxnSpPr>
+        <p:spPr>
+          <a:xfrm flipV="1">
+            <a:off x="2339898" y="426113"/>
+            <a:ext cx="1734894" cy="1431161"/>
+          </a:xfrm>
+          <a:prstGeom prst="line">
+            <a:avLst/>
+          </a:prstGeom>
+        </p:spPr>
+        <p:style>
+          <a:lnRef idx="2">
+            <a:schemeClr val="dk1"/>
+          </a:lnRef>
+          <a:fillRef idx="0">
+            <a:schemeClr val="dk1"/>
+          </a:fillRef>
+          <a:effectRef idx="1">
+            <a:schemeClr val="dk1"/>
+          </a:effectRef>
+          <a:fontRef idx="minor">
+            <a:schemeClr val="tx1"/>
+          </a:fontRef>
+        </p:style>
+      </p:cxnSp>
+      <p:cxnSp>
+        <p:nvCxnSpPr>
+          <p:cNvPr id="19" name="직선 연결선 18">
+            <a:extLst>
+              <a:ext uri="{FF2B5EF4-FFF2-40B4-BE49-F238E27FC236}">
+                <a16:creationId xmlns:a16="http://schemas.microsoft.com/office/drawing/2014/main" xmlns="" id="{A304F169-85A6-49C8-8018-94AAE1F9B632}"/>
+              </a:ext>
+            </a:extLst>
+          </p:cNvPr>
+          <p:cNvCxnSpPr>
+            <a:cxnSpLocks/>
+          </p:cNvCxnSpPr>
+          <p:nvPr/>
+        </p:nvCxnSpPr>
+        <p:spPr>
+          <a:xfrm>
+            <a:off x="2339898" y="2413465"/>
+            <a:ext cx="1735822" cy="872324"/>
+          </a:xfrm>
+          <a:prstGeom prst="line">
+            <a:avLst/>
+          </a:prstGeom>
+        </p:spPr>
+        <p:style>
+          <a:lnRef idx="2">
+            <a:schemeClr val="dk1"/>
+          </a:lnRef>
+          <a:fillRef idx="0">
+            <a:schemeClr val="dk1"/>
+          </a:fillRef>
+          <a:effectRef idx="1">
+            <a:schemeClr val="dk1"/>
+          </a:effectRef>
+          <a:fontRef idx="minor">
+            <a:schemeClr val="tx1"/>
+          </a:fontRef>
+        </p:style>
+      </p:cxnSp>
+      <p:cxnSp>
+        <p:nvCxnSpPr>
+          <p:cNvPr id="21" name="직선 연결선 20">
+            <a:extLst>
+              <a:ext uri="{FF2B5EF4-FFF2-40B4-BE49-F238E27FC236}">
+                <a16:creationId xmlns:a16="http://schemas.microsoft.com/office/drawing/2014/main" xmlns="" id="{9C5BDE3C-E489-4F76-B7F8-FDB9CF102109}"/>
+              </a:ext>
+            </a:extLst>
+          </p:cNvPr>
+          <p:cNvCxnSpPr>
+            <a:cxnSpLocks/>
+          </p:cNvCxnSpPr>
+          <p:nvPr/>
+        </p:nvCxnSpPr>
+        <p:spPr>
+          <a:xfrm>
+            <a:off x="7621178" y="426113"/>
+            <a:ext cx="2333145" cy="1043376"/>
+          </a:xfrm>
+          <a:prstGeom prst="line">
+            <a:avLst/>
+          </a:prstGeom>
+          <a:ln>
+            <a:prstDash val="dash"/>
+          </a:ln>
+        </p:spPr>
+        <p:style>
+          <a:lnRef idx="2">
+            <a:schemeClr val="dk1"/>
+          </a:lnRef>
+          <a:fillRef idx="0">
+            <a:schemeClr val="dk1"/>
+          </a:fillRef>
+          <a:effectRef idx="1">
+            <a:schemeClr val="dk1"/>
+          </a:effectRef>
+          <a:fontRef idx="minor">
+            <a:schemeClr val="tx1"/>
+          </a:fontRef>
+        </p:style>
+      </p:cxnSp>
+      <p:cxnSp>
+        <p:nvCxnSpPr>
+          <p:cNvPr id="23" name="직선 연결선 22">
+            <a:extLst>
+              <a:ext uri="{FF2B5EF4-FFF2-40B4-BE49-F238E27FC236}">
+                <a16:creationId xmlns:a16="http://schemas.microsoft.com/office/drawing/2014/main" xmlns="" id="{7168D0EF-CAC9-4289-9931-53F583F6476C}"/>
+              </a:ext>
+            </a:extLst>
+          </p:cNvPr>
+          <p:cNvCxnSpPr>
+            <a:cxnSpLocks/>
+          </p:cNvCxnSpPr>
+          <p:nvPr/>
+        </p:nvCxnSpPr>
+        <p:spPr>
+          <a:xfrm flipV="1">
+            <a:off x="7621178" y="2413465"/>
+            <a:ext cx="2333145" cy="872324"/>
+          </a:xfrm>
+          <a:prstGeom prst="line">
+            <a:avLst/>
+          </a:prstGeom>
+          <a:ln>
+            <a:prstDash val="dash"/>
+          </a:ln>
+        </p:spPr>
+        <p:style>
+          <a:lnRef idx="2">
+            <a:schemeClr val="dk1"/>
+          </a:lnRef>
+          <a:fillRef idx="0">
+            <a:schemeClr val="dk1"/>
+          </a:fillRef>
+          <a:effectRef idx="1">
+            <a:schemeClr val="dk1"/>
+          </a:effectRef>
+          <a:fontRef idx="minor">
+            <a:schemeClr val="tx1"/>
+          </a:fontRef>
+        </p:style>
+      </p:cxnSp>
+      <p:sp>
+        <p:nvSpPr>
+          <p:cNvPr id="2" name="직사각형 1"/>
+          <p:cNvSpPr/>
+          <p:nvPr/>
+        </p:nvSpPr>
+        <p:spPr>
+          <a:xfrm>
+            <a:off x="4076649" y="426113"/>
+            <a:ext cx="3544529" cy="2862322"/>
+          </a:xfrm>
+          <a:prstGeom prst="rect">
+            <a:avLst/>
+          </a:prstGeom>
+        </p:spPr>
+        <p:style>
+          <a:lnRef idx="2">
+            <a:schemeClr val="dk1"/>
+          </a:lnRef>
+          <a:fillRef idx="1">
+            <a:schemeClr val="lt1"/>
+          </a:fillRef>
+          <a:effectRef idx="0">
+            <a:schemeClr val="dk1"/>
+          </a:effectRef>
+          <a:fontRef idx="minor">
+            <a:schemeClr val="dk1"/>
+          </a:fontRef>
+        </p:style>
+        <p:txBody>
+          <a:bodyPr wrap="square">
+            <a:spAutoFit/>
+          </a:bodyPr>
+          <a:lstStyle/>
+          <a:p>
+            <a:r>
+              <a:rPr lang="en-US" altLang="ko-KR" sz="1200" dirty="0" err="1">
+                <a:solidFill>
+                  <a:srgbClr val="222222"/>
+                </a:solidFill>
+                <a:latin typeface="Verdana" panose="020B0604030504040204" pitchFamily="34" charset="0"/>
+              </a:rPr>
+              <a:t>int</a:t>
+            </a:r>
+            <a:r>
+              <a:rPr lang="en-US" altLang="ko-KR" sz="1200" dirty="0">
+                <a:solidFill>
+                  <a:srgbClr val="222222"/>
+                </a:solidFill>
+                <a:latin typeface="Verdana" panose="020B0604030504040204" pitchFamily="34" charset="0"/>
+              </a:rPr>
+              <a:t> main() </a:t>
+            </a:r>
+            <a:r>
+              <a:rPr lang="en-US" altLang="ko-KR" sz="1200" dirty="0"/>
+              <a:t/>
+            </a:r>
+            <a:br>
+              <a:rPr lang="en-US" altLang="ko-KR" sz="1200" dirty="0"/>
+            </a:br>
+            <a:r>
+              <a:rPr lang="en-US" altLang="ko-KR" sz="1200" dirty="0">
+                <a:solidFill>
+                  <a:srgbClr val="222222"/>
+                </a:solidFill>
+                <a:latin typeface="Verdana" panose="020B0604030504040204" pitchFamily="34" charset="0"/>
+              </a:rPr>
+              <a:t>{ </a:t>
+            </a:r>
+            <a:r>
+              <a:rPr lang="en-US" altLang="ko-KR" sz="1200" dirty="0"/>
+              <a:t/>
+            </a:r>
+            <a:br>
+              <a:rPr lang="en-US" altLang="ko-KR" sz="1200" dirty="0"/>
+            </a:br>
+            <a:r>
+              <a:rPr lang="en-US" altLang="ko-KR" sz="1200" dirty="0">
+                <a:solidFill>
+                  <a:srgbClr val="222222"/>
+                </a:solidFill>
+                <a:latin typeface="Verdana" panose="020B0604030504040204" pitchFamily="34" charset="0"/>
+              </a:rPr>
+              <a:t>    char *</a:t>
+            </a:r>
+            <a:r>
+              <a:rPr lang="en-US" altLang="ko-KR" sz="1200" dirty="0" err="1">
+                <a:solidFill>
+                  <a:srgbClr val="222222"/>
+                </a:solidFill>
+                <a:latin typeface="Verdana" panose="020B0604030504040204" pitchFamily="34" charset="0"/>
+              </a:rPr>
+              <a:t>argv</a:t>
+            </a:r>
+            <a:r>
+              <a:rPr lang="en-US" altLang="ko-KR" sz="1200" dirty="0">
+                <a:solidFill>
+                  <a:srgbClr val="222222"/>
+                </a:solidFill>
+                <a:latin typeface="Verdana" panose="020B0604030504040204" pitchFamily="34" charset="0"/>
+              </a:rPr>
+              <a:t>[] = { "ls", (char*)0}; </a:t>
+            </a:r>
+            <a:r>
+              <a:rPr lang="en-US" altLang="ko-KR" sz="1200" dirty="0"/>
+              <a:t/>
+            </a:r>
+            <a:br>
+              <a:rPr lang="en-US" altLang="ko-KR" sz="1200" dirty="0"/>
+            </a:br>
+            <a:r>
+              <a:rPr lang="en-US" altLang="ko-KR" sz="1200" dirty="0"/>
+              <a:t/>
+            </a:r>
+            <a:br>
+              <a:rPr lang="en-US" altLang="ko-KR" sz="1200" dirty="0"/>
+            </a:br>
+            <a:r>
+              <a:rPr lang="en-US" altLang="ko-KR" sz="1200" dirty="0">
+                <a:solidFill>
+                  <a:srgbClr val="222222"/>
+                </a:solidFill>
+                <a:latin typeface="Verdana" panose="020B0604030504040204" pitchFamily="34" charset="0"/>
+              </a:rPr>
+              <a:t>    </a:t>
+            </a:r>
+            <a:r>
+              <a:rPr lang="en-US" altLang="ko-KR" sz="1200" dirty="0" err="1">
+                <a:solidFill>
+                  <a:srgbClr val="222222"/>
+                </a:solidFill>
+                <a:latin typeface="Verdana" panose="020B0604030504040204" pitchFamily="34" charset="0"/>
+              </a:rPr>
+              <a:t>printf</a:t>
+            </a:r>
+            <a:r>
+              <a:rPr lang="en-US" altLang="ko-KR" sz="1200" dirty="0">
+                <a:solidFill>
+                  <a:srgbClr val="222222"/>
+                </a:solidFill>
+                <a:latin typeface="Verdana" panose="020B0604030504040204" pitchFamily="34" charset="0"/>
+              </a:rPr>
+              <a:t>("prompt&gt; ls\n"); </a:t>
+            </a:r>
+            <a:r>
+              <a:rPr lang="en-US" altLang="ko-KR" sz="1200" dirty="0"/>
+              <a:t/>
+            </a:r>
+            <a:br>
+              <a:rPr lang="en-US" altLang="ko-KR" sz="1200" dirty="0"/>
+            </a:br>
+            <a:r>
+              <a:rPr lang="en-US" altLang="ko-KR" sz="1200" dirty="0"/>
+              <a:t/>
+            </a:r>
+            <a:br>
+              <a:rPr lang="en-US" altLang="ko-KR" sz="1200" dirty="0"/>
+            </a:br>
+            <a:r>
+              <a:rPr lang="en-US" altLang="ko-KR" sz="1200" dirty="0">
+                <a:solidFill>
+                  <a:srgbClr val="222222"/>
+                </a:solidFill>
+                <a:latin typeface="Verdana" panose="020B0604030504040204" pitchFamily="34" charset="0"/>
+              </a:rPr>
+              <a:t>   </a:t>
+            </a:r>
+            <a:r>
+              <a:rPr lang="en-US" altLang="ko-KR" sz="1200" b="1" dirty="0">
+                <a:solidFill>
+                  <a:srgbClr val="222222"/>
+                </a:solidFill>
+                <a:latin typeface="Verdana" panose="020B0604030504040204" pitchFamily="34" charset="0"/>
+              </a:rPr>
+              <a:t> if (fork() == 0) </a:t>
+            </a:r>
+            <a:r>
+              <a:rPr lang="en-US" altLang="ko-KR" sz="1200" dirty="0"/>
+              <a:t/>
+            </a:r>
+            <a:br>
+              <a:rPr lang="en-US" altLang="ko-KR" sz="1200" dirty="0"/>
+            </a:br>
+            <a:r>
+              <a:rPr lang="en-US" altLang="ko-KR" sz="1200" b="1" dirty="0">
+                <a:solidFill>
+                  <a:srgbClr val="222222"/>
+                </a:solidFill>
+                <a:latin typeface="Verdana" panose="020B0604030504040204" pitchFamily="34" charset="0"/>
+              </a:rPr>
+              <a:t>        </a:t>
+            </a:r>
+            <a:r>
+              <a:rPr lang="en-US" altLang="ko-KR" sz="1200" b="1" dirty="0" err="1">
+                <a:solidFill>
+                  <a:srgbClr val="222222"/>
+                </a:solidFill>
+                <a:latin typeface="Verdana" panose="020B0604030504040204" pitchFamily="34" charset="0"/>
+              </a:rPr>
+              <a:t>execve</a:t>
+            </a:r>
+            <a:r>
+              <a:rPr lang="en-US" altLang="ko-KR" sz="1200" b="1" dirty="0">
+                <a:solidFill>
+                  <a:srgbClr val="222222"/>
+                </a:solidFill>
+                <a:latin typeface="Verdana" panose="020B0604030504040204" pitchFamily="34" charset="0"/>
+              </a:rPr>
+              <a:t>("/bin/ls", </a:t>
+            </a:r>
+            <a:r>
+              <a:rPr lang="en-US" altLang="ko-KR" sz="1200" b="1" dirty="0" err="1">
+                <a:solidFill>
+                  <a:srgbClr val="222222"/>
+                </a:solidFill>
+                <a:latin typeface="Verdana" panose="020B0604030504040204" pitchFamily="34" charset="0"/>
+              </a:rPr>
+              <a:t>argv</a:t>
+            </a:r>
+            <a:r>
+              <a:rPr lang="en-US" altLang="ko-KR" sz="1200" b="1" dirty="0">
+                <a:solidFill>
+                  <a:srgbClr val="222222"/>
+                </a:solidFill>
+                <a:latin typeface="Verdana" panose="020B0604030504040204" pitchFamily="34" charset="0"/>
+              </a:rPr>
+              <a:t>, 0); </a:t>
+            </a:r>
+            <a:r>
+              <a:rPr lang="en-US" altLang="ko-KR" sz="1200" dirty="0"/>
+              <a:t/>
+            </a:r>
+            <a:br>
+              <a:rPr lang="en-US" altLang="ko-KR" sz="1200" dirty="0"/>
+            </a:br>
+            <a:r>
+              <a:rPr lang="en-US" altLang="ko-KR" sz="1200" dirty="0"/>
+              <a:t/>
+            </a:r>
+            <a:br>
+              <a:rPr lang="en-US" altLang="ko-KR" sz="1200" dirty="0"/>
+            </a:br>
+            <a:r>
+              <a:rPr lang="en-US" altLang="ko-KR" sz="1200" dirty="0">
+                <a:solidFill>
+                  <a:srgbClr val="222222"/>
+                </a:solidFill>
+                <a:latin typeface="Verdana" panose="020B0604030504040204" pitchFamily="34" charset="0"/>
+              </a:rPr>
+              <a:t>   </a:t>
+            </a:r>
+            <a:r>
+              <a:rPr lang="en-US" altLang="ko-KR" sz="1200" b="1" dirty="0">
+                <a:solidFill>
+                  <a:srgbClr val="222222"/>
+                </a:solidFill>
+                <a:latin typeface="Verdana" panose="020B0604030504040204" pitchFamily="34" charset="0"/>
+              </a:rPr>
+              <a:t> wait(0); </a:t>
+            </a:r>
+            <a:r>
+              <a:rPr lang="en-US" altLang="ko-KR" sz="1200" dirty="0"/>
+              <a:t/>
+            </a:r>
+            <a:br>
+              <a:rPr lang="en-US" altLang="ko-KR" sz="1200" dirty="0"/>
+            </a:br>
+            <a:r>
+              <a:rPr lang="en-US" altLang="ko-KR" sz="1200" dirty="0"/>
+              <a:t/>
+            </a:r>
+            <a:br>
+              <a:rPr lang="en-US" altLang="ko-KR" sz="1200" dirty="0"/>
+            </a:br>
+            <a:r>
+              <a:rPr lang="en-US" altLang="ko-KR" sz="1200" dirty="0">
+                <a:solidFill>
+                  <a:srgbClr val="222222"/>
+                </a:solidFill>
+                <a:latin typeface="Verdana" panose="020B0604030504040204" pitchFamily="34" charset="0"/>
+              </a:rPr>
+              <a:t>    </a:t>
+            </a:r>
+            <a:r>
+              <a:rPr lang="en-US" altLang="ko-KR" sz="1200" dirty="0" err="1">
+                <a:solidFill>
+                  <a:srgbClr val="222222"/>
+                </a:solidFill>
+                <a:latin typeface="Verdana" panose="020B0604030504040204" pitchFamily="34" charset="0"/>
+              </a:rPr>
+              <a:t>printf</a:t>
+            </a:r>
+            <a:r>
+              <a:rPr lang="en-US" altLang="ko-KR" sz="1200" dirty="0">
+                <a:solidFill>
+                  <a:srgbClr val="222222"/>
+                </a:solidFill>
+                <a:latin typeface="Verdana" panose="020B0604030504040204" pitchFamily="34" charset="0"/>
+              </a:rPr>
+              <a:t>("prompt&gt; \n"); </a:t>
+            </a:r>
+            <a:r>
+              <a:rPr lang="en-US" altLang="ko-KR" sz="1200" dirty="0"/>
+              <a:t/>
+            </a:r>
+            <a:br>
+              <a:rPr lang="en-US" altLang="ko-KR" sz="1200" dirty="0"/>
+            </a:br>
+            <a:r>
+              <a:rPr lang="en-US" altLang="ko-KR" sz="1200" dirty="0"/>
+              <a:t/>
+            </a:r>
+            <a:br>
+              <a:rPr lang="en-US" altLang="ko-KR" sz="1200" dirty="0"/>
+            </a:br>
+            <a:r>
+              <a:rPr lang="en-US" altLang="ko-KR" sz="1200" dirty="0">
+                <a:solidFill>
+                  <a:srgbClr val="222222"/>
+                </a:solidFill>
+                <a:latin typeface="Verdana" panose="020B0604030504040204" pitchFamily="34" charset="0"/>
+              </a:rPr>
+              <a:t>    return 0; </a:t>
+            </a:r>
+            <a:r>
+              <a:rPr lang="en-US" altLang="ko-KR" sz="1200" dirty="0"/>
+              <a:t/>
+            </a:r>
+            <a:br>
+              <a:rPr lang="en-US" altLang="ko-KR" sz="1200" dirty="0"/>
+            </a:br>
+            <a:r>
+              <a:rPr lang="en-US" altLang="ko-KR" sz="1200" dirty="0">
+                <a:solidFill>
+                  <a:srgbClr val="222222"/>
+                </a:solidFill>
+                <a:latin typeface="Verdana" panose="020B0604030504040204" pitchFamily="34" charset="0"/>
+              </a:rPr>
+              <a:t>}  </a:t>
+            </a:r>
+            <a:endParaRPr lang="ko-KR" altLang="en-US" sz="1200" dirty="0"/>
+          </a:p>
+        </p:txBody>
+      </p:sp>
+      <p:sp>
+        <p:nvSpPr>
+          <p:cNvPr id="29" name="직사각형 28"/>
+          <p:cNvSpPr/>
+          <p:nvPr/>
+        </p:nvSpPr>
+        <p:spPr>
+          <a:xfrm>
+            <a:off x="3775588" y="4026302"/>
+            <a:ext cx="4011561" cy="1666568"/>
+          </a:xfrm>
+          <a:prstGeom prst="rect">
+            <a:avLst/>
+          </a:prstGeom>
+        </p:spPr>
+        <p:style>
+          <a:lnRef idx="2">
+            <a:schemeClr val="dk1"/>
+          </a:lnRef>
+          <a:fillRef idx="1">
+            <a:schemeClr val="lt1"/>
+          </a:fillRef>
+          <a:effectRef idx="0">
+            <a:schemeClr val="dk1"/>
+          </a:effectRef>
+          <a:fontRef idx="minor">
+            <a:schemeClr val="dk1"/>
+          </a:fontRef>
+        </p:style>
+        <p:txBody>
+          <a:bodyPr rtlCol="0" anchor="ctr"/>
+          <a:lstStyle/>
+          <a:p>
+            <a:r>
+              <a:rPr lang="ko-KR" altLang="en-US" dirty="0"/>
+              <a:t>main:</a:t>
+            </a:r>
+          </a:p>
+          <a:p>
+            <a:r>
+              <a:rPr lang="ko-KR" altLang="en-US" dirty="0"/>
+              <a:t>.LFB0:</a:t>
+            </a:r>
+          </a:p>
+          <a:p>
+            <a:r>
+              <a:rPr lang="ko-KR" altLang="en-US" dirty="0"/>
+              <a:t>        .cfi_startproc</a:t>
+            </a:r>
+          </a:p>
+          <a:p>
+            <a:r>
+              <a:rPr lang="ko-KR" altLang="en-US" dirty="0"/>
+              <a:t>        pushq   %rbp</a:t>
+            </a:r>
+          </a:p>
+          <a:p>
+            <a:pPr algn="ctr"/>
+            <a:endParaRPr lang="ko-KR" altLang="en-US" dirty="0"/>
+          </a:p>
+        </p:txBody>
+      </p:sp>
+      <p:sp>
+        <p:nvSpPr>
+          <p:cNvPr id="30" name="오른쪽 화살표 29"/>
+          <p:cNvSpPr/>
+          <p:nvPr/>
+        </p:nvSpPr>
+        <p:spPr>
+          <a:xfrm>
+            <a:off x="3773731" y="2000257"/>
+            <a:ext cx="437535" cy="530945"/>
+          </a:xfrm>
+          <a:prstGeom prst="rightArrow">
+            <a:avLst/>
+          </a:prstGeom>
+          <a:solidFill>
+            <a:srgbClr val="FF0000"/>
+          </a:solidFill>
+        </p:spPr>
+        <p:style>
+          <a:lnRef idx="2">
+            <a:schemeClr val="accent1">
+              <a:shade val="50000"/>
+            </a:schemeClr>
+          </a:lnRef>
+          <a:fillRef idx="1">
+            <a:schemeClr val="accent1"/>
+          </a:fillRef>
+          <a:effectRef idx="0">
+            <a:schemeClr val="accent1"/>
+          </a:effectRef>
+          <a:fontRef idx="minor">
+            <a:schemeClr val="lt1"/>
+          </a:fontRef>
+        </p:style>
+        <p:txBody>
+          <a:bodyPr rtlCol="0" anchor="ctr"/>
+          <a:lstStyle/>
+          <a:p>
+            <a:pPr algn="ctr"/>
+            <a:endParaRPr lang="ko-KR" altLang="en-US"/>
+          </a:p>
+        </p:txBody>
+      </p:sp>
+      <p:sp>
+        <p:nvSpPr>
+          <p:cNvPr id="31" name="오른쪽 화살표 30"/>
+          <p:cNvSpPr/>
+          <p:nvPr/>
+        </p:nvSpPr>
+        <p:spPr>
+          <a:xfrm>
+            <a:off x="3336196" y="4076354"/>
+            <a:ext cx="437535" cy="530945"/>
+          </a:xfrm>
+          <a:prstGeom prst="rightArrow">
+            <a:avLst/>
+          </a:prstGeom>
+          <a:solidFill>
+            <a:srgbClr val="FF0000"/>
+          </a:solidFill>
+        </p:spPr>
+        <p:style>
+          <a:lnRef idx="2">
+            <a:schemeClr val="accent1">
+              <a:shade val="50000"/>
+            </a:schemeClr>
+          </a:lnRef>
+          <a:fillRef idx="1">
+            <a:schemeClr val="accent1"/>
+          </a:fillRef>
+          <a:effectRef idx="0">
+            <a:schemeClr val="accent1"/>
+          </a:effectRef>
+          <a:fontRef idx="minor">
+            <a:schemeClr val="lt1"/>
+          </a:fontRef>
+        </p:style>
+        <p:txBody>
+          <a:bodyPr rtlCol="0" anchor="ctr"/>
+          <a:lstStyle/>
+          <a:p>
+            <a:pPr algn="ctr"/>
+            <a:endParaRPr lang="ko-KR" altLang="en-US"/>
+          </a:p>
+        </p:txBody>
+      </p:sp>
+      <p:sp>
+        <p:nvSpPr>
+          <p:cNvPr id="32" name="TextBox 31"/>
+          <p:cNvSpPr txBox="1"/>
+          <p:nvPr/>
+        </p:nvSpPr>
+        <p:spPr>
+          <a:xfrm>
+            <a:off x="4033902" y="3923"/>
+            <a:ext cx="2109020" cy="369332"/>
+          </a:xfrm>
+          <a:prstGeom prst="rect">
+            <a:avLst/>
+          </a:prstGeom>
+          <a:noFill/>
+        </p:spPr>
+        <p:txBody>
+          <a:bodyPr wrap="square" rtlCol="0">
+            <a:spAutoFit/>
+          </a:bodyPr>
+          <a:lstStyle/>
+          <a:p>
+            <a:r>
+              <a:rPr lang="en-US" altLang="ko-KR" b="1" dirty="0" smtClean="0"/>
+              <a:t>refs = 2 -&gt; 1</a:t>
+            </a:r>
+            <a:endParaRPr lang="ko-KR" altLang="en-US" b="1" dirty="0"/>
+          </a:p>
+        </p:txBody>
+      </p:sp>
+      <p:cxnSp>
+        <p:nvCxnSpPr>
+          <p:cNvPr id="33" name="직선 연결선 32"/>
+          <p:cNvCxnSpPr/>
+          <p:nvPr/>
+        </p:nvCxnSpPr>
+        <p:spPr>
+          <a:xfrm flipH="1">
+            <a:off x="7787149" y="1857274"/>
+            <a:ext cx="2167174" cy="2169028"/>
+          </a:xfrm>
+          <a:prstGeom prst="line">
+            <a:avLst/>
+          </a:prstGeom>
+        </p:spPr>
+        <p:style>
+          <a:lnRef idx="3">
+            <a:schemeClr val="dk1"/>
+          </a:lnRef>
+          <a:fillRef idx="0">
+            <a:schemeClr val="dk1"/>
+          </a:fillRef>
+          <a:effectRef idx="2">
+            <a:schemeClr val="dk1"/>
+          </a:effectRef>
+          <a:fontRef idx="minor">
+            <a:schemeClr val="tx1"/>
+          </a:fontRef>
+        </p:style>
+      </p:cxnSp>
+      <p:cxnSp>
+        <p:nvCxnSpPr>
+          <p:cNvPr id="35" name="직선 연결선 34"/>
+          <p:cNvCxnSpPr/>
+          <p:nvPr/>
+        </p:nvCxnSpPr>
+        <p:spPr>
+          <a:xfrm flipH="1">
+            <a:off x="7787149" y="2426235"/>
+            <a:ext cx="2167174" cy="3266635"/>
+          </a:xfrm>
+          <a:prstGeom prst="line">
+            <a:avLst/>
+          </a:prstGeom>
+        </p:spPr>
+        <p:style>
+          <a:lnRef idx="3">
+            <a:schemeClr val="dk1"/>
+          </a:lnRef>
+          <a:fillRef idx="0">
+            <a:schemeClr val="dk1"/>
+          </a:fillRef>
+          <a:effectRef idx="2">
+            <a:schemeClr val="dk1"/>
+          </a:effectRef>
+          <a:fontRef idx="minor">
+            <a:schemeClr val="tx1"/>
+          </a:fontRef>
+        </p:style>
+      </p:cxnSp>
+      <p:sp>
+        <p:nvSpPr>
+          <p:cNvPr id="36" name="TextBox 35"/>
+          <p:cNvSpPr txBox="1"/>
+          <p:nvPr/>
+        </p:nvSpPr>
+        <p:spPr>
+          <a:xfrm>
+            <a:off x="3771874" y="3680681"/>
+            <a:ext cx="2109020" cy="369332"/>
+          </a:xfrm>
+          <a:prstGeom prst="rect">
+            <a:avLst/>
+          </a:prstGeom>
+          <a:noFill/>
+        </p:spPr>
+        <p:txBody>
+          <a:bodyPr wrap="square" rtlCol="0">
+            <a:spAutoFit/>
+          </a:bodyPr>
+          <a:lstStyle/>
+          <a:p>
+            <a:r>
+              <a:rPr lang="en-US" altLang="ko-KR" b="1" dirty="0" smtClean="0"/>
+              <a:t>refs = 0 -&gt; 1</a:t>
+            </a:r>
+            <a:endParaRPr lang="ko-KR" altLang="en-US" b="1" dirty="0"/>
+          </a:p>
+        </p:txBody>
+      </p:sp>
+      <p:sp>
+        <p:nvSpPr>
+          <p:cNvPr id="40" name="TextBox 39"/>
+          <p:cNvSpPr txBox="1"/>
+          <p:nvPr/>
+        </p:nvSpPr>
+        <p:spPr>
+          <a:xfrm>
+            <a:off x="3739893" y="5853825"/>
+            <a:ext cx="2109020" cy="369332"/>
+          </a:xfrm>
+          <a:prstGeom prst="rect">
+            <a:avLst/>
+          </a:prstGeom>
+          <a:noFill/>
+        </p:spPr>
+        <p:txBody>
+          <a:bodyPr wrap="square" rtlCol="0">
+            <a:spAutoFit/>
+          </a:bodyPr>
+          <a:lstStyle/>
+          <a:p>
+            <a:r>
+              <a:rPr lang="en-US" altLang="ko-KR" b="1" dirty="0"/>
+              <a:t>e</a:t>
+            </a:r>
+            <a:r>
+              <a:rPr lang="en-US" altLang="ko-KR" b="1" dirty="0" smtClean="0"/>
+              <a:t>xit(0)</a:t>
+            </a:r>
+            <a:endParaRPr lang="ko-KR" altLang="en-US" b="1" dirty="0"/>
+          </a:p>
+        </p:txBody>
+      </p:sp>
+    </p:spTree>
+    <p:extLst>
+      <p:ext uri="{BB962C8B-B14F-4D97-AF65-F5344CB8AC3E}">
+        <p14:creationId xmlns:p14="http://schemas.microsoft.com/office/powerpoint/2010/main" val="91984781"/>
+      </p:ext>
+    </p:extLst>
+  </p:cSld>
+  <p:clrMapOvr>
+    <a:masterClrMapping/>
+  </p:clrMapOvr>
+</p:sld>
+</file>
+
+<file path=ppt/slides/slide11.xml><?xml version="1.0" encoding="utf-8"?>
+<p:sld xmlns:a="http://schemas.openxmlformats.org/drawingml/2006/main" xmlns:r="http://schemas.openxmlformats.org/officeDocument/2006/relationships" xmlns:p="http://schemas.openxmlformats.org/presentationml/2006/main">
+  <p:cSld>
+    <p:spTree>
+      <p:nvGrpSpPr>
+        <p:cNvPr id="1" name=""/>
+        <p:cNvGrpSpPr/>
+        <p:nvPr/>
+      </p:nvGrpSpPr>
+      <p:grpSpPr>
+        <a:xfrm>
+          <a:off x="0" y="0"/>
+          <a:ext cx="0" cy="0"/>
+          <a:chOff x="0" y="0"/>
+          <a:chExt cx="0" cy="0"/>
+        </a:xfrm>
+      </p:grpSpPr>
+      <p:sp>
+        <p:nvSpPr>
+          <p:cNvPr id="4" name="TextBox 3"/>
+          <p:cNvSpPr txBox="1"/>
+          <p:nvPr/>
+        </p:nvSpPr>
+        <p:spPr>
+          <a:xfrm>
+            <a:off x="973394" y="501445"/>
+            <a:ext cx="9955161" cy="369332"/>
+          </a:xfrm>
+          <a:prstGeom prst="rect">
+            <a:avLst/>
+          </a:prstGeom>
+          <a:noFill/>
+        </p:spPr>
+        <p:txBody>
+          <a:bodyPr wrap="square" rtlCol="0">
+            <a:spAutoFit/>
+          </a:bodyPr>
+          <a:lstStyle/>
+          <a:p>
+            <a:r>
+              <a:rPr lang="ko-KR" altLang="en-US" b="1" dirty="0" smtClean="0"/>
+              <a:t>프로세스는 </a:t>
+            </a:r>
+            <a:r>
+              <a:rPr lang="en-US" altLang="ko-KR" b="1" dirty="0" smtClean="0"/>
+              <a:t>fork</a:t>
+            </a:r>
+            <a:r>
+              <a:rPr lang="ko-KR" altLang="en-US" b="1" dirty="0" smtClean="0"/>
+              <a:t>로 생성되어 </a:t>
+            </a:r>
+            <a:r>
+              <a:rPr lang="en-US" altLang="ko-KR" b="1" dirty="0" err="1" smtClean="0"/>
+              <a:t>execve</a:t>
+            </a:r>
+            <a:r>
+              <a:rPr lang="ko-KR" altLang="en-US" b="1" dirty="0" smtClean="0"/>
+              <a:t>로 실행되며 </a:t>
+            </a:r>
+            <a:r>
+              <a:rPr lang="en-US" altLang="ko-KR" b="1" dirty="0" smtClean="0"/>
+              <a:t>exit</a:t>
+            </a:r>
+            <a:r>
+              <a:rPr lang="ko-KR" altLang="en-US" b="1" dirty="0" smtClean="0"/>
+              <a:t>로 종료하고 </a:t>
+            </a:r>
+            <a:r>
+              <a:rPr lang="en-US" altLang="ko-KR" b="1" dirty="0" smtClean="0"/>
+              <a:t>wait</a:t>
+            </a:r>
+            <a:r>
+              <a:rPr lang="ko-KR" altLang="en-US" b="1" dirty="0" smtClean="0"/>
+              <a:t>로 소멸된다</a:t>
+            </a:r>
+            <a:r>
+              <a:rPr lang="en-US" altLang="ko-KR" b="1" dirty="0" smtClean="0"/>
+              <a:t>.</a:t>
+            </a:r>
+            <a:endParaRPr lang="ko-KR" altLang="en-US" b="1" dirty="0"/>
+          </a:p>
+        </p:txBody>
+      </p:sp>
+      <p:sp>
+        <p:nvSpPr>
+          <p:cNvPr id="5" name="모서리가 둥근 직사각형 4"/>
+          <p:cNvSpPr/>
+          <p:nvPr/>
+        </p:nvSpPr>
+        <p:spPr>
+          <a:xfrm>
+            <a:off x="1489586" y="1474838"/>
+            <a:ext cx="1415846" cy="648929"/>
+          </a:xfrm>
+          <a:prstGeom prst="roundRect">
+            <a:avLst/>
+          </a:prstGeom>
+        </p:spPr>
+        <p:style>
+          <a:lnRef idx="2">
+            <a:schemeClr val="accent1">
+              <a:shade val="50000"/>
+            </a:schemeClr>
+          </a:lnRef>
+          <a:fillRef idx="1">
+            <a:schemeClr val="accent1"/>
+          </a:fillRef>
+          <a:effectRef idx="0">
+            <a:schemeClr val="accent1"/>
+          </a:effectRef>
+          <a:fontRef idx="minor">
+            <a:schemeClr val="lt1"/>
+          </a:fontRef>
+        </p:style>
+        <p:txBody>
+          <a:bodyPr rtlCol="0" anchor="ctr"/>
+          <a:lstStyle/>
+          <a:p>
+            <a:pPr algn="ctr"/>
+            <a:r>
+              <a:rPr lang="en-US" altLang="ko-KR" dirty="0" err="1" smtClean="0"/>
+              <a:t>a.out</a:t>
+            </a:r>
+            <a:endParaRPr lang="ko-KR" altLang="en-US" dirty="0"/>
+          </a:p>
+        </p:txBody>
+      </p:sp>
+      <p:sp>
+        <p:nvSpPr>
+          <p:cNvPr id="6" name="모서리가 둥근 직사각형 5"/>
+          <p:cNvSpPr/>
+          <p:nvPr/>
+        </p:nvSpPr>
+        <p:spPr>
+          <a:xfrm>
+            <a:off x="1489586" y="3215140"/>
+            <a:ext cx="1415846" cy="648929"/>
+          </a:xfrm>
+          <a:prstGeom prst="roundRect">
+            <a:avLst/>
+          </a:prstGeom>
+        </p:spPr>
+        <p:style>
+          <a:lnRef idx="2">
+            <a:schemeClr val="accent1">
+              <a:shade val="50000"/>
+            </a:schemeClr>
+          </a:lnRef>
+          <a:fillRef idx="1">
+            <a:schemeClr val="accent1"/>
+          </a:fillRef>
+          <a:effectRef idx="0">
+            <a:schemeClr val="accent1"/>
+          </a:effectRef>
+          <a:fontRef idx="minor">
+            <a:schemeClr val="lt1"/>
+          </a:fontRef>
+        </p:style>
+        <p:txBody>
+          <a:bodyPr rtlCol="0" anchor="ctr"/>
+          <a:lstStyle/>
+          <a:p>
+            <a:pPr algn="ctr"/>
+            <a:r>
+              <a:rPr lang="en-US" altLang="ko-KR" dirty="0" err="1" smtClean="0"/>
+              <a:t>a.out</a:t>
+            </a:r>
+            <a:r>
+              <a:rPr lang="en-US" altLang="ko-KR" dirty="0" smtClean="0"/>
+              <a:t>’</a:t>
+            </a:r>
+            <a:endParaRPr lang="ko-KR" altLang="en-US" dirty="0"/>
+          </a:p>
+        </p:txBody>
+      </p:sp>
+      <p:sp>
+        <p:nvSpPr>
+          <p:cNvPr id="7" name="모서리가 둥근 직사각형 6"/>
+          <p:cNvSpPr/>
+          <p:nvPr/>
+        </p:nvSpPr>
+        <p:spPr>
+          <a:xfrm>
+            <a:off x="3923070" y="3229888"/>
+            <a:ext cx="1415846" cy="648929"/>
+          </a:xfrm>
+          <a:prstGeom prst="roundRect">
+            <a:avLst/>
+          </a:prstGeom>
+        </p:spPr>
+        <p:style>
+          <a:lnRef idx="2">
+            <a:schemeClr val="accent1">
+              <a:shade val="50000"/>
+            </a:schemeClr>
+          </a:lnRef>
+          <a:fillRef idx="1">
+            <a:schemeClr val="accent1"/>
+          </a:fillRef>
+          <a:effectRef idx="0">
+            <a:schemeClr val="accent1"/>
+          </a:effectRef>
+          <a:fontRef idx="minor">
+            <a:schemeClr val="lt1"/>
+          </a:fontRef>
+        </p:style>
+        <p:txBody>
+          <a:bodyPr rtlCol="0" anchor="ctr"/>
+          <a:lstStyle/>
+          <a:p>
+            <a:pPr algn="ctr"/>
+            <a:r>
+              <a:rPr lang="en-US" altLang="ko-KR" dirty="0" smtClean="0"/>
+              <a:t>ls</a:t>
+            </a:r>
+            <a:endParaRPr lang="ko-KR" altLang="en-US" dirty="0"/>
+          </a:p>
+        </p:txBody>
+      </p:sp>
+      <p:cxnSp>
+        <p:nvCxnSpPr>
+          <p:cNvPr id="9" name="직선 화살표 연결선 8"/>
+          <p:cNvCxnSpPr>
+            <a:stCxn id="5" idx="2"/>
+            <a:endCxn id="6" idx="0"/>
+          </p:cNvCxnSpPr>
+          <p:nvPr/>
+        </p:nvCxnSpPr>
+        <p:spPr>
+          <a:xfrm>
+            <a:off x="2197509" y="2123767"/>
+            <a:ext cx="0" cy="1091373"/>
+          </a:xfrm>
+          <a:prstGeom prst="straightConnector1">
+            <a:avLst/>
+          </a:prstGeom>
+          <a:ln>
+            <a:tailEnd type="triangle"/>
+          </a:ln>
+        </p:spPr>
+        <p:style>
+          <a:lnRef idx="2">
+            <a:schemeClr val="dk1"/>
+          </a:lnRef>
+          <a:fillRef idx="0">
+            <a:schemeClr val="dk1"/>
+          </a:fillRef>
+          <a:effectRef idx="1">
+            <a:schemeClr val="dk1"/>
+          </a:effectRef>
+          <a:fontRef idx="minor">
+            <a:schemeClr val="tx1"/>
+          </a:fontRef>
+        </p:style>
+      </p:cxnSp>
+      <p:cxnSp>
+        <p:nvCxnSpPr>
+          <p:cNvPr id="11" name="직선 화살표 연결선 10"/>
+          <p:cNvCxnSpPr>
+            <a:stCxn id="6" idx="3"/>
+            <a:endCxn id="7" idx="1"/>
+          </p:cNvCxnSpPr>
+          <p:nvPr/>
+        </p:nvCxnSpPr>
+        <p:spPr>
+          <a:xfrm>
+            <a:off x="2905432" y="3539605"/>
+            <a:ext cx="1017638" cy="14748"/>
+          </a:xfrm>
+          <a:prstGeom prst="straightConnector1">
+            <a:avLst/>
+          </a:prstGeom>
+          <a:ln>
+            <a:tailEnd type="triangle"/>
+          </a:ln>
+        </p:spPr>
+        <p:style>
+          <a:lnRef idx="2">
+            <a:schemeClr val="dk1"/>
+          </a:lnRef>
+          <a:fillRef idx="0">
+            <a:schemeClr val="dk1"/>
+          </a:fillRef>
+          <a:effectRef idx="1">
+            <a:schemeClr val="dk1"/>
+          </a:effectRef>
+          <a:fontRef idx="minor">
+            <a:schemeClr val="tx1"/>
+          </a:fontRef>
+        </p:style>
+      </p:cxnSp>
+      <p:cxnSp>
+        <p:nvCxnSpPr>
+          <p:cNvPr id="13" name="직선 화살표 연결선 12"/>
+          <p:cNvCxnSpPr>
+            <a:stCxn id="7" idx="0"/>
+            <a:endCxn id="5" idx="3"/>
+          </p:cNvCxnSpPr>
+          <p:nvPr/>
+        </p:nvCxnSpPr>
+        <p:spPr>
+          <a:xfrm flipH="1" flipV="1">
+            <a:off x="2905432" y="1799303"/>
+            <a:ext cx="1725561" cy="1430585"/>
+          </a:xfrm>
+          <a:prstGeom prst="straightConnector1">
+            <a:avLst/>
+          </a:prstGeom>
+          <a:ln>
+            <a:tailEnd type="triangle"/>
+          </a:ln>
+        </p:spPr>
+        <p:style>
+          <a:lnRef idx="2">
+            <a:schemeClr val="dk1"/>
+          </a:lnRef>
+          <a:fillRef idx="0">
+            <a:schemeClr val="dk1"/>
+          </a:fillRef>
+          <a:effectRef idx="1">
+            <a:schemeClr val="dk1"/>
+          </a:effectRef>
+          <a:fontRef idx="minor">
+            <a:schemeClr val="tx1"/>
+          </a:fontRef>
+        </p:style>
+      </p:cxnSp>
+      <p:sp>
+        <p:nvSpPr>
+          <p:cNvPr id="14" name="TextBox 13"/>
+          <p:cNvSpPr txBox="1"/>
+          <p:nvPr/>
+        </p:nvSpPr>
+        <p:spPr>
+          <a:xfrm>
+            <a:off x="2975485" y="1540579"/>
+            <a:ext cx="1895169" cy="369332"/>
+          </a:xfrm>
+          <a:prstGeom prst="rect">
+            <a:avLst/>
+          </a:prstGeom>
+          <a:noFill/>
+        </p:spPr>
+        <p:txBody>
+          <a:bodyPr wrap="square" rtlCol="0">
+            <a:spAutoFit/>
+          </a:bodyPr>
+          <a:lstStyle/>
+          <a:p>
+            <a:r>
+              <a:rPr lang="en-US" altLang="ko-KR" dirty="0"/>
+              <a:t>w</a:t>
+            </a:r>
+            <a:r>
+              <a:rPr lang="en-US" altLang="ko-KR" dirty="0" smtClean="0"/>
+              <a:t>ait();</a:t>
+            </a:r>
+            <a:endParaRPr lang="ko-KR" altLang="en-US" dirty="0"/>
+          </a:p>
+        </p:txBody>
+      </p:sp>
+      <p:sp>
+        <p:nvSpPr>
+          <p:cNvPr id="15" name="TextBox 14"/>
+          <p:cNvSpPr txBox="1"/>
+          <p:nvPr/>
+        </p:nvSpPr>
+        <p:spPr>
+          <a:xfrm>
+            <a:off x="4630993" y="2830749"/>
+            <a:ext cx="1895169" cy="369332"/>
+          </a:xfrm>
+          <a:prstGeom prst="rect">
+            <a:avLst/>
+          </a:prstGeom>
+          <a:noFill/>
+        </p:spPr>
+        <p:txBody>
+          <a:bodyPr wrap="square" rtlCol="0">
+            <a:spAutoFit/>
+          </a:bodyPr>
+          <a:lstStyle/>
+          <a:p>
+            <a:r>
+              <a:rPr lang="en-US" altLang="ko-KR" dirty="0" smtClean="0"/>
+              <a:t>exit();</a:t>
+            </a:r>
+            <a:endParaRPr lang="ko-KR" altLang="en-US" dirty="0"/>
+          </a:p>
+        </p:txBody>
+      </p:sp>
+      <p:sp>
+        <p:nvSpPr>
+          <p:cNvPr id="16" name="TextBox 15"/>
+          <p:cNvSpPr txBox="1"/>
+          <p:nvPr/>
+        </p:nvSpPr>
+        <p:spPr>
+          <a:xfrm>
+            <a:off x="302340" y="2514595"/>
+            <a:ext cx="1895169" cy="369332"/>
+          </a:xfrm>
+          <a:prstGeom prst="rect">
+            <a:avLst/>
+          </a:prstGeom>
+          <a:noFill/>
+        </p:spPr>
+        <p:txBody>
+          <a:bodyPr wrap="square" rtlCol="0">
+            <a:spAutoFit/>
+          </a:bodyPr>
+          <a:lstStyle/>
+          <a:p>
+            <a:pPr algn="r"/>
+            <a:r>
+              <a:rPr lang="en-US" altLang="ko-KR" dirty="0"/>
+              <a:t>f</a:t>
+            </a:r>
+            <a:r>
+              <a:rPr lang="en-US" altLang="ko-KR" dirty="0" smtClean="0"/>
+              <a:t>ork();</a:t>
+            </a:r>
+            <a:endParaRPr lang="ko-KR" altLang="en-US" dirty="0"/>
+          </a:p>
+        </p:txBody>
+      </p:sp>
+      <p:sp>
+        <p:nvSpPr>
+          <p:cNvPr id="17" name="모서리가 둥근 직사각형 16"/>
+          <p:cNvSpPr/>
+          <p:nvPr/>
+        </p:nvSpPr>
+        <p:spPr>
+          <a:xfrm>
+            <a:off x="6596215" y="1460089"/>
+            <a:ext cx="1415846" cy="648929"/>
+          </a:xfrm>
+          <a:prstGeom prst="roundRect">
+            <a:avLst/>
+          </a:prstGeom>
+        </p:spPr>
+        <p:style>
+          <a:lnRef idx="2">
+            <a:schemeClr val="accent1">
+              <a:shade val="50000"/>
+            </a:schemeClr>
+          </a:lnRef>
+          <a:fillRef idx="1">
+            <a:schemeClr val="accent1"/>
+          </a:fillRef>
+          <a:effectRef idx="0">
+            <a:schemeClr val="accent1"/>
+          </a:effectRef>
+          <a:fontRef idx="minor">
+            <a:schemeClr val="lt1"/>
+          </a:fontRef>
+        </p:style>
+        <p:txBody>
+          <a:bodyPr rtlCol="0" anchor="ctr"/>
+          <a:lstStyle/>
+          <a:p>
+            <a:pPr algn="ctr"/>
+            <a:r>
+              <a:rPr lang="en-US" altLang="ko-KR" dirty="0" err="1" smtClean="0"/>
+              <a:t>init</a:t>
+            </a:r>
+            <a:endParaRPr lang="ko-KR" altLang="en-US" dirty="0"/>
+          </a:p>
+        </p:txBody>
+      </p:sp>
+      <p:sp>
+        <p:nvSpPr>
+          <p:cNvPr id="18" name="모서리가 둥근 직사각형 17"/>
+          <p:cNvSpPr/>
+          <p:nvPr/>
+        </p:nvSpPr>
+        <p:spPr>
+          <a:xfrm>
+            <a:off x="6596215" y="3200391"/>
+            <a:ext cx="1415846" cy="648929"/>
+          </a:xfrm>
+          <a:prstGeom prst="roundRect">
+            <a:avLst/>
+          </a:prstGeom>
+        </p:spPr>
+        <p:style>
+          <a:lnRef idx="2">
+            <a:schemeClr val="accent1">
+              <a:shade val="50000"/>
+            </a:schemeClr>
+          </a:lnRef>
+          <a:fillRef idx="1">
+            <a:schemeClr val="accent1"/>
+          </a:fillRef>
+          <a:effectRef idx="0">
+            <a:schemeClr val="accent1"/>
+          </a:effectRef>
+          <a:fontRef idx="minor">
+            <a:schemeClr val="lt1"/>
+          </a:fontRef>
+        </p:style>
+        <p:txBody>
+          <a:bodyPr rtlCol="0" anchor="ctr"/>
+          <a:lstStyle/>
+          <a:p>
+            <a:pPr algn="ctr"/>
+            <a:r>
+              <a:rPr lang="en-US" altLang="ko-KR" dirty="0" err="1"/>
+              <a:t>i</a:t>
+            </a:r>
+            <a:r>
+              <a:rPr lang="en-US" altLang="ko-KR" dirty="0" err="1" smtClean="0"/>
+              <a:t>nit</a:t>
+            </a:r>
+            <a:r>
+              <a:rPr lang="en-US" altLang="ko-KR" dirty="0" smtClean="0"/>
+              <a:t>’</a:t>
+            </a:r>
+            <a:endParaRPr lang="ko-KR" altLang="en-US" dirty="0"/>
+          </a:p>
+        </p:txBody>
+      </p:sp>
+      <p:sp>
+        <p:nvSpPr>
+          <p:cNvPr id="19" name="모서리가 둥근 직사각형 18"/>
+          <p:cNvSpPr/>
+          <p:nvPr/>
+        </p:nvSpPr>
+        <p:spPr>
+          <a:xfrm>
+            <a:off x="9029699" y="3215139"/>
+            <a:ext cx="1415846" cy="648929"/>
+          </a:xfrm>
+          <a:prstGeom prst="roundRect">
+            <a:avLst/>
+          </a:prstGeom>
+        </p:spPr>
+        <p:style>
+          <a:lnRef idx="2">
+            <a:schemeClr val="accent1">
+              <a:shade val="50000"/>
+            </a:schemeClr>
+          </a:lnRef>
+          <a:fillRef idx="1">
+            <a:schemeClr val="accent1"/>
+          </a:fillRef>
+          <a:effectRef idx="0">
+            <a:schemeClr val="accent1"/>
+          </a:effectRef>
+          <a:fontRef idx="minor">
+            <a:schemeClr val="lt1"/>
+          </a:fontRef>
+        </p:style>
+        <p:txBody>
+          <a:bodyPr rtlCol="0" anchor="ctr"/>
+          <a:lstStyle/>
+          <a:p>
+            <a:pPr algn="ctr"/>
+            <a:r>
+              <a:rPr lang="en-US" altLang="ko-KR" dirty="0" smtClean="0"/>
+              <a:t>zygote</a:t>
+            </a:r>
+            <a:endParaRPr lang="ko-KR" altLang="en-US" dirty="0"/>
+          </a:p>
+        </p:txBody>
+      </p:sp>
+      <p:cxnSp>
+        <p:nvCxnSpPr>
+          <p:cNvPr id="20" name="직선 화살표 연결선 19"/>
+          <p:cNvCxnSpPr>
+            <a:stCxn id="17" idx="2"/>
+            <a:endCxn id="18" idx="0"/>
+          </p:cNvCxnSpPr>
+          <p:nvPr/>
+        </p:nvCxnSpPr>
+        <p:spPr>
+          <a:xfrm>
+            <a:off x="7304138" y="2109018"/>
+            <a:ext cx="0" cy="1091373"/>
+          </a:xfrm>
+          <a:prstGeom prst="straightConnector1">
+            <a:avLst/>
+          </a:prstGeom>
+          <a:ln>
+            <a:tailEnd type="triangle"/>
+          </a:ln>
+        </p:spPr>
+        <p:style>
+          <a:lnRef idx="2">
+            <a:schemeClr val="dk1"/>
+          </a:lnRef>
+          <a:fillRef idx="0">
+            <a:schemeClr val="dk1"/>
+          </a:fillRef>
+          <a:effectRef idx="1">
+            <a:schemeClr val="dk1"/>
+          </a:effectRef>
+          <a:fontRef idx="minor">
+            <a:schemeClr val="tx1"/>
+          </a:fontRef>
+        </p:style>
+      </p:cxnSp>
+      <p:cxnSp>
+        <p:nvCxnSpPr>
+          <p:cNvPr id="21" name="직선 화살표 연결선 20"/>
+          <p:cNvCxnSpPr>
+            <a:stCxn id="18" idx="3"/>
+            <a:endCxn id="19" idx="1"/>
+          </p:cNvCxnSpPr>
+          <p:nvPr/>
+        </p:nvCxnSpPr>
+        <p:spPr>
+          <a:xfrm>
+            <a:off x="8012061" y="3524856"/>
+            <a:ext cx="1017638" cy="14748"/>
+          </a:xfrm>
+          <a:prstGeom prst="straightConnector1">
+            <a:avLst/>
+          </a:prstGeom>
+          <a:ln>
+            <a:tailEnd type="triangle"/>
+          </a:ln>
+        </p:spPr>
+        <p:style>
+          <a:lnRef idx="2">
+            <a:schemeClr val="dk1"/>
+          </a:lnRef>
+          <a:fillRef idx="0">
+            <a:schemeClr val="dk1"/>
+          </a:fillRef>
+          <a:effectRef idx="1">
+            <a:schemeClr val="dk1"/>
+          </a:effectRef>
+          <a:fontRef idx="minor">
+            <a:schemeClr val="tx1"/>
+          </a:fontRef>
+        </p:style>
+      </p:cxnSp>
+      <p:cxnSp>
+        <p:nvCxnSpPr>
+          <p:cNvPr id="22" name="직선 화살표 연결선 21"/>
+          <p:cNvCxnSpPr>
+            <a:stCxn id="19" idx="0"/>
+            <a:endCxn id="17" idx="3"/>
+          </p:cNvCxnSpPr>
+          <p:nvPr/>
+        </p:nvCxnSpPr>
+        <p:spPr>
+          <a:xfrm flipH="1" flipV="1">
+            <a:off x="8012061" y="1784554"/>
+            <a:ext cx="1725561" cy="1430585"/>
+          </a:xfrm>
+          <a:prstGeom prst="straightConnector1">
+            <a:avLst/>
+          </a:prstGeom>
+          <a:ln>
+            <a:tailEnd type="triangle"/>
+          </a:ln>
+        </p:spPr>
+        <p:style>
+          <a:lnRef idx="2">
+            <a:schemeClr val="dk1"/>
+          </a:lnRef>
+          <a:fillRef idx="0">
+            <a:schemeClr val="dk1"/>
+          </a:fillRef>
+          <a:effectRef idx="1">
+            <a:schemeClr val="dk1"/>
+          </a:effectRef>
+          <a:fontRef idx="minor">
+            <a:schemeClr val="tx1"/>
+          </a:fontRef>
+        </p:style>
+      </p:cxnSp>
+      <p:sp>
+        <p:nvSpPr>
+          <p:cNvPr id="23" name="TextBox 22"/>
+          <p:cNvSpPr txBox="1"/>
+          <p:nvPr/>
+        </p:nvSpPr>
+        <p:spPr>
+          <a:xfrm>
+            <a:off x="8082114" y="1525830"/>
+            <a:ext cx="1895169" cy="369332"/>
+          </a:xfrm>
+          <a:prstGeom prst="rect">
+            <a:avLst/>
+          </a:prstGeom>
+          <a:noFill/>
+        </p:spPr>
+        <p:txBody>
+          <a:bodyPr wrap="square" rtlCol="0">
+            <a:spAutoFit/>
+          </a:bodyPr>
+          <a:lstStyle/>
+          <a:p>
+            <a:r>
+              <a:rPr lang="en-US" altLang="ko-KR" dirty="0"/>
+              <a:t>w</a:t>
+            </a:r>
+            <a:r>
+              <a:rPr lang="en-US" altLang="ko-KR" dirty="0" smtClean="0"/>
+              <a:t>ait();</a:t>
+            </a:r>
+            <a:endParaRPr lang="ko-KR" altLang="en-US" dirty="0"/>
+          </a:p>
+        </p:txBody>
+      </p:sp>
+      <p:sp>
+        <p:nvSpPr>
+          <p:cNvPr id="24" name="TextBox 23"/>
+          <p:cNvSpPr txBox="1"/>
+          <p:nvPr/>
+        </p:nvSpPr>
+        <p:spPr>
+          <a:xfrm>
+            <a:off x="9737622" y="2816000"/>
+            <a:ext cx="1895169" cy="369332"/>
+          </a:xfrm>
+          <a:prstGeom prst="rect">
+            <a:avLst/>
+          </a:prstGeom>
+          <a:noFill/>
+        </p:spPr>
+        <p:txBody>
+          <a:bodyPr wrap="square" rtlCol="0">
+            <a:spAutoFit/>
+          </a:bodyPr>
+          <a:lstStyle/>
+          <a:p>
+            <a:r>
+              <a:rPr lang="en-US" altLang="ko-KR" dirty="0" smtClean="0"/>
+              <a:t>exit();</a:t>
+            </a:r>
+            <a:endParaRPr lang="ko-KR" altLang="en-US" dirty="0"/>
+          </a:p>
+        </p:txBody>
+      </p:sp>
+      <p:sp>
+        <p:nvSpPr>
+          <p:cNvPr id="25" name="TextBox 24"/>
+          <p:cNvSpPr txBox="1"/>
+          <p:nvPr/>
+        </p:nvSpPr>
+        <p:spPr>
+          <a:xfrm>
+            <a:off x="2864872" y="4083739"/>
+            <a:ext cx="1895169" cy="369332"/>
+          </a:xfrm>
+          <a:prstGeom prst="rect">
+            <a:avLst/>
+          </a:prstGeom>
+          <a:noFill/>
+        </p:spPr>
+        <p:txBody>
+          <a:bodyPr wrap="square" rtlCol="0">
+            <a:spAutoFit/>
+          </a:bodyPr>
+          <a:lstStyle/>
+          <a:p>
+            <a:r>
+              <a:rPr lang="en-US" altLang="ko-KR" dirty="0" err="1"/>
+              <a:t>e</a:t>
+            </a:r>
+            <a:r>
+              <a:rPr lang="en-US" altLang="ko-KR" dirty="0" err="1" smtClean="0"/>
+              <a:t>xecve</a:t>
+            </a:r>
+            <a:r>
+              <a:rPr lang="en-US" altLang="ko-KR" dirty="0" smtClean="0"/>
+              <a:t>();</a:t>
+            </a:r>
+            <a:endParaRPr lang="ko-KR" altLang="en-US" dirty="0"/>
+          </a:p>
+        </p:txBody>
+      </p:sp>
+      <p:sp>
+        <p:nvSpPr>
+          <p:cNvPr id="26" name="TextBox 25"/>
+          <p:cNvSpPr txBox="1"/>
+          <p:nvPr/>
+        </p:nvSpPr>
+        <p:spPr>
+          <a:xfrm>
+            <a:off x="8012061" y="4083739"/>
+            <a:ext cx="1895169" cy="369332"/>
+          </a:xfrm>
+          <a:prstGeom prst="rect">
+            <a:avLst/>
+          </a:prstGeom>
+          <a:noFill/>
+        </p:spPr>
+        <p:txBody>
+          <a:bodyPr wrap="square" rtlCol="0">
+            <a:spAutoFit/>
+          </a:bodyPr>
+          <a:lstStyle/>
+          <a:p>
+            <a:r>
+              <a:rPr lang="en-US" altLang="ko-KR" dirty="0" err="1"/>
+              <a:t>e</a:t>
+            </a:r>
+            <a:r>
+              <a:rPr lang="en-US" altLang="ko-KR" dirty="0" err="1" smtClean="0"/>
+              <a:t>xecve</a:t>
+            </a:r>
+            <a:r>
+              <a:rPr lang="en-US" altLang="ko-KR" dirty="0" smtClean="0"/>
+              <a:t>();</a:t>
+            </a:r>
+            <a:endParaRPr lang="ko-KR" altLang="en-US" dirty="0"/>
+          </a:p>
+        </p:txBody>
+      </p:sp>
+      <p:sp>
+        <p:nvSpPr>
+          <p:cNvPr id="27" name="TextBox 26"/>
+          <p:cNvSpPr txBox="1"/>
+          <p:nvPr/>
+        </p:nvSpPr>
+        <p:spPr>
+          <a:xfrm>
+            <a:off x="5408969" y="2411664"/>
+            <a:ext cx="1895169" cy="369332"/>
+          </a:xfrm>
+          <a:prstGeom prst="rect">
+            <a:avLst/>
+          </a:prstGeom>
+          <a:noFill/>
+        </p:spPr>
+        <p:txBody>
+          <a:bodyPr wrap="square" rtlCol="0">
+            <a:spAutoFit/>
+          </a:bodyPr>
+          <a:lstStyle/>
+          <a:p>
+            <a:pPr algn="r"/>
+            <a:r>
+              <a:rPr lang="en-US" altLang="ko-KR" dirty="0"/>
+              <a:t>f</a:t>
+            </a:r>
+            <a:r>
+              <a:rPr lang="en-US" altLang="ko-KR" dirty="0" smtClean="0"/>
+              <a:t>ork();</a:t>
+            </a:r>
+            <a:endParaRPr lang="ko-KR" altLang="en-US" dirty="0"/>
+          </a:p>
+        </p:txBody>
+      </p:sp>
+    </p:spTree>
+    <p:extLst>
+      <p:ext uri="{BB962C8B-B14F-4D97-AF65-F5344CB8AC3E}">
+        <p14:creationId xmlns:p14="http://schemas.microsoft.com/office/powerpoint/2010/main" val="2025083659"/>
+      </p:ext>
+    </p:extLst>
+  </p:cSld>
+  <p:clrMapOvr>
+    <a:masterClrMapping/>
+  </p:clrMapOvr>
+</p:sld>
+</file>
+
+<file path=ppt/slides/slide12.xml><?xml version="1.0" encoding="utf-8"?>
+<p:sld xmlns:a="http://schemas.openxmlformats.org/drawingml/2006/main" xmlns:r="http://schemas.openxmlformats.org/officeDocument/2006/relationships" xmlns:p="http://schemas.openxmlformats.org/presentationml/2006/main">
+  <p:cSld>
+    <p:spTree>
+      <p:nvGrpSpPr>
+        <p:cNvPr id="1" name=""/>
+        <p:cNvGrpSpPr/>
+        <p:nvPr/>
+      </p:nvGrpSpPr>
+      <p:grpSpPr>
+        <a:xfrm>
+          <a:off x="0" y="0"/>
+          <a:ext cx="0" cy="0"/>
+          <a:chOff x="0" y="0"/>
+          <a:chExt cx="0" cy="0"/>
+        </a:xfrm>
+      </p:grpSpPr>
+      <p:sp>
+        <p:nvSpPr>
+          <p:cNvPr id="4" name="직사각형 3"/>
+          <p:cNvSpPr/>
+          <p:nvPr/>
+        </p:nvSpPr>
+        <p:spPr>
+          <a:xfrm>
+            <a:off x="1460090" y="3701844"/>
+            <a:ext cx="516194" cy="530942"/>
+          </a:xfrm>
+          <a:prstGeom prst="rect">
+            <a:avLst/>
+          </a:prstGeom>
+        </p:spPr>
+        <p:style>
+          <a:lnRef idx="2">
+            <a:schemeClr val="accent1">
+              <a:shade val="50000"/>
+            </a:schemeClr>
+          </a:lnRef>
+          <a:fillRef idx="1">
+            <a:schemeClr val="accent1"/>
+          </a:fillRef>
+          <a:effectRef idx="0">
+            <a:schemeClr val="accent1"/>
+          </a:effectRef>
+          <a:fontRef idx="minor">
+            <a:schemeClr val="lt1"/>
+          </a:fontRef>
+        </p:style>
+        <p:txBody>
+          <a:bodyPr rtlCol="0" anchor="ctr"/>
+          <a:lstStyle/>
+          <a:p>
+            <a:pPr algn="ctr"/>
+            <a:endParaRPr lang="ko-KR" altLang="en-US"/>
+          </a:p>
+        </p:txBody>
+      </p:sp>
+      <p:sp>
+        <p:nvSpPr>
+          <p:cNvPr id="5" name="직사각형 4"/>
+          <p:cNvSpPr/>
+          <p:nvPr/>
+        </p:nvSpPr>
+        <p:spPr>
+          <a:xfrm>
+            <a:off x="1976284" y="3701844"/>
+            <a:ext cx="516194" cy="530942"/>
+          </a:xfrm>
+          <a:prstGeom prst="rect">
+            <a:avLst/>
+          </a:prstGeom>
+        </p:spPr>
+        <p:style>
+          <a:lnRef idx="2">
+            <a:schemeClr val="accent1">
+              <a:shade val="50000"/>
+            </a:schemeClr>
+          </a:lnRef>
+          <a:fillRef idx="1">
+            <a:schemeClr val="accent1"/>
+          </a:fillRef>
+          <a:effectRef idx="0">
+            <a:schemeClr val="accent1"/>
+          </a:effectRef>
+          <a:fontRef idx="minor">
+            <a:schemeClr val="lt1"/>
+          </a:fontRef>
+        </p:style>
+        <p:txBody>
+          <a:bodyPr rtlCol="0" anchor="ctr"/>
+          <a:lstStyle/>
+          <a:p>
+            <a:pPr algn="ctr"/>
+            <a:endParaRPr lang="ko-KR" altLang="en-US"/>
+          </a:p>
+        </p:txBody>
+      </p:sp>
+      <p:sp>
+        <p:nvSpPr>
+          <p:cNvPr id="6" name="직사각형 5"/>
+          <p:cNvSpPr/>
+          <p:nvPr/>
+        </p:nvSpPr>
+        <p:spPr>
+          <a:xfrm>
+            <a:off x="2492478" y="3701844"/>
+            <a:ext cx="516194" cy="530942"/>
+          </a:xfrm>
+          <a:prstGeom prst="rect">
+            <a:avLst/>
+          </a:prstGeom>
+        </p:spPr>
+        <p:style>
+          <a:lnRef idx="2">
+            <a:schemeClr val="accent1">
+              <a:shade val="50000"/>
+            </a:schemeClr>
+          </a:lnRef>
+          <a:fillRef idx="1">
+            <a:schemeClr val="accent1"/>
+          </a:fillRef>
+          <a:effectRef idx="0">
+            <a:schemeClr val="accent1"/>
+          </a:effectRef>
+          <a:fontRef idx="minor">
+            <a:schemeClr val="lt1"/>
+          </a:fontRef>
+        </p:style>
+        <p:txBody>
+          <a:bodyPr rtlCol="0" anchor="ctr"/>
+          <a:lstStyle/>
+          <a:p>
+            <a:pPr algn="ctr"/>
+            <a:endParaRPr lang="ko-KR" altLang="en-US"/>
+          </a:p>
+        </p:txBody>
+      </p:sp>
+      <p:sp>
+        <p:nvSpPr>
+          <p:cNvPr id="7" name="직사각형 6"/>
+          <p:cNvSpPr/>
+          <p:nvPr/>
+        </p:nvSpPr>
+        <p:spPr>
+          <a:xfrm>
+            <a:off x="3008672" y="3701844"/>
+            <a:ext cx="516194" cy="530942"/>
+          </a:xfrm>
+          <a:prstGeom prst="rect">
+            <a:avLst/>
+          </a:prstGeom>
+        </p:spPr>
+        <p:style>
+          <a:lnRef idx="2">
+            <a:schemeClr val="accent1">
+              <a:shade val="50000"/>
+            </a:schemeClr>
+          </a:lnRef>
+          <a:fillRef idx="1">
+            <a:schemeClr val="accent1"/>
+          </a:fillRef>
+          <a:effectRef idx="0">
+            <a:schemeClr val="accent1"/>
+          </a:effectRef>
+          <a:fontRef idx="minor">
+            <a:schemeClr val="lt1"/>
+          </a:fontRef>
+        </p:style>
+        <p:txBody>
+          <a:bodyPr rtlCol="0" anchor="ctr"/>
+          <a:lstStyle/>
+          <a:p>
+            <a:pPr algn="ctr"/>
+            <a:endParaRPr lang="ko-KR" altLang="en-US"/>
+          </a:p>
+        </p:txBody>
+      </p:sp>
+      <p:sp>
+        <p:nvSpPr>
+          <p:cNvPr id="8" name="직사각형 7"/>
+          <p:cNvSpPr/>
+          <p:nvPr/>
+        </p:nvSpPr>
+        <p:spPr>
+          <a:xfrm>
+            <a:off x="3524866" y="3701844"/>
+            <a:ext cx="516194" cy="530942"/>
+          </a:xfrm>
+          <a:prstGeom prst="rect">
+            <a:avLst/>
+          </a:prstGeom>
+        </p:spPr>
+        <p:style>
+          <a:lnRef idx="2">
+            <a:schemeClr val="accent1">
+              <a:shade val="50000"/>
+            </a:schemeClr>
+          </a:lnRef>
+          <a:fillRef idx="1">
+            <a:schemeClr val="accent1"/>
+          </a:fillRef>
+          <a:effectRef idx="0">
+            <a:schemeClr val="accent1"/>
+          </a:effectRef>
+          <a:fontRef idx="minor">
+            <a:schemeClr val="lt1"/>
+          </a:fontRef>
+        </p:style>
+        <p:txBody>
+          <a:bodyPr rtlCol="0" anchor="ctr"/>
+          <a:lstStyle/>
+          <a:p>
+            <a:pPr algn="ctr"/>
+            <a:endParaRPr lang="ko-KR" altLang="en-US"/>
+          </a:p>
+        </p:txBody>
+      </p:sp>
+      <p:sp>
+        <p:nvSpPr>
+          <p:cNvPr id="9" name="직사각형 8"/>
+          <p:cNvSpPr/>
+          <p:nvPr/>
+        </p:nvSpPr>
+        <p:spPr>
+          <a:xfrm>
+            <a:off x="4041060" y="3701844"/>
+            <a:ext cx="516194" cy="530942"/>
+          </a:xfrm>
+          <a:prstGeom prst="rect">
+            <a:avLst/>
+          </a:prstGeom>
+        </p:spPr>
+        <p:style>
+          <a:lnRef idx="2">
+            <a:schemeClr val="accent1">
+              <a:shade val="50000"/>
+            </a:schemeClr>
+          </a:lnRef>
+          <a:fillRef idx="1">
+            <a:schemeClr val="accent1"/>
+          </a:fillRef>
+          <a:effectRef idx="0">
+            <a:schemeClr val="accent1"/>
+          </a:effectRef>
+          <a:fontRef idx="minor">
+            <a:schemeClr val="lt1"/>
+          </a:fontRef>
+        </p:style>
+        <p:txBody>
+          <a:bodyPr rtlCol="0" anchor="ctr"/>
+          <a:lstStyle/>
+          <a:p>
+            <a:pPr algn="ctr"/>
+            <a:r>
+              <a:rPr lang="en-US" altLang="ko-KR" dirty="0" smtClean="0"/>
+              <a:t>1</a:t>
+            </a:r>
+            <a:endParaRPr lang="ko-KR" altLang="en-US" dirty="0"/>
+          </a:p>
+        </p:txBody>
+      </p:sp>
+      <p:sp>
+        <p:nvSpPr>
+          <p:cNvPr id="10" name="직사각형 9"/>
+          <p:cNvSpPr/>
+          <p:nvPr/>
+        </p:nvSpPr>
+        <p:spPr>
+          <a:xfrm>
+            <a:off x="4557254" y="3701844"/>
+            <a:ext cx="516194" cy="530942"/>
+          </a:xfrm>
+          <a:prstGeom prst="rect">
+            <a:avLst/>
+          </a:prstGeom>
+        </p:spPr>
+        <p:style>
+          <a:lnRef idx="2">
+            <a:schemeClr val="accent1">
+              <a:shade val="50000"/>
+            </a:schemeClr>
+          </a:lnRef>
+          <a:fillRef idx="1">
+            <a:schemeClr val="accent1"/>
+          </a:fillRef>
+          <a:effectRef idx="0">
+            <a:schemeClr val="accent1"/>
+          </a:effectRef>
+          <a:fontRef idx="minor">
+            <a:schemeClr val="lt1"/>
+          </a:fontRef>
+        </p:style>
+        <p:txBody>
+          <a:bodyPr rtlCol="0" anchor="ctr"/>
+          <a:lstStyle/>
+          <a:p>
+            <a:pPr algn="ctr"/>
+            <a:r>
+              <a:rPr lang="en-US" altLang="ko-KR" dirty="0" smtClean="0"/>
+              <a:t>1</a:t>
+            </a:r>
+            <a:endParaRPr lang="ko-KR" altLang="en-US" dirty="0"/>
+          </a:p>
+        </p:txBody>
+      </p:sp>
+      <p:sp>
+        <p:nvSpPr>
+          <p:cNvPr id="11" name="직사각형 10"/>
+          <p:cNvSpPr/>
+          <p:nvPr/>
+        </p:nvSpPr>
+        <p:spPr>
+          <a:xfrm>
+            <a:off x="5073448" y="3701844"/>
+            <a:ext cx="516194" cy="530942"/>
+          </a:xfrm>
+          <a:prstGeom prst="rect">
+            <a:avLst/>
+          </a:prstGeom>
+        </p:spPr>
+        <p:style>
+          <a:lnRef idx="2">
+            <a:schemeClr val="accent1">
+              <a:shade val="50000"/>
+            </a:schemeClr>
+          </a:lnRef>
+          <a:fillRef idx="1">
+            <a:schemeClr val="accent1"/>
+          </a:fillRef>
+          <a:effectRef idx="0">
+            <a:schemeClr val="accent1"/>
+          </a:effectRef>
+          <a:fontRef idx="minor">
+            <a:schemeClr val="lt1"/>
+          </a:fontRef>
+        </p:style>
+        <p:txBody>
+          <a:bodyPr rtlCol="0" anchor="ctr"/>
+          <a:lstStyle/>
+          <a:p>
+            <a:pPr algn="ctr"/>
+            <a:r>
+              <a:rPr lang="en-US" altLang="ko-KR" dirty="0" smtClean="0"/>
+              <a:t>1</a:t>
+            </a:r>
+            <a:endParaRPr lang="ko-KR" altLang="en-US" dirty="0"/>
+          </a:p>
+        </p:txBody>
+      </p:sp>
+      <p:sp>
+        <p:nvSpPr>
+          <p:cNvPr id="20" name="직사각형 19"/>
+          <p:cNvSpPr/>
+          <p:nvPr/>
+        </p:nvSpPr>
+        <p:spPr>
+          <a:xfrm>
+            <a:off x="1460090" y="4881715"/>
+            <a:ext cx="516194" cy="530942"/>
+          </a:xfrm>
+          <a:prstGeom prst="rect">
+            <a:avLst/>
+          </a:prstGeom>
+          <a:solidFill>
+            <a:schemeClr val="bg1">
+              <a:lumMod val="75000"/>
+            </a:schemeClr>
+          </a:solidFill>
+        </p:spPr>
+        <p:style>
+          <a:lnRef idx="2">
+            <a:schemeClr val="accent1">
+              <a:shade val="50000"/>
+            </a:schemeClr>
+          </a:lnRef>
+          <a:fillRef idx="1">
+            <a:schemeClr val="accent1"/>
+          </a:fillRef>
+          <a:effectRef idx="0">
+            <a:schemeClr val="accent1"/>
+          </a:effectRef>
+          <a:fontRef idx="minor">
+            <a:schemeClr val="lt1"/>
+          </a:fontRef>
+        </p:style>
+        <p:txBody>
+          <a:bodyPr rtlCol="0" anchor="ctr"/>
+          <a:lstStyle/>
+          <a:p>
+            <a:pPr algn="ctr"/>
+            <a:endParaRPr lang="ko-KR" altLang="en-US"/>
+          </a:p>
+        </p:txBody>
+      </p:sp>
+      <p:sp>
+        <p:nvSpPr>
+          <p:cNvPr id="21" name="직사각형 20"/>
+          <p:cNvSpPr/>
+          <p:nvPr/>
+        </p:nvSpPr>
+        <p:spPr>
+          <a:xfrm>
+            <a:off x="1976284" y="4881715"/>
+            <a:ext cx="516194" cy="530942"/>
+          </a:xfrm>
+          <a:prstGeom prst="rect">
+            <a:avLst/>
+          </a:prstGeom>
+          <a:solidFill>
+            <a:schemeClr val="bg1">
+              <a:lumMod val="75000"/>
+            </a:schemeClr>
+          </a:solidFill>
+        </p:spPr>
+        <p:style>
+          <a:lnRef idx="2">
+            <a:schemeClr val="accent1">
+              <a:shade val="50000"/>
+            </a:schemeClr>
+          </a:lnRef>
+          <a:fillRef idx="1">
+            <a:schemeClr val="accent1"/>
+          </a:fillRef>
+          <a:effectRef idx="0">
+            <a:schemeClr val="accent1"/>
+          </a:effectRef>
+          <a:fontRef idx="minor">
+            <a:schemeClr val="lt1"/>
+          </a:fontRef>
+        </p:style>
+        <p:txBody>
+          <a:bodyPr rtlCol="0" anchor="ctr"/>
+          <a:lstStyle/>
+          <a:p>
+            <a:pPr algn="ctr"/>
+            <a:endParaRPr lang="ko-KR" altLang="en-US"/>
+          </a:p>
+        </p:txBody>
+      </p:sp>
+      <p:sp>
+        <p:nvSpPr>
+          <p:cNvPr id="22" name="직사각형 21"/>
+          <p:cNvSpPr/>
+          <p:nvPr/>
+        </p:nvSpPr>
+        <p:spPr>
+          <a:xfrm>
+            <a:off x="2492478" y="4881715"/>
+            <a:ext cx="516194" cy="530942"/>
+          </a:xfrm>
+          <a:prstGeom prst="rect">
+            <a:avLst/>
+          </a:prstGeom>
+          <a:solidFill>
+            <a:schemeClr val="bg1">
+              <a:lumMod val="75000"/>
+            </a:schemeClr>
+          </a:solidFill>
+        </p:spPr>
+        <p:style>
+          <a:lnRef idx="2">
+            <a:schemeClr val="accent1">
+              <a:shade val="50000"/>
+            </a:schemeClr>
+          </a:lnRef>
+          <a:fillRef idx="1">
+            <a:schemeClr val="accent1"/>
+          </a:fillRef>
+          <a:effectRef idx="0">
+            <a:schemeClr val="accent1"/>
+          </a:effectRef>
+          <a:fontRef idx="minor">
+            <a:schemeClr val="lt1"/>
+          </a:fontRef>
+        </p:style>
+        <p:txBody>
+          <a:bodyPr rtlCol="0" anchor="ctr"/>
+          <a:lstStyle/>
+          <a:p>
+            <a:pPr algn="ctr"/>
+            <a:endParaRPr lang="ko-KR" altLang="en-US"/>
+          </a:p>
+        </p:txBody>
+      </p:sp>
+      <p:sp>
+        <p:nvSpPr>
+          <p:cNvPr id="23" name="직사각형 22"/>
+          <p:cNvSpPr/>
+          <p:nvPr/>
+        </p:nvSpPr>
+        <p:spPr>
+          <a:xfrm>
+            <a:off x="3008672" y="4881715"/>
+            <a:ext cx="516194" cy="530942"/>
+          </a:xfrm>
+          <a:prstGeom prst="rect">
+            <a:avLst/>
+          </a:prstGeom>
+          <a:solidFill>
+            <a:schemeClr val="bg1">
+              <a:lumMod val="75000"/>
+            </a:schemeClr>
+          </a:solidFill>
+        </p:spPr>
+        <p:style>
+          <a:lnRef idx="2">
+            <a:schemeClr val="accent1">
+              <a:shade val="50000"/>
+            </a:schemeClr>
+          </a:lnRef>
+          <a:fillRef idx="1">
+            <a:schemeClr val="accent1"/>
+          </a:fillRef>
+          <a:effectRef idx="0">
+            <a:schemeClr val="accent1"/>
+          </a:effectRef>
+          <a:fontRef idx="minor">
+            <a:schemeClr val="lt1"/>
+          </a:fontRef>
+        </p:style>
+        <p:txBody>
+          <a:bodyPr rtlCol="0" anchor="ctr"/>
+          <a:lstStyle/>
+          <a:p>
+            <a:pPr algn="ctr"/>
+            <a:endParaRPr lang="ko-KR" altLang="en-US"/>
+          </a:p>
+        </p:txBody>
+      </p:sp>
+      <p:sp>
+        <p:nvSpPr>
+          <p:cNvPr id="24" name="직사각형 23"/>
+          <p:cNvSpPr/>
+          <p:nvPr/>
+        </p:nvSpPr>
+        <p:spPr>
+          <a:xfrm>
+            <a:off x="3524866" y="4881715"/>
+            <a:ext cx="516194" cy="530942"/>
+          </a:xfrm>
+          <a:prstGeom prst="rect">
+            <a:avLst/>
+          </a:prstGeom>
+          <a:solidFill>
+            <a:schemeClr val="bg1">
+              <a:lumMod val="75000"/>
+            </a:schemeClr>
+          </a:solidFill>
+        </p:spPr>
+        <p:style>
+          <a:lnRef idx="2">
+            <a:schemeClr val="accent1">
+              <a:shade val="50000"/>
+            </a:schemeClr>
+          </a:lnRef>
+          <a:fillRef idx="1">
+            <a:schemeClr val="accent1"/>
+          </a:fillRef>
+          <a:effectRef idx="0">
+            <a:schemeClr val="accent1"/>
+          </a:effectRef>
+          <a:fontRef idx="minor">
+            <a:schemeClr val="lt1"/>
+          </a:fontRef>
+        </p:style>
+        <p:txBody>
+          <a:bodyPr rtlCol="0" anchor="ctr"/>
+          <a:lstStyle/>
+          <a:p>
+            <a:pPr algn="ctr"/>
+            <a:endParaRPr lang="ko-KR" altLang="en-US"/>
+          </a:p>
+        </p:txBody>
+      </p:sp>
+      <p:sp>
+        <p:nvSpPr>
+          <p:cNvPr id="25" name="직사각형 24"/>
+          <p:cNvSpPr/>
+          <p:nvPr/>
+        </p:nvSpPr>
+        <p:spPr>
+          <a:xfrm>
+            <a:off x="4041060" y="4881715"/>
+            <a:ext cx="516194" cy="530942"/>
+          </a:xfrm>
+          <a:prstGeom prst="rect">
+            <a:avLst/>
+          </a:prstGeom>
+          <a:solidFill>
+            <a:schemeClr val="bg1">
+              <a:lumMod val="75000"/>
+            </a:schemeClr>
+          </a:solidFill>
+        </p:spPr>
+        <p:style>
+          <a:lnRef idx="2">
+            <a:schemeClr val="accent1">
+              <a:shade val="50000"/>
+            </a:schemeClr>
+          </a:lnRef>
+          <a:fillRef idx="1">
+            <a:schemeClr val="accent1"/>
+          </a:fillRef>
+          <a:effectRef idx="0">
+            <a:schemeClr val="accent1"/>
+          </a:effectRef>
+          <a:fontRef idx="minor">
+            <a:schemeClr val="lt1"/>
+          </a:fontRef>
+        </p:style>
+        <p:txBody>
+          <a:bodyPr rtlCol="0" anchor="ctr"/>
+          <a:lstStyle/>
+          <a:p>
+            <a:pPr algn="ctr"/>
+            <a:endParaRPr lang="ko-KR" altLang="en-US"/>
+          </a:p>
+        </p:txBody>
+      </p:sp>
+      <p:sp>
+        <p:nvSpPr>
+          <p:cNvPr id="26" name="직사각형 25"/>
+          <p:cNvSpPr/>
+          <p:nvPr/>
+        </p:nvSpPr>
+        <p:spPr>
+          <a:xfrm>
+            <a:off x="4557254" y="4881715"/>
+            <a:ext cx="516194" cy="530942"/>
+          </a:xfrm>
+          <a:prstGeom prst="rect">
+            <a:avLst/>
+          </a:prstGeom>
+          <a:solidFill>
+            <a:schemeClr val="bg1">
+              <a:lumMod val="75000"/>
+            </a:schemeClr>
+          </a:solidFill>
+        </p:spPr>
+        <p:style>
+          <a:lnRef idx="2">
+            <a:schemeClr val="accent1">
+              <a:shade val="50000"/>
+            </a:schemeClr>
+          </a:lnRef>
+          <a:fillRef idx="1">
+            <a:schemeClr val="accent1"/>
+          </a:fillRef>
+          <a:effectRef idx="0">
+            <a:schemeClr val="accent1"/>
+          </a:effectRef>
+          <a:fontRef idx="minor">
+            <a:schemeClr val="lt1"/>
+          </a:fontRef>
+        </p:style>
+        <p:txBody>
+          <a:bodyPr rtlCol="0" anchor="ctr"/>
+          <a:lstStyle/>
+          <a:p>
+            <a:pPr algn="ctr"/>
+            <a:endParaRPr lang="ko-KR" altLang="en-US"/>
+          </a:p>
+        </p:txBody>
+      </p:sp>
+      <p:sp>
+        <p:nvSpPr>
+          <p:cNvPr id="27" name="직사각형 26"/>
+          <p:cNvSpPr/>
+          <p:nvPr/>
+        </p:nvSpPr>
+        <p:spPr>
+          <a:xfrm>
+            <a:off x="5073448" y="4881715"/>
+            <a:ext cx="516194" cy="530942"/>
+          </a:xfrm>
+          <a:prstGeom prst="rect">
+            <a:avLst/>
+          </a:prstGeom>
+          <a:solidFill>
+            <a:schemeClr val="bg1">
+              <a:lumMod val="75000"/>
+            </a:schemeClr>
+          </a:solidFill>
+        </p:spPr>
+        <p:style>
+          <a:lnRef idx="2">
+            <a:schemeClr val="accent1">
+              <a:shade val="50000"/>
+            </a:schemeClr>
+          </a:lnRef>
+          <a:fillRef idx="1">
+            <a:schemeClr val="accent1"/>
+          </a:fillRef>
+          <a:effectRef idx="0">
+            <a:schemeClr val="accent1"/>
+          </a:effectRef>
+          <a:fontRef idx="minor">
+            <a:schemeClr val="lt1"/>
+          </a:fontRef>
+        </p:style>
+        <p:txBody>
+          <a:bodyPr rtlCol="0" anchor="ctr"/>
+          <a:lstStyle/>
+          <a:p>
+            <a:pPr algn="ctr"/>
+            <a:endParaRPr lang="ko-KR" altLang="en-US"/>
+          </a:p>
+        </p:txBody>
+      </p:sp>
+      <p:sp>
+        <p:nvSpPr>
+          <p:cNvPr id="28" name="직사각형 27"/>
+          <p:cNvSpPr/>
+          <p:nvPr/>
+        </p:nvSpPr>
+        <p:spPr>
+          <a:xfrm>
+            <a:off x="6164829" y="4881715"/>
+            <a:ext cx="516194" cy="530942"/>
+          </a:xfrm>
+          <a:prstGeom prst="rect">
+            <a:avLst/>
+          </a:prstGeom>
+          <a:solidFill>
+            <a:srgbClr val="FFFF00"/>
+          </a:solidFill>
+        </p:spPr>
+        <p:style>
+          <a:lnRef idx="2">
+            <a:schemeClr val="accent1">
+              <a:shade val="50000"/>
+            </a:schemeClr>
+          </a:lnRef>
+          <a:fillRef idx="1">
+            <a:schemeClr val="accent1"/>
+          </a:fillRef>
+          <a:effectRef idx="0">
+            <a:schemeClr val="accent1"/>
+          </a:effectRef>
+          <a:fontRef idx="minor">
+            <a:schemeClr val="lt1"/>
+          </a:fontRef>
+        </p:style>
+        <p:txBody>
+          <a:bodyPr rtlCol="0" anchor="ctr"/>
+          <a:lstStyle/>
+          <a:p>
+            <a:pPr algn="ctr"/>
+            <a:r>
+              <a:rPr lang="en-US" altLang="ko-KR" dirty="0" smtClean="0">
+                <a:solidFill>
+                  <a:schemeClr val="tx1"/>
+                </a:solidFill>
+              </a:rPr>
+              <a:t>0</a:t>
+            </a:r>
+            <a:endParaRPr lang="ko-KR" altLang="en-US" dirty="0">
+              <a:solidFill>
+                <a:schemeClr val="tx1"/>
+              </a:solidFill>
+            </a:endParaRPr>
+          </a:p>
+        </p:txBody>
+      </p:sp>
+      <p:sp>
+        <p:nvSpPr>
+          <p:cNvPr id="29" name="직사각형 28"/>
+          <p:cNvSpPr/>
+          <p:nvPr/>
+        </p:nvSpPr>
+        <p:spPr>
+          <a:xfrm>
+            <a:off x="6681023" y="4881715"/>
+            <a:ext cx="516194" cy="530942"/>
+          </a:xfrm>
+          <a:prstGeom prst="rect">
+            <a:avLst/>
+          </a:prstGeom>
+        </p:spPr>
+        <p:style>
+          <a:lnRef idx="2">
+            <a:schemeClr val="accent1">
+              <a:shade val="50000"/>
+            </a:schemeClr>
+          </a:lnRef>
+          <a:fillRef idx="1">
+            <a:schemeClr val="accent1"/>
+          </a:fillRef>
+          <a:effectRef idx="0">
+            <a:schemeClr val="accent1"/>
+          </a:effectRef>
+          <a:fontRef idx="minor">
+            <a:schemeClr val="lt1"/>
+          </a:fontRef>
+        </p:style>
+        <p:txBody>
+          <a:bodyPr rtlCol="0" anchor="ctr"/>
+          <a:lstStyle/>
+          <a:p>
+            <a:pPr algn="ctr"/>
+            <a:endParaRPr lang="ko-KR" altLang="en-US"/>
+          </a:p>
+        </p:txBody>
+      </p:sp>
+      <p:sp>
+        <p:nvSpPr>
+          <p:cNvPr id="30" name="직사각형 29"/>
+          <p:cNvSpPr/>
+          <p:nvPr/>
+        </p:nvSpPr>
+        <p:spPr>
+          <a:xfrm>
+            <a:off x="7197217" y="4881715"/>
+            <a:ext cx="516194" cy="530942"/>
+          </a:xfrm>
+          <a:prstGeom prst="rect">
+            <a:avLst/>
+          </a:prstGeom>
+        </p:spPr>
+        <p:style>
+          <a:lnRef idx="2">
+            <a:schemeClr val="accent1">
+              <a:shade val="50000"/>
+            </a:schemeClr>
+          </a:lnRef>
+          <a:fillRef idx="1">
+            <a:schemeClr val="accent1"/>
+          </a:fillRef>
+          <a:effectRef idx="0">
+            <a:schemeClr val="accent1"/>
+          </a:effectRef>
+          <a:fontRef idx="minor">
+            <a:schemeClr val="lt1"/>
+          </a:fontRef>
+        </p:style>
+        <p:txBody>
+          <a:bodyPr rtlCol="0" anchor="ctr"/>
+          <a:lstStyle/>
+          <a:p>
+            <a:pPr algn="ctr"/>
+            <a:endParaRPr lang="ko-KR" altLang="en-US"/>
+          </a:p>
+        </p:txBody>
+      </p:sp>
+      <p:sp>
+        <p:nvSpPr>
+          <p:cNvPr id="31" name="직사각형 30"/>
+          <p:cNvSpPr/>
+          <p:nvPr/>
+        </p:nvSpPr>
+        <p:spPr>
+          <a:xfrm>
+            <a:off x="7713411" y="4881715"/>
+            <a:ext cx="516194" cy="530942"/>
+          </a:xfrm>
+          <a:prstGeom prst="rect">
+            <a:avLst/>
+          </a:prstGeom>
+        </p:spPr>
+        <p:style>
+          <a:lnRef idx="2">
+            <a:schemeClr val="accent1">
+              <a:shade val="50000"/>
+            </a:schemeClr>
+          </a:lnRef>
+          <a:fillRef idx="1">
+            <a:schemeClr val="accent1"/>
+          </a:fillRef>
+          <a:effectRef idx="0">
+            <a:schemeClr val="accent1"/>
+          </a:effectRef>
+          <a:fontRef idx="minor">
+            <a:schemeClr val="lt1"/>
+          </a:fontRef>
+        </p:style>
+        <p:txBody>
+          <a:bodyPr rtlCol="0" anchor="ctr"/>
+          <a:lstStyle/>
+          <a:p>
+            <a:pPr algn="ctr"/>
+            <a:endParaRPr lang="ko-KR" altLang="en-US"/>
+          </a:p>
+        </p:txBody>
+      </p:sp>
+      <p:sp>
+        <p:nvSpPr>
+          <p:cNvPr id="32" name="직사각형 31"/>
+          <p:cNvSpPr/>
+          <p:nvPr/>
+        </p:nvSpPr>
+        <p:spPr>
+          <a:xfrm>
+            <a:off x="8229605" y="4881715"/>
+            <a:ext cx="516194" cy="530942"/>
+          </a:xfrm>
+          <a:prstGeom prst="rect">
+            <a:avLst/>
+          </a:prstGeom>
+        </p:spPr>
+        <p:style>
+          <a:lnRef idx="2">
+            <a:schemeClr val="accent1">
+              <a:shade val="50000"/>
+            </a:schemeClr>
+          </a:lnRef>
+          <a:fillRef idx="1">
+            <a:schemeClr val="accent1"/>
+          </a:fillRef>
+          <a:effectRef idx="0">
+            <a:schemeClr val="accent1"/>
+          </a:effectRef>
+          <a:fontRef idx="minor">
+            <a:schemeClr val="lt1"/>
+          </a:fontRef>
+        </p:style>
+        <p:txBody>
+          <a:bodyPr rtlCol="0" anchor="ctr"/>
+          <a:lstStyle/>
+          <a:p>
+            <a:pPr algn="ctr"/>
+            <a:endParaRPr lang="ko-KR" altLang="en-US"/>
+          </a:p>
+        </p:txBody>
+      </p:sp>
+      <p:sp>
+        <p:nvSpPr>
+          <p:cNvPr id="33" name="직사각형 32"/>
+          <p:cNvSpPr/>
+          <p:nvPr/>
+        </p:nvSpPr>
+        <p:spPr>
+          <a:xfrm>
+            <a:off x="8745799" y="4881715"/>
+            <a:ext cx="516194" cy="530942"/>
+          </a:xfrm>
+          <a:prstGeom prst="rect">
+            <a:avLst/>
+          </a:prstGeom>
+        </p:spPr>
+        <p:style>
+          <a:lnRef idx="2">
+            <a:schemeClr val="accent1">
+              <a:shade val="50000"/>
+            </a:schemeClr>
+          </a:lnRef>
+          <a:fillRef idx="1">
+            <a:schemeClr val="accent1"/>
+          </a:fillRef>
+          <a:effectRef idx="0">
+            <a:schemeClr val="accent1"/>
+          </a:effectRef>
+          <a:fontRef idx="minor">
+            <a:schemeClr val="lt1"/>
+          </a:fontRef>
+        </p:style>
+        <p:txBody>
+          <a:bodyPr rtlCol="0" anchor="ctr"/>
+          <a:lstStyle/>
+          <a:p>
+            <a:pPr algn="ctr"/>
+            <a:endParaRPr lang="ko-KR" altLang="en-US"/>
+          </a:p>
+        </p:txBody>
+      </p:sp>
+      <p:sp>
+        <p:nvSpPr>
+          <p:cNvPr id="34" name="직사각형 33"/>
+          <p:cNvSpPr/>
+          <p:nvPr/>
+        </p:nvSpPr>
+        <p:spPr>
+          <a:xfrm>
+            <a:off x="9261993" y="4881715"/>
+            <a:ext cx="516194" cy="530942"/>
+          </a:xfrm>
+          <a:prstGeom prst="rect">
+            <a:avLst/>
+          </a:prstGeom>
+        </p:spPr>
+        <p:style>
+          <a:lnRef idx="2">
+            <a:schemeClr val="accent1">
+              <a:shade val="50000"/>
+            </a:schemeClr>
+          </a:lnRef>
+          <a:fillRef idx="1">
+            <a:schemeClr val="accent1"/>
+          </a:fillRef>
+          <a:effectRef idx="0">
+            <a:schemeClr val="accent1"/>
+          </a:effectRef>
+          <a:fontRef idx="minor">
+            <a:schemeClr val="lt1"/>
+          </a:fontRef>
+        </p:style>
+        <p:txBody>
+          <a:bodyPr rtlCol="0" anchor="ctr"/>
+          <a:lstStyle/>
+          <a:p>
+            <a:pPr algn="ctr"/>
+            <a:r>
+              <a:rPr lang="en-US" altLang="ko-KR" dirty="0" smtClean="0"/>
+              <a:t>1</a:t>
+            </a:r>
+            <a:endParaRPr lang="ko-KR" altLang="en-US" dirty="0"/>
+          </a:p>
+        </p:txBody>
+      </p:sp>
+      <p:sp>
+        <p:nvSpPr>
+          <p:cNvPr id="35" name="직사각형 34"/>
+          <p:cNvSpPr/>
+          <p:nvPr/>
+        </p:nvSpPr>
+        <p:spPr>
+          <a:xfrm>
+            <a:off x="9778187" y="4881715"/>
+            <a:ext cx="516194" cy="530942"/>
+          </a:xfrm>
+          <a:prstGeom prst="rect">
+            <a:avLst/>
+          </a:prstGeom>
+        </p:spPr>
+        <p:style>
+          <a:lnRef idx="2">
+            <a:schemeClr val="accent1">
+              <a:shade val="50000"/>
+            </a:schemeClr>
+          </a:lnRef>
+          <a:fillRef idx="1">
+            <a:schemeClr val="accent1"/>
+          </a:fillRef>
+          <a:effectRef idx="0">
+            <a:schemeClr val="accent1"/>
+          </a:effectRef>
+          <a:fontRef idx="minor">
+            <a:schemeClr val="lt1"/>
+          </a:fontRef>
+        </p:style>
+        <p:txBody>
+          <a:bodyPr rtlCol="0" anchor="ctr"/>
+          <a:lstStyle/>
+          <a:p>
+            <a:pPr algn="ctr"/>
+            <a:r>
+              <a:rPr lang="en-US" altLang="ko-KR" dirty="0" smtClean="0"/>
+              <a:t>0</a:t>
+            </a:r>
+            <a:endParaRPr lang="ko-KR" altLang="en-US" dirty="0"/>
+          </a:p>
+        </p:txBody>
+      </p:sp>
+      <p:sp>
+        <p:nvSpPr>
+          <p:cNvPr id="36" name="TextBox 35"/>
+          <p:cNvSpPr txBox="1"/>
+          <p:nvPr/>
+        </p:nvSpPr>
+        <p:spPr>
+          <a:xfrm>
+            <a:off x="2389239" y="3067664"/>
+            <a:ext cx="2536722" cy="369332"/>
+          </a:xfrm>
+          <a:prstGeom prst="rect">
+            <a:avLst/>
+          </a:prstGeom>
+          <a:noFill/>
+        </p:spPr>
+        <p:txBody>
+          <a:bodyPr wrap="square" rtlCol="0">
+            <a:spAutoFit/>
+          </a:bodyPr>
+          <a:lstStyle/>
+          <a:p>
+            <a:pPr algn="ctr"/>
+            <a:r>
+              <a:rPr lang="ko-KR" altLang="en-US" dirty="0" smtClean="0"/>
+              <a:t>상위 바이트</a:t>
+            </a:r>
+            <a:endParaRPr lang="ko-KR" altLang="en-US" dirty="0"/>
+          </a:p>
+        </p:txBody>
+      </p:sp>
+      <p:sp>
+        <p:nvSpPr>
+          <p:cNvPr id="37" name="TextBox 36"/>
+          <p:cNvSpPr txBox="1"/>
+          <p:nvPr/>
+        </p:nvSpPr>
+        <p:spPr>
+          <a:xfrm>
+            <a:off x="6983368" y="3097160"/>
+            <a:ext cx="2536722" cy="369332"/>
+          </a:xfrm>
+          <a:prstGeom prst="rect">
+            <a:avLst/>
+          </a:prstGeom>
+          <a:noFill/>
+        </p:spPr>
+        <p:txBody>
+          <a:bodyPr wrap="square" rtlCol="0">
+            <a:spAutoFit/>
+          </a:bodyPr>
+          <a:lstStyle/>
+          <a:p>
+            <a:pPr algn="ctr"/>
+            <a:r>
+              <a:rPr lang="ko-KR" altLang="en-US" dirty="0"/>
+              <a:t>하</a:t>
+            </a:r>
+            <a:r>
+              <a:rPr lang="ko-KR" altLang="en-US" dirty="0" smtClean="0"/>
+              <a:t>위 바이트</a:t>
+            </a:r>
+            <a:endParaRPr lang="ko-KR" altLang="en-US" dirty="0"/>
+          </a:p>
+        </p:txBody>
+      </p:sp>
+      <p:sp>
+        <p:nvSpPr>
+          <p:cNvPr id="38" name="직사각형 37"/>
+          <p:cNvSpPr/>
+          <p:nvPr/>
+        </p:nvSpPr>
+        <p:spPr>
+          <a:xfrm>
+            <a:off x="6164829" y="3701844"/>
+            <a:ext cx="516194" cy="530942"/>
+          </a:xfrm>
+          <a:prstGeom prst="rect">
+            <a:avLst/>
+          </a:prstGeom>
+          <a:solidFill>
+            <a:srgbClr val="FFFF00"/>
+          </a:solidFill>
+        </p:spPr>
+        <p:style>
+          <a:lnRef idx="2">
+            <a:schemeClr val="accent1">
+              <a:shade val="50000"/>
+            </a:schemeClr>
+          </a:lnRef>
+          <a:fillRef idx="1">
+            <a:schemeClr val="accent1"/>
+          </a:fillRef>
+          <a:effectRef idx="0">
+            <a:schemeClr val="accent1"/>
+          </a:effectRef>
+          <a:fontRef idx="minor">
+            <a:schemeClr val="lt1"/>
+          </a:fontRef>
+        </p:style>
+        <p:txBody>
+          <a:bodyPr rtlCol="0" anchor="ctr"/>
+          <a:lstStyle/>
+          <a:p>
+            <a:pPr algn="ctr"/>
+            <a:endParaRPr lang="ko-KR" altLang="en-US"/>
+          </a:p>
+        </p:txBody>
+      </p:sp>
+      <p:sp>
+        <p:nvSpPr>
+          <p:cNvPr id="39" name="직사각형 38"/>
+          <p:cNvSpPr/>
+          <p:nvPr/>
+        </p:nvSpPr>
+        <p:spPr>
+          <a:xfrm>
+            <a:off x="6681023" y="3701844"/>
+            <a:ext cx="516194" cy="530942"/>
+          </a:xfrm>
+          <a:prstGeom prst="rect">
+            <a:avLst/>
+          </a:prstGeom>
+          <a:solidFill>
+            <a:schemeClr val="bg1">
+              <a:lumMod val="75000"/>
+            </a:schemeClr>
+          </a:solidFill>
+        </p:spPr>
+        <p:style>
+          <a:lnRef idx="2">
+            <a:schemeClr val="accent1">
+              <a:shade val="50000"/>
+            </a:schemeClr>
+          </a:lnRef>
+          <a:fillRef idx="1">
+            <a:schemeClr val="accent1"/>
+          </a:fillRef>
+          <a:effectRef idx="0">
+            <a:schemeClr val="accent1"/>
+          </a:effectRef>
+          <a:fontRef idx="minor">
+            <a:schemeClr val="lt1"/>
+          </a:fontRef>
+        </p:style>
+        <p:txBody>
+          <a:bodyPr rtlCol="0" anchor="ctr"/>
+          <a:lstStyle/>
+          <a:p>
+            <a:pPr algn="ctr"/>
+            <a:endParaRPr lang="ko-KR" altLang="en-US"/>
+          </a:p>
+        </p:txBody>
+      </p:sp>
+      <p:sp>
+        <p:nvSpPr>
+          <p:cNvPr id="40" name="직사각형 39"/>
+          <p:cNvSpPr/>
+          <p:nvPr/>
+        </p:nvSpPr>
+        <p:spPr>
+          <a:xfrm>
+            <a:off x="7197217" y="3701844"/>
+            <a:ext cx="516194" cy="530942"/>
+          </a:xfrm>
+          <a:prstGeom prst="rect">
+            <a:avLst/>
+          </a:prstGeom>
+          <a:solidFill>
+            <a:schemeClr val="bg1">
+              <a:lumMod val="75000"/>
+            </a:schemeClr>
+          </a:solidFill>
+        </p:spPr>
+        <p:style>
+          <a:lnRef idx="2">
+            <a:schemeClr val="accent1">
+              <a:shade val="50000"/>
+            </a:schemeClr>
+          </a:lnRef>
+          <a:fillRef idx="1">
+            <a:schemeClr val="accent1"/>
+          </a:fillRef>
+          <a:effectRef idx="0">
+            <a:schemeClr val="accent1"/>
+          </a:effectRef>
+          <a:fontRef idx="minor">
+            <a:schemeClr val="lt1"/>
+          </a:fontRef>
+        </p:style>
+        <p:txBody>
+          <a:bodyPr rtlCol="0" anchor="ctr"/>
+          <a:lstStyle/>
+          <a:p>
+            <a:pPr algn="ctr"/>
+            <a:endParaRPr lang="ko-KR" altLang="en-US"/>
+          </a:p>
+        </p:txBody>
+      </p:sp>
+      <p:sp>
+        <p:nvSpPr>
+          <p:cNvPr id="41" name="직사각형 40"/>
+          <p:cNvSpPr/>
+          <p:nvPr/>
+        </p:nvSpPr>
+        <p:spPr>
+          <a:xfrm>
+            <a:off x="7713411" y="3701844"/>
+            <a:ext cx="516194" cy="530942"/>
+          </a:xfrm>
+          <a:prstGeom prst="rect">
+            <a:avLst/>
+          </a:prstGeom>
+          <a:solidFill>
+            <a:schemeClr val="bg1">
+              <a:lumMod val="75000"/>
+            </a:schemeClr>
+          </a:solidFill>
+        </p:spPr>
+        <p:style>
+          <a:lnRef idx="2">
+            <a:schemeClr val="accent1">
+              <a:shade val="50000"/>
+            </a:schemeClr>
+          </a:lnRef>
+          <a:fillRef idx="1">
+            <a:schemeClr val="accent1"/>
+          </a:fillRef>
+          <a:effectRef idx="0">
+            <a:schemeClr val="accent1"/>
+          </a:effectRef>
+          <a:fontRef idx="minor">
+            <a:schemeClr val="lt1"/>
+          </a:fontRef>
+        </p:style>
+        <p:txBody>
+          <a:bodyPr rtlCol="0" anchor="ctr"/>
+          <a:lstStyle/>
+          <a:p>
+            <a:pPr algn="ctr"/>
+            <a:endParaRPr lang="ko-KR" altLang="en-US"/>
+          </a:p>
+        </p:txBody>
+      </p:sp>
+      <p:sp>
+        <p:nvSpPr>
+          <p:cNvPr id="42" name="직사각형 41"/>
+          <p:cNvSpPr/>
+          <p:nvPr/>
+        </p:nvSpPr>
+        <p:spPr>
+          <a:xfrm>
+            <a:off x="8229605" y="3701844"/>
+            <a:ext cx="516194" cy="530942"/>
+          </a:xfrm>
+          <a:prstGeom prst="rect">
+            <a:avLst/>
+          </a:prstGeom>
+          <a:solidFill>
+            <a:schemeClr val="bg1">
+              <a:lumMod val="75000"/>
+            </a:schemeClr>
+          </a:solidFill>
+        </p:spPr>
+        <p:style>
+          <a:lnRef idx="2">
+            <a:schemeClr val="accent1">
+              <a:shade val="50000"/>
+            </a:schemeClr>
+          </a:lnRef>
+          <a:fillRef idx="1">
+            <a:schemeClr val="accent1"/>
+          </a:fillRef>
+          <a:effectRef idx="0">
+            <a:schemeClr val="accent1"/>
+          </a:effectRef>
+          <a:fontRef idx="minor">
+            <a:schemeClr val="lt1"/>
+          </a:fontRef>
+        </p:style>
+        <p:txBody>
+          <a:bodyPr rtlCol="0" anchor="ctr"/>
+          <a:lstStyle/>
+          <a:p>
+            <a:pPr algn="ctr"/>
+            <a:endParaRPr lang="ko-KR" altLang="en-US"/>
+          </a:p>
+        </p:txBody>
+      </p:sp>
+      <p:sp>
+        <p:nvSpPr>
+          <p:cNvPr id="43" name="직사각형 42"/>
+          <p:cNvSpPr/>
+          <p:nvPr/>
+        </p:nvSpPr>
+        <p:spPr>
+          <a:xfrm>
+            <a:off x="8745799" y="3701844"/>
+            <a:ext cx="516194" cy="530942"/>
+          </a:xfrm>
+          <a:prstGeom prst="rect">
+            <a:avLst/>
+          </a:prstGeom>
+          <a:solidFill>
+            <a:schemeClr val="bg1">
+              <a:lumMod val="75000"/>
+            </a:schemeClr>
+          </a:solidFill>
+        </p:spPr>
+        <p:style>
+          <a:lnRef idx="2">
+            <a:schemeClr val="accent1">
+              <a:shade val="50000"/>
+            </a:schemeClr>
+          </a:lnRef>
+          <a:fillRef idx="1">
+            <a:schemeClr val="accent1"/>
+          </a:fillRef>
+          <a:effectRef idx="0">
+            <a:schemeClr val="accent1"/>
+          </a:effectRef>
+          <a:fontRef idx="minor">
+            <a:schemeClr val="lt1"/>
+          </a:fontRef>
+        </p:style>
+        <p:txBody>
+          <a:bodyPr rtlCol="0" anchor="ctr"/>
+          <a:lstStyle/>
+          <a:p>
+            <a:pPr algn="ctr"/>
+            <a:endParaRPr lang="ko-KR" altLang="en-US"/>
+          </a:p>
+        </p:txBody>
+      </p:sp>
+      <p:sp>
+        <p:nvSpPr>
+          <p:cNvPr id="44" name="직사각형 43"/>
+          <p:cNvSpPr/>
+          <p:nvPr/>
+        </p:nvSpPr>
+        <p:spPr>
+          <a:xfrm>
+            <a:off x="9261993" y="3701844"/>
+            <a:ext cx="516194" cy="530942"/>
+          </a:xfrm>
+          <a:prstGeom prst="rect">
+            <a:avLst/>
+          </a:prstGeom>
+          <a:solidFill>
+            <a:schemeClr val="bg1">
+              <a:lumMod val="75000"/>
+            </a:schemeClr>
+          </a:solidFill>
+        </p:spPr>
+        <p:style>
+          <a:lnRef idx="2">
+            <a:schemeClr val="accent1">
+              <a:shade val="50000"/>
+            </a:schemeClr>
+          </a:lnRef>
+          <a:fillRef idx="1">
+            <a:schemeClr val="accent1"/>
+          </a:fillRef>
+          <a:effectRef idx="0">
+            <a:schemeClr val="accent1"/>
+          </a:effectRef>
+          <a:fontRef idx="minor">
+            <a:schemeClr val="lt1"/>
+          </a:fontRef>
+        </p:style>
+        <p:txBody>
+          <a:bodyPr rtlCol="0" anchor="ctr"/>
+          <a:lstStyle/>
+          <a:p>
+            <a:pPr algn="ctr"/>
+            <a:endParaRPr lang="ko-KR" altLang="en-US"/>
+          </a:p>
+        </p:txBody>
+      </p:sp>
+      <p:sp>
+        <p:nvSpPr>
+          <p:cNvPr id="45" name="직사각형 44"/>
+          <p:cNvSpPr/>
+          <p:nvPr/>
+        </p:nvSpPr>
+        <p:spPr>
+          <a:xfrm>
+            <a:off x="9778187" y="3701844"/>
+            <a:ext cx="516194" cy="530942"/>
+          </a:xfrm>
+          <a:prstGeom prst="rect">
+            <a:avLst/>
+          </a:prstGeom>
+          <a:solidFill>
+            <a:schemeClr val="bg1">
+              <a:lumMod val="75000"/>
+            </a:schemeClr>
+          </a:solidFill>
+        </p:spPr>
+        <p:style>
+          <a:lnRef idx="2">
+            <a:schemeClr val="accent1">
+              <a:shade val="50000"/>
+            </a:schemeClr>
+          </a:lnRef>
+          <a:fillRef idx="1">
+            <a:schemeClr val="accent1"/>
+          </a:fillRef>
+          <a:effectRef idx="0">
+            <a:schemeClr val="accent1"/>
+          </a:effectRef>
+          <a:fontRef idx="minor">
+            <a:schemeClr val="lt1"/>
+          </a:fontRef>
+        </p:style>
+        <p:txBody>
+          <a:bodyPr rtlCol="0" anchor="ctr"/>
+          <a:lstStyle/>
+          <a:p>
+            <a:pPr algn="ctr"/>
+            <a:endParaRPr lang="ko-KR" altLang="en-US"/>
+          </a:p>
+        </p:txBody>
+      </p:sp>
+      <p:sp>
+        <p:nvSpPr>
+          <p:cNvPr id="46" name="TextBox 45"/>
+          <p:cNvSpPr txBox="1"/>
+          <p:nvPr/>
+        </p:nvSpPr>
+        <p:spPr>
+          <a:xfrm>
+            <a:off x="442451" y="3833956"/>
+            <a:ext cx="1002890" cy="369332"/>
+          </a:xfrm>
+          <a:prstGeom prst="rect">
+            <a:avLst/>
+          </a:prstGeom>
+          <a:noFill/>
+        </p:spPr>
+        <p:txBody>
+          <a:bodyPr wrap="square" rtlCol="0">
+            <a:spAutoFit/>
+          </a:bodyPr>
+          <a:lstStyle/>
+          <a:p>
+            <a:r>
+              <a:rPr lang="en-US" altLang="ko-KR" dirty="0"/>
+              <a:t>e</a:t>
+            </a:r>
+            <a:r>
+              <a:rPr lang="en-US" altLang="ko-KR" dirty="0" smtClean="0"/>
+              <a:t>xit(7) </a:t>
+            </a:r>
+            <a:endParaRPr lang="ko-KR" altLang="en-US" dirty="0"/>
+          </a:p>
+        </p:txBody>
+      </p:sp>
+      <p:sp>
+        <p:nvSpPr>
+          <p:cNvPr id="47" name="직사각형 46"/>
+          <p:cNvSpPr/>
+          <p:nvPr/>
+        </p:nvSpPr>
+        <p:spPr>
+          <a:xfrm>
+            <a:off x="3008672" y="524976"/>
+            <a:ext cx="6096000" cy="1754326"/>
+          </a:xfrm>
+          <a:prstGeom prst="rect">
+            <a:avLst/>
+          </a:prstGeom>
+        </p:spPr>
+        <p:txBody>
+          <a:bodyPr>
+            <a:spAutoFit/>
+          </a:bodyPr>
+          <a:lstStyle/>
+          <a:p>
+            <a:r>
+              <a:rPr lang="ko-KR" altLang="en-US" dirty="0">
+                <a:solidFill>
+                  <a:srgbClr val="222222"/>
+                </a:solidFill>
+                <a:latin typeface="Verdana" panose="020B0604030504040204" pitchFamily="34" charset="0"/>
+              </a:rPr>
+              <a:t>종료 코드는 하위 </a:t>
+            </a:r>
+            <a:r>
+              <a:rPr lang="en-US" altLang="ko-KR" dirty="0">
+                <a:solidFill>
+                  <a:srgbClr val="222222"/>
+                </a:solidFill>
+                <a:latin typeface="Verdana" panose="020B0604030504040204" pitchFamily="34" charset="0"/>
+              </a:rPr>
+              <a:t>2</a:t>
+            </a:r>
+            <a:r>
+              <a:rPr lang="ko-KR" altLang="en-US" dirty="0">
+                <a:solidFill>
+                  <a:srgbClr val="222222"/>
+                </a:solidFill>
+                <a:latin typeface="Verdana" panose="020B0604030504040204" pitchFamily="34" charset="0"/>
+              </a:rPr>
+              <a:t>바이트로 구성된다</a:t>
+            </a:r>
+            <a:r>
+              <a:rPr lang="en-US" altLang="ko-KR" dirty="0">
+                <a:solidFill>
+                  <a:srgbClr val="222222"/>
+                </a:solidFill>
+                <a:latin typeface="Verdana" panose="020B0604030504040204" pitchFamily="34" charset="0"/>
+              </a:rPr>
+              <a:t>.</a:t>
+            </a:r>
+          </a:p>
+          <a:p>
+            <a:r>
+              <a:rPr lang="en-US" altLang="ko-KR" dirty="0">
+                <a:solidFill>
+                  <a:srgbClr val="222222"/>
+                </a:solidFill>
+                <a:latin typeface="Verdana" panose="020B0604030504040204" pitchFamily="34" charset="0"/>
+              </a:rPr>
+              <a:t/>
+            </a:r>
+            <a:br>
+              <a:rPr lang="en-US" altLang="ko-KR" dirty="0">
+                <a:solidFill>
+                  <a:srgbClr val="222222"/>
+                </a:solidFill>
+                <a:latin typeface="Verdana" panose="020B0604030504040204" pitchFamily="34" charset="0"/>
+              </a:rPr>
+            </a:br>
+            <a:endParaRPr lang="en-US" altLang="ko-KR" dirty="0">
+              <a:solidFill>
+                <a:srgbClr val="222222"/>
+              </a:solidFill>
+              <a:latin typeface="Verdana" panose="020B0604030504040204" pitchFamily="34" charset="0"/>
+            </a:endParaRPr>
+          </a:p>
+          <a:p>
+            <a:r>
+              <a:rPr lang="ko-KR" altLang="en-US" dirty="0">
+                <a:solidFill>
+                  <a:srgbClr val="222222"/>
+                </a:solidFill>
+                <a:latin typeface="Verdana" panose="020B0604030504040204" pitchFamily="34" charset="0"/>
+              </a:rPr>
+              <a:t>프로세스의 정상적인 </a:t>
+            </a:r>
+            <a:r>
+              <a:rPr lang="en-US" altLang="ko-KR" dirty="0">
+                <a:solidFill>
+                  <a:srgbClr val="222222"/>
+                </a:solidFill>
+                <a:latin typeface="Verdana" panose="020B0604030504040204" pitchFamily="34" charset="0"/>
+              </a:rPr>
+              <a:t>exit </a:t>
+            </a:r>
+            <a:r>
+              <a:rPr lang="ko-KR" altLang="en-US" dirty="0">
+                <a:solidFill>
+                  <a:srgbClr val="222222"/>
+                </a:solidFill>
+                <a:latin typeface="Verdana" panose="020B0604030504040204" pitchFamily="34" charset="0"/>
+              </a:rPr>
+              <a:t>종료와 </a:t>
+            </a:r>
+            <a:r>
+              <a:rPr lang="en-US" altLang="ko-KR" dirty="0">
+                <a:solidFill>
+                  <a:srgbClr val="222222"/>
+                </a:solidFill>
+                <a:latin typeface="Verdana" panose="020B0604030504040204" pitchFamily="34" charset="0"/>
+              </a:rPr>
+              <a:t>signal</a:t>
+            </a:r>
+            <a:r>
+              <a:rPr lang="ko-KR" altLang="en-US" dirty="0">
+                <a:solidFill>
+                  <a:srgbClr val="222222"/>
+                </a:solidFill>
+                <a:latin typeface="Verdana" panose="020B0604030504040204" pitchFamily="34" charset="0"/>
+              </a:rPr>
+              <a:t>에 의한 비정상 종료 처리하기 위해서</a:t>
+            </a:r>
+          </a:p>
+          <a:p>
+            <a:r>
+              <a:rPr lang="ko-KR" altLang="en-US" dirty="0">
+                <a:solidFill>
+                  <a:srgbClr val="222222"/>
+                </a:solidFill>
+                <a:latin typeface="Verdana" panose="020B0604030504040204" pitchFamily="34" charset="0"/>
+              </a:rPr>
+              <a:t>상위 </a:t>
+            </a:r>
+            <a:r>
+              <a:rPr lang="en-US" altLang="ko-KR" dirty="0">
+                <a:solidFill>
+                  <a:srgbClr val="222222"/>
+                </a:solidFill>
+                <a:latin typeface="Verdana" panose="020B0604030504040204" pitchFamily="34" charset="0"/>
+              </a:rPr>
+              <a:t>1byte</a:t>
+            </a:r>
+            <a:r>
+              <a:rPr lang="ko-KR" altLang="en-US" dirty="0">
+                <a:solidFill>
+                  <a:srgbClr val="222222"/>
+                </a:solidFill>
+                <a:latin typeface="Verdana" panose="020B0604030504040204" pitchFamily="34" charset="0"/>
+              </a:rPr>
+              <a:t>와 하위 </a:t>
+            </a:r>
+            <a:r>
+              <a:rPr lang="en-US" altLang="ko-KR" dirty="0">
+                <a:solidFill>
+                  <a:srgbClr val="222222"/>
+                </a:solidFill>
+                <a:latin typeface="Verdana" panose="020B0604030504040204" pitchFamily="34" charset="0"/>
+              </a:rPr>
+              <a:t>1byte</a:t>
+            </a:r>
+            <a:r>
+              <a:rPr lang="ko-KR" altLang="en-US" dirty="0">
+                <a:solidFill>
+                  <a:srgbClr val="222222"/>
+                </a:solidFill>
+                <a:latin typeface="Verdana" panose="020B0604030504040204" pitchFamily="34" charset="0"/>
+              </a:rPr>
+              <a:t>가 상호 배타적으로 사용된다</a:t>
+            </a:r>
+            <a:r>
+              <a:rPr lang="en-US" altLang="ko-KR" dirty="0">
+                <a:solidFill>
+                  <a:srgbClr val="222222"/>
+                </a:solidFill>
+                <a:latin typeface="Verdana" panose="020B0604030504040204" pitchFamily="34" charset="0"/>
+              </a:rPr>
+              <a:t>.</a:t>
+            </a:r>
+            <a:endParaRPr lang="en-US" altLang="ko-KR" b="0" i="0" dirty="0">
+              <a:solidFill>
+                <a:srgbClr val="222222"/>
+              </a:solidFill>
+              <a:effectLst/>
+              <a:latin typeface="Verdana" panose="020B0604030504040204" pitchFamily="34" charset="0"/>
+            </a:endParaRPr>
+          </a:p>
+        </p:txBody>
+      </p:sp>
+      <p:sp>
+        <p:nvSpPr>
+          <p:cNvPr id="48" name="TextBox 47"/>
+          <p:cNvSpPr txBox="1"/>
+          <p:nvPr/>
+        </p:nvSpPr>
+        <p:spPr>
+          <a:xfrm>
+            <a:off x="221225" y="4962520"/>
+            <a:ext cx="1224116" cy="369332"/>
+          </a:xfrm>
+          <a:prstGeom prst="rect">
+            <a:avLst/>
+          </a:prstGeom>
+          <a:noFill/>
+        </p:spPr>
+        <p:txBody>
+          <a:bodyPr wrap="square" rtlCol="0">
+            <a:spAutoFit/>
+          </a:bodyPr>
+          <a:lstStyle/>
+          <a:p>
+            <a:pPr algn="r"/>
+            <a:r>
+              <a:rPr lang="en-US" altLang="ko-KR" dirty="0" smtClean="0"/>
+              <a:t>signo:2</a:t>
+            </a:r>
+            <a:endParaRPr lang="ko-KR" altLang="en-US" dirty="0"/>
+          </a:p>
+        </p:txBody>
+      </p:sp>
+      <p:sp>
+        <p:nvSpPr>
+          <p:cNvPr id="49" name="TextBox 48"/>
+          <p:cNvSpPr txBox="1"/>
+          <p:nvPr/>
+        </p:nvSpPr>
+        <p:spPr>
+          <a:xfrm>
+            <a:off x="471950" y="5707001"/>
+            <a:ext cx="2536722" cy="369332"/>
+          </a:xfrm>
+          <a:prstGeom prst="rect">
+            <a:avLst/>
+          </a:prstGeom>
+          <a:noFill/>
+        </p:spPr>
+        <p:txBody>
+          <a:bodyPr wrap="square" rtlCol="0">
+            <a:spAutoFit/>
+          </a:bodyPr>
+          <a:lstStyle/>
+          <a:p>
+            <a:pPr algn="ctr"/>
+            <a:r>
+              <a:rPr lang="en-US" altLang="ko-KR" dirty="0" smtClean="0"/>
+              <a:t># kill -2 1234</a:t>
+            </a:r>
+            <a:endParaRPr lang="ko-KR" altLang="en-US" dirty="0"/>
+          </a:p>
+        </p:txBody>
+      </p:sp>
+    </p:spTree>
+    <p:extLst>
+      <p:ext uri="{BB962C8B-B14F-4D97-AF65-F5344CB8AC3E}">
+        <p14:creationId xmlns:p14="http://schemas.microsoft.com/office/powerpoint/2010/main" val="667048189"/>
       </p:ext>
     </p:extLst>
   </p:cSld>
@@ -4044,7 +7877,7 @@
           <p:cNvPr id="4" name="직사각형 3">
             <a:extLst>
               <a:ext uri="{FF2B5EF4-FFF2-40B4-BE49-F238E27FC236}">
-                <a16:creationId xmlns:a16="http://schemas.microsoft.com/office/drawing/2014/main" id="{1493C1F9-F3E5-4EC5-92F0-9BC8ADD80B33}"/>
+                <a16:creationId xmlns:a16="http://schemas.microsoft.com/office/drawing/2014/main" xmlns="" id="{1493C1F9-F3E5-4EC5-92F0-9BC8ADD80B33}"/>
               </a:ext>
             </a:extLst>
           </p:cNvPr>
@@ -4185,7 +8018,7 @@
           <p:cNvPr id="5" name="직사각형 4">
             <a:extLst>
               <a:ext uri="{FF2B5EF4-FFF2-40B4-BE49-F238E27FC236}">
-                <a16:creationId xmlns:a16="http://schemas.microsoft.com/office/drawing/2014/main" id="{15944502-293E-43DE-B5DF-87F446AAB50A}"/>
+                <a16:creationId xmlns:a16="http://schemas.microsoft.com/office/drawing/2014/main" xmlns="" id="{15944502-293E-43DE-B5DF-87F446AAB50A}"/>
               </a:ext>
             </a:extLst>
           </p:cNvPr>
@@ -4315,7 +8148,7 @@
           <p:cNvPr id="6" name="직사각형 5">
             <a:extLst>
               <a:ext uri="{FF2B5EF4-FFF2-40B4-BE49-F238E27FC236}">
-                <a16:creationId xmlns:a16="http://schemas.microsoft.com/office/drawing/2014/main" id="{EBF30E0D-4947-4CA1-9149-4C3AFD82FB9C}"/>
+                <a16:creationId xmlns:a16="http://schemas.microsoft.com/office/drawing/2014/main" xmlns="" id="{EBF30E0D-4947-4CA1-9149-4C3AFD82FB9C}"/>
               </a:ext>
             </a:extLst>
           </p:cNvPr>
@@ -4584,7 +8417,7 @@
           <p:cNvPr id="8" name="직선 화살표 연결선 7">
             <a:extLst>
               <a:ext uri="{FF2B5EF4-FFF2-40B4-BE49-F238E27FC236}">
-                <a16:creationId xmlns:a16="http://schemas.microsoft.com/office/drawing/2014/main" id="{EDE1A4B0-719F-4663-AD54-982B6BD881F1}"/>
+                <a16:creationId xmlns:a16="http://schemas.microsoft.com/office/drawing/2014/main" xmlns="" id="{EDE1A4B0-719F-4663-AD54-982B6BD881F1}"/>
               </a:ext>
             </a:extLst>
           </p:cNvPr>
@@ -4626,7 +8459,7 @@
           <p:cNvPr id="10" name="직선 화살표 연결선 9">
             <a:extLst>
               <a:ext uri="{FF2B5EF4-FFF2-40B4-BE49-F238E27FC236}">
-                <a16:creationId xmlns:a16="http://schemas.microsoft.com/office/drawing/2014/main" id="{061890F7-E7BF-4DEA-941B-7B3001D15BE9}"/>
+                <a16:creationId xmlns:a16="http://schemas.microsoft.com/office/drawing/2014/main" xmlns="" id="{061890F7-E7BF-4DEA-941B-7B3001D15BE9}"/>
               </a:ext>
             </a:extLst>
           </p:cNvPr>
@@ -4668,7 +8501,7 @@
           <p:cNvPr id="16" name="TextBox 15">
             <a:extLst>
               <a:ext uri="{FF2B5EF4-FFF2-40B4-BE49-F238E27FC236}">
-                <a16:creationId xmlns:a16="http://schemas.microsoft.com/office/drawing/2014/main" id="{70EFD0E7-84B0-438A-8E19-9D1419BA36E9}"/>
+                <a16:creationId xmlns:a16="http://schemas.microsoft.com/office/drawing/2014/main" xmlns="" id="{70EFD0E7-84B0-438A-8E19-9D1419BA36E9}"/>
               </a:ext>
             </a:extLst>
           </p:cNvPr>
@@ -4705,7 +8538,7 @@
           <p:cNvPr id="17" name="TextBox 16">
             <a:extLst>
               <a:ext uri="{FF2B5EF4-FFF2-40B4-BE49-F238E27FC236}">
-                <a16:creationId xmlns:a16="http://schemas.microsoft.com/office/drawing/2014/main" id="{B4FE7352-B12C-40E5-838C-4C464C484C06}"/>
+                <a16:creationId xmlns:a16="http://schemas.microsoft.com/office/drawing/2014/main" xmlns="" id="{B4FE7352-B12C-40E5-838C-4C464C484C06}"/>
               </a:ext>
             </a:extLst>
           </p:cNvPr>
@@ -4742,7 +8575,7 @@
           <p:cNvPr id="18" name="TextBox 17">
             <a:extLst>
               <a:ext uri="{FF2B5EF4-FFF2-40B4-BE49-F238E27FC236}">
-                <a16:creationId xmlns:a16="http://schemas.microsoft.com/office/drawing/2014/main" id="{B80D5C75-A564-4094-BA5A-BC32B21B8986}"/>
+                <a16:creationId xmlns:a16="http://schemas.microsoft.com/office/drawing/2014/main" xmlns="" id="{B80D5C75-A564-4094-BA5A-BC32B21B8986}"/>
               </a:ext>
             </a:extLst>
           </p:cNvPr>
@@ -4779,7 +8612,7 @@
           <p:cNvPr id="19" name="TextBox 18">
             <a:extLst>
               <a:ext uri="{FF2B5EF4-FFF2-40B4-BE49-F238E27FC236}">
-                <a16:creationId xmlns:a16="http://schemas.microsoft.com/office/drawing/2014/main" id="{BC0E3CA5-E840-4465-8724-5E2D52D113BB}"/>
+                <a16:creationId xmlns:a16="http://schemas.microsoft.com/office/drawing/2014/main" xmlns="" id="{BC0E3CA5-E840-4465-8724-5E2D52D113BB}"/>
               </a:ext>
             </a:extLst>
           </p:cNvPr>
@@ -4824,7 +8657,7 @@
           <p:cNvPr id="21" name="TextBox 20">
             <a:extLst>
               <a:ext uri="{FF2B5EF4-FFF2-40B4-BE49-F238E27FC236}">
-                <a16:creationId xmlns:a16="http://schemas.microsoft.com/office/drawing/2014/main" id="{34053920-4FAF-45AC-823D-25E5B2BBD705}"/>
+                <a16:creationId xmlns:a16="http://schemas.microsoft.com/office/drawing/2014/main" xmlns="" id="{34053920-4FAF-45AC-823D-25E5B2BBD705}"/>
               </a:ext>
             </a:extLst>
           </p:cNvPr>
@@ -4865,7 +8698,7 @@
           <p:cNvPr id="22" name="직사각형 21">
             <a:extLst>
               <a:ext uri="{FF2B5EF4-FFF2-40B4-BE49-F238E27FC236}">
-                <a16:creationId xmlns:a16="http://schemas.microsoft.com/office/drawing/2014/main" id="{0FFA65DF-57D3-4545-B0BD-ADB69936D9EC}"/>
+                <a16:creationId xmlns:a16="http://schemas.microsoft.com/office/drawing/2014/main" xmlns="" id="{0FFA65DF-57D3-4545-B0BD-ADB69936D9EC}"/>
               </a:ext>
             </a:extLst>
           </p:cNvPr>
@@ -4915,7 +8748,7 @@
           <p:cNvPr id="23" name="직사각형 22">
             <a:extLst>
               <a:ext uri="{FF2B5EF4-FFF2-40B4-BE49-F238E27FC236}">
-                <a16:creationId xmlns:a16="http://schemas.microsoft.com/office/drawing/2014/main" id="{85D2700F-696E-44F1-9E5D-16FB2AEDA096}"/>
+                <a16:creationId xmlns:a16="http://schemas.microsoft.com/office/drawing/2014/main" xmlns="" id="{85D2700F-696E-44F1-9E5D-16FB2AEDA096}"/>
               </a:ext>
             </a:extLst>
           </p:cNvPr>
@@ -4965,7 +8798,7 @@
           <p:cNvPr id="24" name="직사각형 23">
             <a:extLst>
               <a:ext uri="{FF2B5EF4-FFF2-40B4-BE49-F238E27FC236}">
-                <a16:creationId xmlns:a16="http://schemas.microsoft.com/office/drawing/2014/main" id="{71B11108-E99F-4D68-A781-5E97B82C21E8}"/>
+                <a16:creationId xmlns:a16="http://schemas.microsoft.com/office/drawing/2014/main" xmlns="" id="{71B11108-E99F-4D68-A781-5E97B82C21E8}"/>
               </a:ext>
             </a:extLst>
           </p:cNvPr>
@@ -5015,7 +8848,7 @@
           <p:cNvPr id="25" name="직사각형 24">
             <a:extLst>
               <a:ext uri="{FF2B5EF4-FFF2-40B4-BE49-F238E27FC236}">
-                <a16:creationId xmlns:a16="http://schemas.microsoft.com/office/drawing/2014/main" id="{CC476802-F213-4761-9FE2-28E004926C08}"/>
+                <a16:creationId xmlns:a16="http://schemas.microsoft.com/office/drawing/2014/main" xmlns="" id="{CC476802-F213-4761-9FE2-28E004926C08}"/>
               </a:ext>
             </a:extLst>
           </p:cNvPr>
@@ -5065,7 +8898,7 @@
           <p:cNvPr id="26" name="직사각형 25">
             <a:extLst>
               <a:ext uri="{FF2B5EF4-FFF2-40B4-BE49-F238E27FC236}">
-                <a16:creationId xmlns:a16="http://schemas.microsoft.com/office/drawing/2014/main" id="{109515BF-E75E-49BB-9E32-FF4E0D0B20D8}"/>
+                <a16:creationId xmlns:a16="http://schemas.microsoft.com/office/drawing/2014/main" xmlns="" id="{109515BF-E75E-49BB-9E32-FF4E0D0B20D8}"/>
               </a:ext>
             </a:extLst>
           </p:cNvPr>
@@ -5115,7 +8948,7 @@
           <p:cNvPr id="27" name="직사각형 26">
             <a:extLst>
               <a:ext uri="{FF2B5EF4-FFF2-40B4-BE49-F238E27FC236}">
-                <a16:creationId xmlns:a16="http://schemas.microsoft.com/office/drawing/2014/main" id="{C86F3373-5581-4B87-93F0-F066D196895F}"/>
+                <a16:creationId xmlns:a16="http://schemas.microsoft.com/office/drawing/2014/main" xmlns="" id="{C86F3373-5581-4B87-93F0-F066D196895F}"/>
               </a:ext>
             </a:extLst>
           </p:cNvPr>
@@ -5165,7 +8998,7 @@
           <p:cNvPr id="28" name="직사각형 27">
             <a:extLst>
               <a:ext uri="{FF2B5EF4-FFF2-40B4-BE49-F238E27FC236}">
-                <a16:creationId xmlns:a16="http://schemas.microsoft.com/office/drawing/2014/main" id="{ACF1050A-EBB3-4DEA-AFE0-9C7A6D0F8648}"/>
+                <a16:creationId xmlns:a16="http://schemas.microsoft.com/office/drawing/2014/main" xmlns="" id="{ACF1050A-EBB3-4DEA-AFE0-9C7A6D0F8648}"/>
               </a:ext>
             </a:extLst>
           </p:cNvPr>
@@ -5215,7 +9048,7 @@
           <p:cNvPr id="29" name="직사각형 28">
             <a:extLst>
               <a:ext uri="{FF2B5EF4-FFF2-40B4-BE49-F238E27FC236}">
-                <a16:creationId xmlns:a16="http://schemas.microsoft.com/office/drawing/2014/main" id="{C3F841DB-15AA-4A80-BF52-C15A9916AC39}"/>
+                <a16:creationId xmlns:a16="http://schemas.microsoft.com/office/drawing/2014/main" xmlns="" id="{C3F841DB-15AA-4A80-BF52-C15A9916AC39}"/>
               </a:ext>
             </a:extLst>
           </p:cNvPr>
@@ -5265,7 +9098,7 @@
           <p:cNvPr id="30" name="TextBox 29">
             <a:extLst>
               <a:ext uri="{FF2B5EF4-FFF2-40B4-BE49-F238E27FC236}">
-                <a16:creationId xmlns:a16="http://schemas.microsoft.com/office/drawing/2014/main" id="{5286DA85-8C71-48FD-A66E-9ACA9C35A463}"/>
+                <a16:creationId xmlns:a16="http://schemas.microsoft.com/office/drawing/2014/main" xmlns="" id="{5286DA85-8C71-48FD-A66E-9ACA9C35A463}"/>
               </a:ext>
             </a:extLst>
           </p:cNvPr>
@@ -5302,7 +9135,7 @@
           <p:cNvPr id="31" name="TextBox 30">
             <a:extLst>
               <a:ext uri="{FF2B5EF4-FFF2-40B4-BE49-F238E27FC236}">
-                <a16:creationId xmlns:a16="http://schemas.microsoft.com/office/drawing/2014/main" id="{AC823228-09D3-4D3D-9AFE-FD48C8A3BB87}"/>
+                <a16:creationId xmlns:a16="http://schemas.microsoft.com/office/drawing/2014/main" xmlns="" id="{AC823228-09D3-4D3D-9AFE-FD48C8A3BB87}"/>
               </a:ext>
             </a:extLst>
           </p:cNvPr>
@@ -5339,7 +9172,7 @@
           <p:cNvPr id="32" name="TextBox 31">
             <a:extLst>
               <a:ext uri="{FF2B5EF4-FFF2-40B4-BE49-F238E27FC236}">
-                <a16:creationId xmlns:a16="http://schemas.microsoft.com/office/drawing/2014/main" id="{8A0862A6-A1DC-4849-9006-93FD0C13BDA5}"/>
+                <a16:creationId xmlns:a16="http://schemas.microsoft.com/office/drawing/2014/main" xmlns="" id="{8A0862A6-A1DC-4849-9006-93FD0C13BDA5}"/>
               </a:ext>
             </a:extLst>
           </p:cNvPr>
@@ -5376,7 +9209,7 @@
           <p:cNvPr id="33" name="TextBox 32">
             <a:extLst>
               <a:ext uri="{FF2B5EF4-FFF2-40B4-BE49-F238E27FC236}">
-                <a16:creationId xmlns:a16="http://schemas.microsoft.com/office/drawing/2014/main" id="{979968EE-FAD9-4492-8346-3820B7408B6E}"/>
+                <a16:creationId xmlns:a16="http://schemas.microsoft.com/office/drawing/2014/main" xmlns="" id="{979968EE-FAD9-4492-8346-3820B7408B6E}"/>
               </a:ext>
             </a:extLst>
           </p:cNvPr>
@@ -5413,7 +9246,7 @@
           <p:cNvPr id="34" name="원통형 33">
             <a:extLst>
               <a:ext uri="{FF2B5EF4-FFF2-40B4-BE49-F238E27FC236}">
-                <a16:creationId xmlns:a16="http://schemas.microsoft.com/office/drawing/2014/main" id="{112CD44C-9FA9-447C-BCA6-D781325892FA}"/>
+                <a16:creationId xmlns:a16="http://schemas.microsoft.com/office/drawing/2014/main" xmlns="" id="{112CD44C-9FA9-447C-BCA6-D781325892FA}"/>
               </a:ext>
             </a:extLst>
           </p:cNvPr>
@@ -5457,7 +9290,7 @@
           <p:cNvPr id="35" name="직사각형 34">
             <a:extLst>
               <a:ext uri="{FF2B5EF4-FFF2-40B4-BE49-F238E27FC236}">
-                <a16:creationId xmlns:a16="http://schemas.microsoft.com/office/drawing/2014/main" id="{641DDD6A-F5FE-42A7-8E31-45DC0D7E5153}"/>
+                <a16:creationId xmlns:a16="http://schemas.microsoft.com/office/drawing/2014/main" xmlns="" id="{641DDD6A-F5FE-42A7-8E31-45DC0D7E5153}"/>
               </a:ext>
             </a:extLst>
           </p:cNvPr>
@@ -5507,7 +9340,7 @@
           <p:cNvPr id="36" name="직사각형 35">
             <a:extLst>
               <a:ext uri="{FF2B5EF4-FFF2-40B4-BE49-F238E27FC236}">
-                <a16:creationId xmlns:a16="http://schemas.microsoft.com/office/drawing/2014/main" id="{97723325-51DE-43EA-97CA-9F8AEA5A979C}"/>
+                <a16:creationId xmlns:a16="http://schemas.microsoft.com/office/drawing/2014/main" xmlns="" id="{97723325-51DE-43EA-97CA-9F8AEA5A979C}"/>
               </a:ext>
             </a:extLst>
           </p:cNvPr>
@@ -5557,7 +9390,7 @@
           <p:cNvPr id="37" name="직사각형 36">
             <a:extLst>
               <a:ext uri="{FF2B5EF4-FFF2-40B4-BE49-F238E27FC236}">
-                <a16:creationId xmlns:a16="http://schemas.microsoft.com/office/drawing/2014/main" id="{037293CC-E26D-40F4-A58C-47EF03729653}"/>
+                <a16:creationId xmlns:a16="http://schemas.microsoft.com/office/drawing/2014/main" xmlns="" id="{037293CC-E26D-40F4-A58C-47EF03729653}"/>
               </a:ext>
             </a:extLst>
           </p:cNvPr>
@@ -5607,7 +9440,7 @@
           <p:cNvPr id="38" name="직사각형 37">
             <a:extLst>
               <a:ext uri="{FF2B5EF4-FFF2-40B4-BE49-F238E27FC236}">
-                <a16:creationId xmlns:a16="http://schemas.microsoft.com/office/drawing/2014/main" id="{FBD14C5B-972C-453D-B2C1-985DA809D03C}"/>
+                <a16:creationId xmlns:a16="http://schemas.microsoft.com/office/drawing/2014/main" xmlns="" id="{FBD14C5B-972C-453D-B2C1-985DA809D03C}"/>
               </a:ext>
             </a:extLst>
           </p:cNvPr>
@@ -5657,7 +9490,7 @@
           <p:cNvPr id="39" name="직사각형 38">
             <a:extLst>
               <a:ext uri="{FF2B5EF4-FFF2-40B4-BE49-F238E27FC236}">
-                <a16:creationId xmlns:a16="http://schemas.microsoft.com/office/drawing/2014/main" id="{BF215A6F-402C-42C5-8020-F3273B84F5B8}"/>
+                <a16:creationId xmlns:a16="http://schemas.microsoft.com/office/drawing/2014/main" xmlns="" id="{BF215A6F-402C-42C5-8020-F3273B84F5B8}"/>
               </a:ext>
             </a:extLst>
           </p:cNvPr>
@@ -5706,7 +9539,7 @@
           <p:cNvPr id="40" name="직사각형 39">
             <a:extLst>
               <a:ext uri="{FF2B5EF4-FFF2-40B4-BE49-F238E27FC236}">
-                <a16:creationId xmlns:a16="http://schemas.microsoft.com/office/drawing/2014/main" id="{11410848-FAC2-43C8-A8C1-459F84FF0EC7}"/>
+                <a16:creationId xmlns:a16="http://schemas.microsoft.com/office/drawing/2014/main" xmlns="" id="{11410848-FAC2-43C8-A8C1-459F84FF0EC7}"/>
               </a:ext>
             </a:extLst>
           </p:cNvPr>
@@ -5755,7 +9588,7 @@
           <p:cNvPr id="41" name="직사각형 40">
             <a:extLst>
               <a:ext uri="{FF2B5EF4-FFF2-40B4-BE49-F238E27FC236}">
-                <a16:creationId xmlns:a16="http://schemas.microsoft.com/office/drawing/2014/main" id="{E037D758-D132-48E5-954E-247280A373CF}"/>
+                <a16:creationId xmlns:a16="http://schemas.microsoft.com/office/drawing/2014/main" xmlns="" id="{E037D758-D132-48E5-954E-247280A373CF}"/>
               </a:ext>
             </a:extLst>
           </p:cNvPr>
@@ -5805,7 +9638,7 @@
           <p:cNvPr id="42" name="직사각형 41">
             <a:extLst>
               <a:ext uri="{FF2B5EF4-FFF2-40B4-BE49-F238E27FC236}">
-                <a16:creationId xmlns:a16="http://schemas.microsoft.com/office/drawing/2014/main" id="{BAAB45F3-70A6-4A27-A72D-C7E4F373E6B9}"/>
+                <a16:creationId xmlns:a16="http://schemas.microsoft.com/office/drawing/2014/main" xmlns="" id="{BAAB45F3-70A6-4A27-A72D-C7E4F373E6B9}"/>
               </a:ext>
             </a:extLst>
           </p:cNvPr>
@@ -5855,7 +9688,7 @@
           <p:cNvPr id="43" name="직사각형 42">
             <a:extLst>
               <a:ext uri="{FF2B5EF4-FFF2-40B4-BE49-F238E27FC236}">
-                <a16:creationId xmlns:a16="http://schemas.microsoft.com/office/drawing/2014/main" id="{276637D0-5D4F-4E14-9EC7-EEF39616B727}"/>
+                <a16:creationId xmlns:a16="http://schemas.microsoft.com/office/drawing/2014/main" xmlns="" id="{276637D0-5D4F-4E14-9EC7-EEF39616B727}"/>
               </a:ext>
             </a:extLst>
           </p:cNvPr>
@@ -5899,7 +9732,7 @@
           <p:cNvPr id="44" name="직사각형 43">
             <a:extLst>
               <a:ext uri="{FF2B5EF4-FFF2-40B4-BE49-F238E27FC236}">
-                <a16:creationId xmlns:a16="http://schemas.microsoft.com/office/drawing/2014/main" id="{B4B68D65-CF66-4A3A-A1DE-0E4066DC8B77}"/>
+                <a16:creationId xmlns:a16="http://schemas.microsoft.com/office/drawing/2014/main" xmlns="" id="{B4B68D65-CF66-4A3A-A1DE-0E4066DC8B77}"/>
               </a:ext>
             </a:extLst>
           </p:cNvPr>
@@ -5945,7 +9778,7 @@
           <p:cNvPr id="45" name="직사각형 44">
             <a:extLst>
               <a:ext uri="{FF2B5EF4-FFF2-40B4-BE49-F238E27FC236}">
-                <a16:creationId xmlns:a16="http://schemas.microsoft.com/office/drawing/2014/main" id="{782B2553-A28A-439C-8D2B-6898BF238E76}"/>
+                <a16:creationId xmlns:a16="http://schemas.microsoft.com/office/drawing/2014/main" xmlns="" id="{782B2553-A28A-439C-8D2B-6898BF238E76}"/>
               </a:ext>
             </a:extLst>
           </p:cNvPr>
@@ -5991,7 +9824,7 @@
           <p:cNvPr id="47" name="직선 화살표 연결선 46">
             <a:extLst>
               <a:ext uri="{FF2B5EF4-FFF2-40B4-BE49-F238E27FC236}">
-                <a16:creationId xmlns:a16="http://schemas.microsoft.com/office/drawing/2014/main" id="{B0E33305-1C12-4BCE-B9B0-B3050F940174}"/>
+                <a16:creationId xmlns:a16="http://schemas.microsoft.com/office/drawing/2014/main" xmlns="" id="{B0E33305-1C12-4BCE-B9B0-B3050F940174}"/>
               </a:ext>
             </a:extLst>
           </p:cNvPr>
@@ -6033,7 +9866,7 @@
           <p:cNvPr id="49" name="직선 화살표 연결선 48">
             <a:extLst>
               <a:ext uri="{FF2B5EF4-FFF2-40B4-BE49-F238E27FC236}">
-                <a16:creationId xmlns:a16="http://schemas.microsoft.com/office/drawing/2014/main" id="{88097287-5015-499B-8105-C1D70C7FCC05}"/>
+                <a16:creationId xmlns:a16="http://schemas.microsoft.com/office/drawing/2014/main" xmlns="" id="{88097287-5015-499B-8105-C1D70C7FCC05}"/>
               </a:ext>
             </a:extLst>
           </p:cNvPr>
@@ -6075,7 +9908,7 @@
           <p:cNvPr id="51" name="직선 화살표 연결선 50">
             <a:extLst>
               <a:ext uri="{FF2B5EF4-FFF2-40B4-BE49-F238E27FC236}">
-                <a16:creationId xmlns:a16="http://schemas.microsoft.com/office/drawing/2014/main" id="{BEAD7793-2A94-4A00-A506-12A00DFA175A}"/>
+                <a16:creationId xmlns:a16="http://schemas.microsoft.com/office/drawing/2014/main" xmlns="" id="{BEAD7793-2A94-4A00-A506-12A00DFA175A}"/>
               </a:ext>
             </a:extLst>
           </p:cNvPr>
@@ -6117,7 +9950,7 @@
           <p:cNvPr id="53" name="직선 화살표 연결선 52">
             <a:extLst>
               <a:ext uri="{FF2B5EF4-FFF2-40B4-BE49-F238E27FC236}">
-                <a16:creationId xmlns:a16="http://schemas.microsoft.com/office/drawing/2014/main" id="{D9CCC222-9A17-465F-87B7-839E6C9D367C}"/>
+                <a16:creationId xmlns:a16="http://schemas.microsoft.com/office/drawing/2014/main" xmlns="" id="{D9CCC222-9A17-465F-87B7-839E6C9D367C}"/>
               </a:ext>
             </a:extLst>
           </p:cNvPr>
@@ -6159,7 +9992,7 @@
           <p:cNvPr id="55" name="직선 화살표 연결선 54">
             <a:extLst>
               <a:ext uri="{FF2B5EF4-FFF2-40B4-BE49-F238E27FC236}">
-                <a16:creationId xmlns:a16="http://schemas.microsoft.com/office/drawing/2014/main" id="{83C34402-F6C4-44F8-9775-03614F374838}"/>
+                <a16:creationId xmlns:a16="http://schemas.microsoft.com/office/drawing/2014/main" xmlns="" id="{83C34402-F6C4-44F8-9775-03614F374838}"/>
               </a:ext>
             </a:extLst>
           </p:cNvPr>
@@ -6201,7 +10034,7 @@
           <p:cNvPr id="57" name="직선 화살표 연결선 56">
             <a:extLst>
               <a:ext uri="{FF2B5EF4-FFF2-40B4-BE49-F238E27FC236}">
-                <a16:creationId xmlns:a16="http://schemas.microsoft.com/office/drawing/2014/main" id="{5A0A55D1-7A62-4054-B1CB-B4373677A1C5}"/>
+                <a16:creationId xmlns:a16="http://schemas.microsoft.com/office/drawing/2014/main" xmlns="" id="{5A0A55D1-7A62-4054-B1CB-B4373677A1C5}"/>
               </a:ext>
             </a:extLst>
           </p:cNvPr>
@@ -6243,7 +10076,7 @@
           <p:cNvPr id="59" name="직선 화살표 연결선 58">
             <a:extLst>
               <a:ext uri="{FF2B5EF4-FFF2-40B4-BE49-F238E27FC236}">
-                <a16:creationId xmlns:a16="http://schemas.microsoft.com/office/drawing/2014/main" id="{65A25823-AAF8-4312-A3AF-120F7E751E57}"/>
+                <a16:creationId xmlns:a16="http://schemas.microsoft.com/office/drawing/2014/main" xmlns="" id="{65A25823-AAF8-4312-A3AF-120F7E751E57}"/>
               </a:ext>
             </a:extLst>
           </p:cNvPr>
@@ -6285,7 +10118,7 @@
           <p:cNvPr id="61" name="직선 화살표 연결선 60">
             <a:extLst>
               <a:ext uri="{FF2B5EF4-FFF2-40B4-BE49-F238E27FC236}">
-                <a16:creationId xmlns:a16="http://schemas.microsoft.com/office/drawing/2014/main" id="{045EF73C-5751-4781-B9B2-E0CA372685E2}"/>
+                <a16:creationId xmlns:a16="http://schemas.microsoft.com/office/drawing/2014/main" xmlns="" id="{045EF73C-5751-4781-B9B2-E0CA372685E2}"/>
               </a:ext>
             </a:extLst>
           </p:cNvPr>
@@ -6327,7 +10160,7 @@
           <p:cNvPr id="63" name="직선 연결선 62">
             <a:extLst>
               <a:ext uri="{FF2B5EF4-FFF2-40B4-BE49-F238E27FC236}">
-                <a16:creationId xmlns:a16="http://schemas.microsoft.com/office/drawing/2014/main" id="{31A0BD22-2C5D-4E46-AEFD-516B828CD608}"/>
+                <a16:creationId xmlns:a16="http://schemas.microsoft.com/office/drawing/2014/main" xmlns="" id="{31A0BD22-2C5D-4E46-AEFD-516B828CD608}"/>
               </a:ext>
             </a:extLst>
           </p:cNvPr>
@@ -6365,7 +10198,7 @@
           <p:cNvPr id="65" name="직선 연결선 64">
             <a:extLst>
               <a:ext uri="{FF2B5EF4-FFF2-40B4-BE49-F238E27FC236}">
-                <a16:creationId xmlns:a16="http://schemas.microsoft.com/office/drawing/2014/main" id="{E199657A-2D66-4746-8EE6-CDC119F6204F}"/>
+                <a16:creationId xmlns:a16="http://schemas.microsoft.com/office/drawing/2014/main" xmlns="" id="{E199657A-2D66-4746-8EE6-CDC119F6204F}"/>
               </a:ext>
             </a:extLst>
           </p:cNvPr>
@@ -6403,7 +10236,7 @@
           <p:cNvPr id="68" name="직선 연결선 67">
             <a:extLst>
               <a:ext uri="{FF2B5EF4-FFF2-40B4-BE49-F238E27FC236}">
-                <a16:creationId xmlns:a16="http://schemas.microsoft.com/office/drawing/2014/main" id="{C7CAEF22-8351-48B5-823F-DCD8E7C77136}"/>
+                <a16:creationId xmlns:a16="http://schemas.microsoft.com/office/drawing/2014/main" xmlns="" id="{C7CAEF22-8351-48B5-823F-DCD8E7C77136}"/>
               </a:ext>
             </a:extLst>
           </p:cNvPr>
@@ -6441,7 +10274,7 @@
           <p:cNvPr id="70" name="직선 연결선 69">
             <a:extLst>
               <a:ext uri="{FF2B5EF4-FFF2-40B4-BE49-F238E27FC236}">
-                <a16:creationId xmlns:a16="http://schemas.microsoft.com/office/drawing/2014/main" id="{254B0284-E4D8-45D3-8B26-580A47AE9DE5}"/>
+                <a16:creationId xmlns:a16="http://schemas.microsoft.com/office/drawing/2014/main" xmlns="" id="{254B0284-E4D8-45D3-8B26-580A47AE9DE5}"/>
               </a:ext>
             </a:extLst>
           </p:cNvPr>
@@ -6479,7 +10312,7 @@
           <p:cNvPr id="71" name="TextBox 70">
             <a:extLst>
               <a:ext uri="{FF2B5EF4-FFF2-40B4-BE49-F238E27FC236}">
-                <a16:creationId xmlns:a16="http://schemas.microsoft.com/office/drawing/2014/main" id="{CED456BB-BE9C-44EB-BEC9-D8492BA59E88}"/>
+                <a16:creationId xmlns:a16="http://schemas.microsoft.com/office/drawing/2014/main" xmlns="" id="{CED456BB-BE9C-44EB-BEC9-D8492BA59E88}"/>
               </a:ext>
             </a:extLst>
           </p:cNvPr>
@@ -6516,7 +10349,7 @@
           <p:cNvPr id="72" name="TextBox 71">
             <a:extLst>
               <a:ext uri="{FF2B5EF4-FFF2-40B4-BE49-F238E27FC236}">
-                <a16:creationId xmlns:a16="http://schemas.microsoft.com/office/drawing/2014/main" id="{F1F05A45-E6C3-4E40-BF69-ECEDB9E4EB37}"/>
+                <a16:creationId xmlns:a16="http://schemas.microsoft.com/office/drawing/2014/main" xmlns="" id="{F1F05A45-E6C3-4E40-BF69-ECEDB9E4EB37}"/>
               </a:ext>
             </a:extLst>
           </p:cNvPr>
@@ -6564,7 +10397,7 @@
           <p:cNvPr id="76" name="연결선: 구부러짐 75">
             <a:extLst>
               <a:ext uri="{FF2B5EF4-FFF2-40B4-BE49-F238E27FC236}">
-                <a16:creationId xmlns:a16="http://schemas.microsoft.com/office/drawing/2014/main" id="{3A0F5D16-FAAF-4373-9C54-E3F0B530BD7C}"/>
+                <a16:creationId xmlns:a16="http://schemas.microsoft.com/office/drawing/2014/main" xmlns="" id="{3A0F5D16-FAAF-4373-9C54-E3F0B530BD7C}"/>
               </a:ext>
             </a:extLst>
           </p:cNvPr>
@@ -6605,7 +10438,7 @@
           <p:cNvPr id="81" name="TextBox 80">
             <a:extLst>
               <a:ext uri="{FF2B5EF4-FFF2-40B4-BE49-F238E27FC236}">
-                <a16:creationId xmlns:a16="http://schemas.microsoft.com/office/drawing/2014/main" id="{F17B6E8F-0E8D-4AB2-A887-89F2CAFF8E6E}"/>
+                <a16:creationId xmlns:a16="http://schemas.microsoft.com/office/drawing/2014/main" xmlns="" id="{F17B6E8F-0E8D-4AB2-A887-89F2CAFF8E6E}"/>
               </a:ext>
             </a:extLst>
           </p:cNvPr>
@@ -6650,7 +10483,7 @@
           <p:cNvPr id="82" name="TextBox 81">
             <a:extLst>
               <a:ext uri="{FF2B5EF4-FFF2-40B4-BE49-F238E27FC236}">
-                <a16:creationId xmlns:a16="http://schemas.microsoft.com/office/drawing/2014/main" id="{D32B80BC-1914-41B5-A60A-B4E520DC5F1C}"/>
+                <a16:creationId xmlns:a16="http://schemas.microsoft.com/office/drawing/2014/main" xmlns="" id="{D32B80BC-1914-41B5-A60A-B4E520DC5F1C}"/>
               </a:ext>
             </a:extLst>
           </p:cNvPr>
@@ -6687,7 +10520,7 @@
           <p:cNvPr id="83" name="TextBox 82">
             <a:extLst>
               <a:ext uri="{FF2B5EF4-FFF2-40B4-BE49-F238E27FC236}">
-                <a16:creationId xmlns:a16="http://schemas.microsoft.com/office/drawing/2014/main" id="{35745D40-AF9D-42F3-AF87-FDBCDAE5BDCD}"/>
+                <a16:creationId xmlns:a16="http://schemas.microsoft.com/office/drawing/2014/main" xmlns="" id="{35745D40-AF9D-42F3-AF87-FDBCDAE5BDCD}"/>
               </a:ext>
             </a:extLst>
           </p:cNvPr>
@@ -6754,7 +10587,7 @@
           <p:cNvPr id="4" name="직사각형 3">
             <a:extLst>
               <a:ext uri="{FF2B5EF4-FFF2-40B4-BE49-F238E27FC236}">
-                <a16:creationId xmlns:a16="http://schemas.microsoft.com/office/drawing/2014/main" id="{B384DBFA-894B-4B7D-8035-BB82FA4D6B64}"/>
+                <a16:creationId xmlns:a16="http://schemas.microsoft.com/office/drawing/2014/main" xmlns="" id="{B384DBFA-894B-4B7D-8035-BB82FA4D6B64}"/>
               </a:ext>
             </a:extLst>
           </p:cNvPr>
@@ -6888,7 +10721,7 @@
           <p:cNvPr id="5" name="TextBox 4">
             <a:extLst>
               <a:ext uri="{FF2B5EF4-FFF2-40B4-BE49-F238E27FC236}">
-                <a16:creationId xmlns:a16="http://schemas.microsoft.com/office/drawing/2014/main" id="{C75EEB01-A0BC-4C1C-B6CE-C17DEFF63874}"/>
+                <a16:creationId xmlns:a16="http://schemas.microsoft.com/office/drawing/2014/main" xmlns="" id="{C75EEB01-A0BC-4C1C-B6CE-C17DEFF63874}"/>
               </a:ext>
             </a:extLst>
           </p:cNvPr>
@@ -6928,7 +10761,7 @@
           <p:cNvPr id="7" name="직사각형 6">
             <a:extLst>
               <a:ext uri="{FF2B5EF4-FFF2-40B4-BE49-F238E27FC236}">
-                <a16:creationId xmlns:a16="http://schemas.microsoft.com/office/drawing/2014/main" id="{AA7231FC-3028-4C36-8DED-8474CF01E01D}"/>
+                <a16:creationId xmlns:a16="http://schemas.microsoft.com/office/drawing/2014/main" xmlns="" id="{AA7231FC-3028-4C36-8DED-8474CF01E01D}"/>
               </a:ext>
             </a:extLst>
           </p:cNvPr>
@@ -6972,7 +10805,7 @@
           <p:cNvPr id="8" name="직사각형 7">
             <a:extLst>
               <a:ext uri="{FF2B5EF4-FFF2-40B4-BE49-F238E27FC236}">
-                <a16:creationId xmlns:a16="http://schemas.microsoft.com/office/drawing/2014/main" id="{196F14C3-28B0-434D-9501-B1EBF55ADE0C}"/>
+                <a16:creationId xmlns:a16="http://schemas.microsoft.com/office/drawing/2014/main" xmlns="" id="{196F14C3-28B0-434D-9501-B1EBF55ADE0C}"/>
               </a:ext>
             </a:extLst>
           </p:cNvPr>
@@ -7022,7 +10855,7 @@
           <p:cNvPr id="9" name="직사각형 8">
             <a:extLst>
               <a:ext uri="{FF2B5EF4-FFF2-40B4-BE49-F238E27FC236}">
-                <a16:creationId xmlns:a16="http://schemas.microsoft.com/office/drawing/2014/main" id="{CEC42D83-C639-45D6-B3A0-613E40B0AC26}"/>
+                <a16:creationId xmlns:a16="http://schemas.microsoft.com/office/drawing/2014/main" xmlns="" id="{CEC42D83-C639-45D6-B3A0-613E40B0AC26}"/>
               </a:ext>
             </a:extLst>
           </p:cNvPr>
@@ -7068,7 +10901,7 @@
           <p:cNvPr id="10" name="TextBox 9">
             <a:extLst>
               <a:ext uri="{FF2B5EF4-FFF2-40B4-BE49-F238E27FC236}">
-                <a16:creationId xmlns:a16="http://schemas.microsoft.com/office/drawing/2014/main" id="{D234E267-1352-4B64-91C9-86F87DC60B1E}"/>
+                <a16:creationId xmlns:a16="http://schemas.microsoft.com/office/drawing/2014/main" xmlns="" id="{D234E267-1352-4B64-91C9-86F87DC60B1E}"/>
               </a:ext>
             </a:extLst>
           </p:cNvPr>
@@ -7105,7 +10938,7 @@
           <p:cNvPr id="11" name="직사각형 10">
             <a:extLst>
               <a:ext uri="{FF2B5EF4-FFF2-40B4-BE49-F238E27FC236}">
-                <a16:creationId xmlns:a16="http://schemas.microsoft.com/office/drawing/2014/main" id="{9E903CC1-0C56-4299-8E4E-0CDFA1909054}"/>
+                <a16:creationId xmlns:a16="http://schemas.microsoft.com/office/drawing/2014/main" xmlns="" id="{9E903CC1-0C56-4299-8E4E-0CDFA1909054}"/>
               </a:ext>
             </a:extLst>
           </p:cNvPr>
@@ -7239,7 +11072,7 @@
           <p:cNvPr id="12" name="직사각형 11">
             <a:extLst>
               <a:ext uri="{FF2B5EF4-FFF2-40B4-BE49-F238E27FC236}">
-                <a16:creationId xmlns:a16="http://schemas.microsoft.com/office/drawing/2014/main" id="{13C5DCAA-751F-496A-A405-96FFCBD0245B}"/>
+                <a16:creationId xmlns:a16="http://schemas.microsoft.com/office/drawing/2014/main" xmlns="" id="{13C5DCAA-751F-496A-A405-96FFCBD0245B}"/>
               </a:ext>
             </a:extLst>
           </p:cNvPr>
@@ -7283,7 +11116,7 @@
           <p:cNvPr id="13" name="직사각형 12">
             <a:extLst>
               <a:ext uri="{FF2B5EF4-FFF2-40B4-BE49-F238E27FC236}">
-                <a16:creationId xmlns:a16="http://schemas.microsoft.com/office/drawing/2014/main" id="{77C91BE5-2C8F-4144-8FB7-AD1E735ED54E}"/>
+                <a16:creationId xmlns:a16="http://schemas.microsoft.com/office/drawing/2014/main" xmlns="" id="{77C91BE5-2C8F-4144-8FB7-AD1E735ED54E}"/>
               </a:ext>
             </a:extLst>
           </p:cNvPr>
@@ -7333,7 +11166,7 @@
           <p:cNvPr id="14" name="직사각형 13">
             <a:extLst>
               <a:ext uri="{FF2B5EF4-FFF2-40B4-BE49-F238E27FC236}">
-                <a16:creationId xmlns:a16="http://schemas.microsoft.com/office/drawing/2014/main" id="{76D38772-319F-43FB-A26B-B8854B0951CE}"/>
+                <a16:creationId xmlns:a16="http://schemas.microsoft.com/office/drawing/2014/main" xmlns="" id="{76D38772-319F-43FB-A26B-B8854B0951CE}"/>
               </a:ext>
             </a:extLst>
           </p:cNvPr>
@@ -7379,7 +11212,7 @@
           <p:cNvPr id="15" name="TextBox 14">
             <a:extLst>
               <a:ext uri="{FF2B5EF4-FFF2-40B4-BE49-F238E27FC236}">
-                <a16:creationId xmlns:a16="http://schemas.microsoft.com/office/drawing/2014/main" id="{7F769A63-B359-4AFE-B4DE-B461E66D50D1}"/>
+                <a16:creationId xmlns:a16="http://schemas.microsoft.com/office/drawing/2014/main" xmlns="" id="{7F769A63-B359-4AFE-B4DE-B461E66D50D1}"/>
               </a:ext>
             </a:extLst>
           </p:cNvPr>
@@ -7416,7 +11249,7 @@
           <p:cNvPr id="17" name="직선 연결선 16">
             <a:extLst>
               <a:ext uri="{FF2B5EF4-FFF2-40B4-BE49-F238E27FC236}">
-                <a16:creationId xmlns:a16="http://schemas.microsoft.com/office/drawing/2014/main" id="{FCF616DE-67FF-4B57-A67B-9EF32C072650}"/>
+                <a16:creationId xmlns:a16="http://schemas.microsoft.com/office/drawing/2014/main" xmlns="" id="{FCF616DE-67FF-4B57-A67B-9EF32C072650}"/>
               </a:ext>
             </a:extLst>
           </p:cNvPr>
@@ -7452,7 +11285,7 @@
           <p:cNvPr id="19" name="직선 연결선 18">
             <a:extLst>
               <a:ext uri="{FF2B5EF4-FFF2-40B4-BE49-F238E27FC236}">
-                <a16:creationId xmlns:a16="http://schemas.microsoft.com/office/drawing/2014/main" id="{A304F169-85A6-49C8-8018-94AAE1F9B632}"/>
+                <a16:creationId xmlns:a16="http://schemas.microsoft.com/office/drawing/2014/main" xmlns="" id="{A304F169-85A6-49C8-8018-94AAE1F9B632}"/>
               </a:ext>
             </a:extLst>
           </p:cNvPr>
@@ -7490,7 +11323,7 @@
           <p:cNvPr id="21" name="직선 연결선 20">
             <a:extLst>
               <a:ext uri="{FF2B5EF4-FFF2-40B4-BE49-F238E27FC236}">
-                <a16:creationId xmlns:a16="http://schemas.microsoft.com/office/drawing/2014/main" id="{9C5BDE3C-E489-4F76-B7F8-FDB9CF102109}"/>
+                <a16:creationId xmlns:a16="http://schemas.microsoft.com/office/drawing/2014/main" xmlns="" id="{9C5BDE3C-E489-4F76-B7F8-FDB9CF102109}"/>
               </a:ext>
             </a:extLst>
           </p:cNvPr>
@@ -7528,7 +11361,7 @@
           <p:cNvPr id="23" name="직선 연결선 22">
             <a:extLst>
               <a:ext uri="{FF2B5EF4-FFF2-40B4-BE49-F238E27FC236}">
-                <a16:creationId xmlns:a16="http://schemas.microsoft.com/office/drawing/2014/main" id="{7168D0EF-CAC9-4289-9931-53F583F6476C}"/>
+                <a16:creationId xmlns:a16="http://schemas.microsoft.com/office/drawing/2014/main" xmlns="" id="{7168D0EF-CAC9-4289-9931-53F583F6476C}"/>
               </a:ext>
             </a:extLst>
           </p:cNvPr>
@@ -7566,7 +11399,7 @@
           <p:cNvPr id="24" name="화살표: 오른쪽 23">
             <a:extLst>
               <a:ext uri="{FF2B5EF4-FFF2-40B4-BE49-F238E27FC236}">
-                <a16:creationId xmlns:a16="http://schemas.microsoft.com/office/drawing/2014/main" id="{18BFFA27-B453-4D68-B73B-7D751243DBA0}"/>
+                <a16:creationId xmlns:a16="http://schemas.microsoft.com/office/drawing/2014/main" xmlns="" id="{18BFFA27-B453-4D68-B73B-7D751243DBA0}"/>
               </a:ext>
             </a:extLst>
           </p:cNvPr>
@@ -7615,7 +11448,7 @@
           <p:cNvPr id="25" name="화살표: 오른쪽 24">
             <a:extLst>
               <a:ext uri="{FF2B5EF4-FFF2-40B4-BE49-F238E27FC236}">
-                <a16:creationId xmlns:a16="http://schemas.microsoft.com/office/drawing/2014/main" id="{4EB5C1BF-1A0A-4C84-AB1C-795151DF91DA}"/>
+                <a16:creationId xmlns:a16="http://schemas.microsoft.com/office/drawing/2014/main" xmlns="" id="{4EB5C1BF-1A0A-4C84-AB1C-795151DF91DA}"/>
               </a:ext>
             </a:extLst>
           </p:cNvPr>
@@ -7664,7 +11497,7 @@
           <p:cNvPr id="28" name="직선 연결선 27">
             <a:extLst>
               <a:ext uri="{FF2B5EF4-FFF2-40B4-BE49-F238E27FC236}">
-                <a16:creationId xmlns:a16="http://schemas.microsoft.com/office/drawing/2014/main" id="{73F888EB-53A5-4EF8-937C-A95C9787D897}"/>
+                <a16:creationId xmlns:a16="http://schemas.microsoft.com/office/drawing/2014/main" xmlns="" id="{73F888EB-53A5-4EF8-937C-A95C9787D897}"/>
               </a:ext>
             </a:extLst>
           </p:cNvPr>
@@ -7735,7 +11568,7 @@
           <p:cNvPr id="4" name="직사각형 3">
             <a:extLst>
               <a:ext uri="{FF2B5EF4-FFF2-40B4-BE49-F238E27FC236}">
-                <a16:creationId xmlns:a16="http://schemas.microsoft.com/office/drawing/2014/main" id="{B384DBFA-894B-4B7D-8035-BB82FA4D6B64}"/>
+                <a16:creationId xmlns:a16="http://schemas.microsoft.com/office/drawing/2014/main" xmlns="" id="{B384DBFA-894B-4B7D-8035-BB82FA4D6B64}"/>
               </a:ext>
             </a:extLst>
           </p:cNvPr>
@@ -7869,7 +11702,7 @@
           <p:cNvPr id="5" name="TextBox 4">
             <a:extLst>
               <a:ext uri="{FF2B5EF4-FFF2-40B4-BE49-F238E27FC236}">
-                <a16:creationId xmlns:a16="http://schemas.microsoft.com/office/drawing/2014/main" id="{C75EEB01-A0BC-4C1C-B6CE-C17DEFF63874}"/>
+                <a16:creationId xmlns:a16="http://schemas.microsoft.com/office/drawing/2014/main" xmlns="" id="{C75EEB01-A0BC-4C1C-B6CE-C17DEFF63874}"/>
               </a:ext>
             </a:extLst>
           </p:cNvPr>
@@ -7929,7 +11762,7 @@
           <p:cNvPr id="7" name="직사각형 6">
             <a:extLst>
               <a:ext uri="{FF2B5EF4-FFF2-40B4-BE49-F238E27FC236}">
-                <a16:creationId xmlns:a16="http://schemas.microsoft.com/office/drawing/2014/main" id="{AA7231FC-3028-4C36-8DED-8474CF01E01D}"/>
+                <a16:creationId xmlns:a16="http://schemas.microsoft.com/office/drawing/2014/main" xmlns="" id="{AA7231FC-3028-4C36-8DED-8474CF01E01D}"/>
               </a:ext>
             </a:extLst>
           </p:cNvPr>
@@ -7973,7 +11806,7 @@
           <p:cNvPr id="8" name="직사각형 7">
             <a:extLst>
               <a:ext uri="{FF2B5EF4-FFF2-40B4-BE49-F238E27FC236}">
-                <a16:creationId xmlns:a16="http://schemas.microsoft.com/office/drawing/2014/main" id="{196F14C3-28B0-434D-9501-B1EBF55ADE0C}"/>
+                <a16:creationId xmlns:a16="http://schemas.microsoft.com/office/drawing/2014/main" xmlns="" id="{196F14C3-28B0-434D-9501-B1EBF55ADE0C}"/>
               </a:ext>
             </a:extLst>
           </p:cNvPr>
@@ -8023,7 +11856,7 @@
           <p:cNvPr id="9" name="직사각형 8">
             <a:extLst>
               <a:ext uri="{FF2B5EF4-FFF2-40B4-BE49-F238E27FC236}">
-                <a16:creationId xmlns:a16="http://schemas.microsoft.com/office/drawing/2014/main" id="{CEC42D83-C639-45D6-B3A0-613E40B0AC26}"/>
+                <a16:creationId xmlns:a16="http://schemas.microsoft.com/office/drawing/2014/main" xmlns="" id="{CEC42D83-C639-45D6-B3A0-613E40B0AC26}"/>
               </a:ext>
             </a:extLst>
           </p:cNvPr>
@@ -8073,7 +11906,7 @@
           <p:cNvPr id="10" name="TextBox 9">
             <a:extLst>
               <a:ext uri="{FF2B5EF4-FFF2-40B4-BE49-F238E27FC236}">
-                <a16:creationId xmlns:a16="http://schemas.microsoft.com/office/drawing/2014/main" id="{D234E267-1352-4B64-91C9-86F87DC60B1E}"/>
+                <a16:creationId xmlns:a16="http://schemas.microsoft.com/office/drawing/2014/main" xmlns="" id="{D234E267-1352-4B64-91C9-86F87DC60B1E}"/>
               </a:ext>
             </a:extLst>
           </p:cNvPr>
@@ -8110,7 +11943,7 @@
           <p:cNvPr id="12" name="직사각형 11">
             <a:extLst>
               <a:ext uri="{FF2B5EF4-FFF2-40B4-BE49-F238E27FC236}">
-                <a16:creationId xmlns:a16="http://schemas.microsoft.com/office/drawing/2014/main" id="{13C5DCAA-751F-496A-A405-96FFCBD0245B}"/>
+                <a16:creationId xmlns:a16="http://schemas.microsoft.com/office/drawing/2014/main" xmlns="" id="{13C5DCAA-751F-496A-A405-96FFCBD0245B}"/>
               </a:ext>
             </a:extLst>
           </p:cNvPr>
@@ -8154,7 +11987,7 @@
           <p:cNvPr id="13" name="직사각형 12">
             <a:extLst>
               <a:ext uri="{FF2B5EF4-FFF2-40B4-BE49-F238E27FC236}">
-                <a16:creationId xmlns:a16="http://schemas.microsoft.com/office/drawing/2014/main" id="{77C91BE5-2C8F-4144-8FB7-AD1E735ED54E}"/>
+                <a16:creationId xmlns:a16="http://schemas.microsoft.com/office/drawing/2014/main" xmlns="" id="{77C91BE5-2C8F-4144-8FB7-AD1E735ED54E}"/>
               </a:ext>
             </a:extLst>
           </p:cNvPr>
@@ -8204,7 +12037,7 @@
           <p:cNvPr id="14" name="직사각형 13">
             <a:extLst>
               <a:ext uri="{FF2B5EF4-FFF2-40B4-BE49-F238E27FC236}">
-                <a16:creationId xmlns:a16="http://schemas.microsoft.com/office/drawing/2014/main" id="{76D38772-319F-43FB-A26B-B8854B0951CE}"/>
+                <a16:creationId xmlns:a16="http://schemas.microsoft.com/office/drawing/2014/main" xmlns="" id="{76D38772-319F-43FB-A26B-B8854B0951CE}"/>
               </a:ext>
             </a:extLst>
           </p:cNvPr>
@@ -8250,7 +12083,7 @@
           <p:cNvPr id="15" name="TextBox 14">
             <a:extLst>
               <a:ext uri="{FF2B5EF4-FFF2-40B4-BE49-F238E27FC236}">
-                <a16:creationId xmlns:a16="http://schemas.microsoft.com/office/drawing/2014/main" id="{7F769A63-B359-4AFE-B4DE-B461E66D50D1}"/>
+                <a16:creationId xmlns:a16="http://schemas.microsoft.com/office/drawing/2014/main" xmlns="" id="{7F769A63-B359-4AFE-B4DE-B461E66D50D1}"/>
               </a:ext>
             </a:extLst>
           </p:cNvPr>
@@ -8287,7 +12120,7 @@
           <p:cNvPr id="17" name="직선 연결선 16">
             <a:extLst>
               <a:ext uri="{FF2B5EF4-FFF2-40B4-BE49-F238E27FC236}">
-                <a16:creationId xmlns:a16="http://schemas.microsoft.com/office/drawing/2014/main" id="{FCF616DE-67FF-4B57-A67B-9EF32C072650}"/>
+                <a16:creationId xmlns:a16="http://schemas.microsoft.com/office/drawing/2014/main" xmlns="" id="{FCF616DE-67FF-4B57-A67B-9EF32C072650}"/>
               </a:ext>
             </a:extLst>
           </p:cNvPr>
@@ -8323,7 +12156,7 @@
           <p:cNvPr id="19" name="직선 연결선 18">
             <a:extLst>
               <a:ext uri="{FF2B5EF4-FFF2-40B4-BE49-F238E27FC236}">
-                <a16:creationId xmlns:a16="http://schemas.microsoft.com/office/drawing/2014/main" id="{A304F169-85A6-49C8-8018-94AAE1F9B632}"/>
+                <a16:creationId xmlns:a16="http://schemas.microsoft.com/office/drawing/2014/main" xmlns="" id="{A304F169-85A6-49C8-8018-94AAE1F9B632}"/>
               </a:ext>
             </a:extLst>
           </p:cNvPr>
@@ -8361,7 +12194,7 @@
           <p:cNvPr id="21" name="직선 연결선 20">
             <a:extLst>
               <a:ext uri="{FF2B5EF4-FFF2-40B4-BE49-F238E27FC236}">
-                <a16:creationId xmlns:a16="http://schemas.microsoft.com/office/drawing/2014/main" id="{9C5BDE3C-E489-4F76-B7F8-FDB9CF102109}"/>
+                <a16:creationId xmlns:a16="http://schemas.microsoft.com/office/drawing/2014/main" xmlns="" id="{9C5BDE3C-E489-4F76-B7F8-FDB9CF102109}"/>
               </a:ext>
             </a:extLst>
           </p:cNvPr>
@@ -8399,7 +12232,7 @@
           <p:cNvPr id="23" name="직선 연결선 22">
             <a:extLst>
               <a:ext uri="{FF2B5EF4-FFF2-40B4-BE49-F238E27FC236}">
-                <a16:creationId xmlns:a16="http://schemas.microsoft.com/office/drawing/2014/main" id="{7168D0EF-CAC9-4289-9931-53F583F6476C}"/>
+                <a16:creationId xmlns:a16="http://schemas.microsoft.com/office/drawing/2014/main" xmlns="" id="{7168D0EF-CAC9-4289-9931-53F583F6476C}"/>
               </a:ext>
             </a:extLst>
           </p:cNvPr>
@@ -8437,7 +12270,7 @@
           <p:cNvPr id="24" name="화살표: 오른쪽 23">
             <a:extLst>
               <a:ext uri="{FF2B5EF4-FFF2-40B4-BE49-F238E27FC236}">
-                <a16:creationId xmlns:a16="http://schemas.microsoft.com/office/drawing/2014/main" id="{18BFFA27-B453-4D68-B73B-7D751243DBA0}"/>
+                <a16:creationId xmlns:a16="http://schemas.microsoft.com/office/drawing/2014/main" xmlns="" id="{18BFFA27-B453-4D68-B73B-7D751243DBA0}"/>
               </a:ext>
             </a:extLst>
           </p:cNvPr>
@@ -8486,7 +12319,7 @@
           <p:cNvPr id="2" name="직사각형 1">
             <a:extLst>
               <a:ext uri="{FF2B5EF4-FFF2-40B4-BE49-F238E27FC236}">
-                <a16:creationId xmlns:a16="http://schemas.microsoft.com/office/drawing/2014/main" id="{44625BD6-0BB1-4685-AF25-60CF78723B08}"/>
+                <a16:creationId xmlns:a16="http://schemas.microsoft.com/office/drawing/2014/main" xmlns="" id="{44625BD6-0BB1-4685-AF25-60CF78723B08}"/>
               </a:ext>
             </a:extLst>
           </p:cNvPr>
@@ -8536,7 +12369,7 @@
           <p:cNvPr id="6" name="직선 연결선 5">
             <a:extLst>
               <a:ext uri="{FF2B5EF4-FFF2-40B4-BE49-F238E27FC236}">
-                <a16:creationId xmlns:a16="http://schemas.microsoft.com/office/drawing/2014/main" id="{2D72246D-BD37-45BA-B9FB-22281C8741A1}"/>
+                <a16:creationId xmlns:a16="http://schemas.microsoft.com/office/drawing/2014/main" xmlns="" id="{2D72246D-BD37-45BA-B9FB-22281C8741A1}"/>
               </a:ext>
             </a:extLst>
           </p:cNvPr>
@@ -8574,7 +12407,7 @@
           <p:cNvPr id="18" name="직선 연결선 17">
             <a:extLst>
               <a:ext uri="{FF2B5EF4-FFF2-40B4-BE49-F238E27FC236}">
-                <a16:creationId xmlns:a16="http://schemas.microsoft.com/office/drawing/2014/main" id="{E26E2FB0-5691-4C78-B9A2-2544366616E3}"/>
+                <a16:creationId xmlns:a16="http://schemas.microsoft.com/office/drawing/2014/main" xmlns="" id="{E26E2FB0-5691-4C78-B9A2-2544366616E3}"/>
               </a:ext>
             </a:extLst>
           </p:cNvPr>
@@ -8612,7 +12445,7 @@
           <p:cNvPr id="22" name="직선 연결선 21">
             <a:extLst>
               <a:ext uri="{FF2B5EF4-FFF2-40B4-BE49-F238E27FC236}">
-                <a16:creationId xmlns:a16="http://schemas.microsoft.com/office/drawing/2014/main" id="{F55D23CA-6382-4A0A-A1CB-F9561EA8CD3D}"/>
+                <a16:creationId xmlns:a16="http://schemas.microsoft.com/office/drawing/2014/main" xmlns="" id="{F55D23CA-6382-4A0A-A1CB-F9561EA8CD3D}"/>
               </a:ext>
             </a:extLst>
           </p:cNvPr>
@@ -8648,7 +12481,7 @@
           <p:cNvPr id="27" name="직선 연결선 26">
             <a:extLst>
               <a:ext uri="{FF2B5EF4-FFF2-40B4-BE49-F238E27FC236}">
-                <a16:creationId xmlns:a16="http://schemas.microsoft.com/office/drawing/2014/main" id="{6F012219-3781-4125-95A6-126F01AC8F7E}"/>
+                <a16:creationId xmlns:a16="http://schemas.microsoft.com/office/drawing/2014/main" xmlns="" id="{6F012219-3781-4125-95A6-126F01AC8F7E}"/>
               </a:ext>
             </a:extLst>
           </p:cNvPr>
@@ -8684,7 +12517,7 @@
           <p:cNvPr id="29" name="직사각형 28">
             <a:extLst>
               <a:ext uri="{FF2B5EF4-FFF2-40B4-BE49-F238E27FC236}">
-                <a16:creationId xmlns:a16="http://schemas.microsoft.com/office/drawing/2014/main" id="{B531A8CC-4D34-48FB-9B34-711319D12483}"/>
+                <a16:creationId xmlns:a16="http://schemas.microsoft.com/office/drawing/2014/main" xmlns="" id="{B531A8CC-4D34-48FB-9B34-711319D12483}"/>
               </a:ext>
             </a:extLst>
           </p:cNvPr>
@@ -8734,7 +12567,7 @@
           <p:cNvPr id="33" name="TextBox 32">
             <a:extLst>
               <a:ext uri="{FF2B5EF4-FFF2-40B4-BE49-F238E27FC236}">
-                <a16:creationId xmlns:a16="http://schemas.microsoft.com/office/drawing/2014/main" id="{D951CC1C-9098-4484-A418-4B313B7D8580}"/>
+                <a16:creationId xmlns:a16="http://schemas.microsoft.com/office/drawing/2014/main" xmlns="" id="{D951CC1C-9098-4484-A418-4B313B7D8580}"/>
               </a:ext>
             </a:extLst>
           </p:cNvPr>
@@ -8801,7 +12634,7 @@
           <p:cNvPr id="4" name="TextBox 3">
             <a:extLst>
               <a:ext uri="{FF2B5EF4-FFF2-40B4-BE49-F238E27FC236}">
-                <a16:creationId xmlns:a16="http://schemas.microsoft.com/office/drawing/2014/main" id="{2FF8FE74-F5CD-4D52-80FB-EBF9898877B8}"/>
+                <a16:creationId xmlns:a16="http://schemas.microsoft.com/office/drawing/2014/main" xmlns="" id="{2FF8FE74-F5CD-4D52-80FB-EBF9898877B8}"/>
               </a:ext>
             </a:extLst>
           </p:cNvPr>
@@ -8836,7 +12669,7 @@
           <p:cNvPr id="5" name="TextBox 4">
             <a:extLst>
               <a:ext uri="{FF2B5EF4-FFF2-40B4-BE49-F238E27FC236}">
-                <a16:creationId xmlns:a16="http://schemas.microsoft.com/office/drawing/2014/main" id="{3C3753B2-8841-4646-B581-5EEE407BBD13}"/>
+                <a16:creationId xmlns:a16="http://schemas.microsoft.com/office/drawing/2014/main" xmlns="" id="{3C3753B2-8841-4646-B581-5EEE407BBD13}"/>
               </a:ext>
             </a:extLst>
           </p:cNvPr>
@@ -8916,7 +12749,7 @@
           <p:cNvPr id="6" name="직사각형 5">
             <a:extLst>
               <a:ext uri="{FF2B5EF4-FFF2-40B4-BE49-F238E27FC236}">
-                <a16:creationId xmlns:a16="http://schemas.microsoft.com/office/drawing/2014/main" id="{5B3B3596-00E5-4B1D-922C-7075E5FF40E6}"/>
+                <a16:creationId xmlns:a16="http://schemas.microsoft.com/office/drawing/2014/main" xmlns="" id="{5B3B3596-00E5-4B1D-922C-7075E5FF40E6}"/>
               </a:ext>
             </a:extLst>
           </p:cNvPr>
@@ -8962,7 +12795,7 @@
           <p:cNvPr id="7" name="직사각형 6">
             <a:extLst>
               <a:ext uri="{FF2B5EF4-FFF2-40B4-BE49-F238E27FC236}">
-                <a16:creationId xmlns:a16="http://schemas.microsoft.com/office/drawing/2014/main" id="{5C46AA76-A71B-4CAF-9316-602274C636AA}"/>
+                <a16:creationId xmlns:a16="http://schemas.microsoft.com/office/drawing/2014/main" xmlns="" id="{5C46AA76-A71B-4CAF-9316-602274C636AA}"/>
               </a:ext>
             </a:extLst>
           </p:cNvPr>
@@ -9016,7 +12849,7 @@
           <p:cNvPr id="8" name="두루마리 모양: 세로로 말림 7">
             <a:extLst>
               <a:ext uri="{FF2B5EF4-FFF2-40B4-BE49-F238E27FC236}">
-                <a16:creationId xmlns:a16="http://schemas.microsoft.com/office/drawing/2014/main" id="{3C6F1611-1A11-4BD8-8329-8A4415E81CDB}"/>
+                <a16:creationId xmlns:a16="http://schemas.microsoft.com/office/drawing/2014/main" xmlns="" id="{3C6F1611-1A11-4BD8-8329-8A4415E81CDB}"/>
               </a:ext>
             </a:extLst>
           </p:cNvPr>
@@ -9062,7 +12895,7 @@
           <p:cNvPr id="9" name="TextBox 8">
             <a:extLst>
               <a:ext uri="{FF2B5EF4-FFF2-40B4-BE49-F238E27FC236}">
-                <a16:creationId xmlns:a16="http://schemas.microsoft.com/office/drawing/2014/main" id="{EF03C967-0F80-4EEF-8CCF-238E893644BD}"/>
+                <a16:creationId xmlns:a16="http://schemas.microsoft.com/office/drawing/2014/main" xmlns="" id="{EF03C967-0F80-4EEF-8CCF-238E893644BD}"/>
               </a:ext>
             </a:extLst>
           </p:cNvPr>
@@ -9098,7 +12931,7 @@
           <p:cNvPr id="10" name="TextBox 9">
             <a:extLst>
               <a:ext uri="{FF2B5EF4-FFF2-40B4-BE49-F238E27FC236}">
-                <a16:creationId xmlns:a16="http://schemas.microsoft.com/office/drawing/2014/main" id="{5EFB62E0-A4A3-45A8-B38F-ABB2144B5445}"/>
+                <a16:creationId xmlns:a16="http://schemas.microsoft.com/office/drawing/2014/main" xmlns="" id="{5EFB62E0-A4A3-45A8-B38F-ABB2144B5445}"/>
               </a:ext>
             </a:extLst>
           </p:cNvPr>
@@ -9134,7 +12967,7 @@
           <p:cNvPr id="11" name="TextBox 10">
             <a:extLst>
               <a:ext uri="{FF2B5EF4-FFF2-40B4-BE49-F238E27FC236}">
-                <a16:creationId xmlns:a16="http://schemas.microsoft.com/office/drawing/2014/main" id="{922282BF-59EE-46F9-BCFA-AECFAF3E487A}"/>
+                <a16:creationId xmlns:a16="http://schemas.microsoft.com/office/drawing/2014/main" xmlns="" id="{922282BF-59EE-46F9-BCFA-AECFAF3E487A}"/>
               </a:ext>
             </a:extLst>
           </p:cNvPr>
@@ -9170,7 +13003,7 @@
           <p:cNvPr id="12" name="TextBox 11">
             <a:extLst>
               <a:ext uri="{FF2B5EF4-FFF2-40B4-BE49-F238E27FC236}">
-                <a16:creationId xmlns:a16="http://schemas.microsoft.com/office/drawing/2014/main" id="{5AFFCF51-D46D-4794-937D-C72E733C9A9C}"/>
+                <a16:creationId xmlns:a16="http://schemas.microsoft.com/office/drawing/2014/main" xmlns="" id="{5AFFCF51-D46D-4794-937D-C72E733C9A9C}"/>
               </a:ext>
             </a:extLst>
           </p:cNvPr>
@@ -9206,7 +13039,7 @@
           <p:cNvPr id="14" name="직선 화살표 연결선 13">
             <a:extLst>
               <a:ext uri="{FF2B5EF4-FFF2-40B4-BE49-F238E27FC236}">
-                <a16:creationId xmlns:a16="http://schemas.microsoft.com/office/drawing/2014/main" id="{65BEE110-9E37-448F-8AA5-7CDB5E4277E6}"/>
+                <a16:creationId xmlns:a16="http://schemas.microsoft.com/office/drawing/2014/main" xmlns="" id="{65BEE110-9E37-448F-8AA5-7CDB5E4277E6}"/>
               </a:ext>
             </a:extLst>
           </p:cNvPr>
@@ -9247,7 +13080,7 @@
           <p:cNvPr id="16" name="직선 화살표 연결선 15">
             <a:extLst>
               <a:ext uri="{FF2B5EF4-FFF2-40B4-BE49-F238E27FC236}">
-                <a16:creationId xmlns:a16="http://schemas.microsoft.com/office/drawing/2014/main" id="{AA86219A-7330-427A-954C-D78E7B326504}"/>
+                <a16:creationId xmlns:a16="http://schemas.microsoft.com/office/drawing/2014/main" xmlns="" id="{AA86219A-7330-427A-954C-D78E7B326504}"/>
               </a:ext>
             </a:extLst>
           </p:cNvPr>
@@ -9286,7 +13119,7 @@
           <p:cNvPr id="19" name="연결선: 꺾임 18">
             <a:extLst>
               <a:ext uri="{FF2B5EF4-FFF2-40B4-BE49-F238E27FC236}">
-                <a16:creationId xmlns:a16="http://schemas.microsoft.com/office/drawing/2014/main" id="{84F9F00A-DF12-485D-A886-99D6CEF675D0}"/>
+                <a16:creationId xmlns:a16="http://schemas.microsoft.com/office/drawing/2014/main" xmlns="" id="{84F9F00A-DF12-485D-A886-99D6CEF675D0}"/>
               </a:ext>
             </a:extLst>
           </p:cNvPr>
@@ -9330,7 +13163,7 @@
           <p:cNvPr id="21" name="TextBox 20">
             <a:extLst>
               <a:ext uri="{FF2B5EF4-FFF2-40B4-BE49-F238E27FC236}">
-                <a16:creationId xmlns:a16="http://schemas.microsoft.com/office/drawing/2014/main" id="{3892CE1D-7DAE-4759-9E67-3DC68AF6B9DE}"/>
+                <a16:creationId xmlns:a16="http://schemas.microsoft.com/office/drawing/2014/main" xmlns="" id="{3892CE1D-7DAE-4759-9E67-3DC68AF6B9DE}"/>
               </a:ext>
             </a:extLst>
           </p:cNvPr>
@@ -9367,7 +13200,7 @@
           <p:cNvPr id="23" name="직선 화살표 연결선 22">
             <a:extLst>
               <a:ext uri="{FF2B5EF4-FFF2-40B4-BE49-F238E27FC236}">
-                <a16:creationId xmlns:a16="http://schemas.microsoft.com/office/drawing/2014/main" id="{387BE954-4589-4DAF-9B68-58A80C22C517}"/>
+                <a16:creationId xmlns:a16="http://schemas.microsoft.com/office/drawing/2014/main" xmlns="" id="{387BE954-4589-4DAF-9B68-58A80C22C517}"/>
               </a:ext>
             </a:extLst>
           </p:cNvPr>
@@ -9409,7 +13242,7 @@
           <p:cNvPr id="24" name="TextBox 23">
             <a:extLst>
               <a:ext uri="{FF2B5EF4-FFF2-40B4-BE49-F238E27FC236}">
-                <a16:creationId xmlns:a16="http://schemas.microsoft.com/office/drawing/2014/main" id="{D1B52FD6-3126-4F59-BB86-6C1D4F723B3D}"/>
+                <a16:creationId xmlns:a16="http://schemas.microsoft.com/office/drawing/2014/main" xmlns="" id="{D1B52FD6-3126-4F59-BB86-6C1D4F723B3D}"/>
               </a:ext>
             </a:extLst>
           </p:cNvPr>
@@ -9445,7 +13278,7 @@
           <p:cNvPr id="25" name="TextBox 24">
             <a:extLst>
               <a:ext uri="{FF2B5EF4-FFF2-40B4-BE49-F238E27FC236}">
-                <a16:creationId xmlns:a16="http://schemas.microsoft.com/office/drawing/2014/main" id="{F4E4795D-1E42-44E8-97E1-07091714B619}"/>
+                <a16:creationId xmlns:a16="http://schemas.microsoft.com/office/drawing/2014/main" xmlns="" id="{F4E4795D-1E42-44E8-97E1-07091714B619}"/>
               </a:ext>
             </a:extLst>
           </p:cNvPr>
@@ -9511,7 +13344,7 @@
           <p:cNvPr id="4" name="TextBox 3">
             <a:extLst>
               <a:ext uri="{FF2B5EF4-FFF2-40B4-BE49-F238E27FC236}">
-                <a16:creationId xmlns:a16="http://schemas.microsoft.com/office/drawing/2014/main" id="{2FF8FE74-F5CD-4D52-80FB-EBF9898877B8}"/>
+                <a16:creationId xmlns:a16="http://schemas.microsoft.com/office/drawing/2014/main" xmlns="" id="{2FF8FE74-F5CD-4D52-80FB-EBF9898877B8}"/>
               </a:ext>
             </a:extLst>
           </p:cNvPr>
@@ -9546,7 +13379,7 @@
           <p:cNvPr id="5" name="TextBox 4">
             <a:extLst>
               <a:ext uri="{FF2B5EF4-FFF2-40B4-BE49-F238E27FC236}">
-                <a16:creationId xmlns:a16="http://schemas.microsoft.com/office/drawing/2014/main" id="{3C3753B2-8841-4646-B581-5EEE407BBD13}"/>
+                <a16:creationId xmlns:a16="http://schemas.microsoft.com/office/drawing/2014/main" xmlns="" id="{3C3753B2-8841-4646-B581-5EEE407BBD13}"/>
               </a:ext>
             </a:extLst>
           </p:cNvPr>
@@ -9626,7 +13459,7 @@
           <p:cNvPr id="6" name="직사각형 5">
             <a:extLst>
               <a:ext uri="{FF2B5EF4-FFF2-40B4-BE49-F238E27FC236}">
-                <a16:creationId xmlns:a16="http://schemas.microsoft.com/office/drawing/2014/main" id="{5B3B3596-00E5-4B1D-922C-7075E5FF40E6}"/>
+                <a16:creationId xmlns:a16="http://schemas.microsoft.com/office/drawing/2014/main" xmlns="" id="{5B3B3596-00E5-4B1D-922C-7075E5FF40E6}"/>
               </a:ext>
             </a:extLst>
           </p:cNvPr>
@@ -9672,7 +13505,7 @@
           <p:cNvPr id="7" name="직사각형 6">
             <a:extLst>
               <a:ext uri="{FF2B5EF4-FFF2-40B4-BE49-F238E27FC236}">
-                <a16:creationId xmlns:a16="http://schemas.microsoft.com/office/drawing/2014/main" id="{5C46AA76-A71B-4CAF-9316-602274C636AA}"/>
+                <a16:creationId xmlns:a16="http://schemas.microsoft.com/office/drawing/2014/main" xmlns="" id="{5C46AA76-A71B-4CAF-9316-602274C636AA}"/>
               </a:ext>
             </a:extLst>
           </p:cNvPr>
@@ -9726,7 +13559,7 @@
           <p:cNvPr id="8" name="두루마리 모양: 세로로 말림 7">
             <a:extLst>
               <a:ext uri="{FF2B5EF4-FFF2-40B4-BE49-F238E27FC236}">
-                <a16:creationId xmlns:a16="http://schemas.microsoft.com/office/drawing/2014/main" id="{3C6F1611-1A11-4BD8-8329-8A4415E81CDB}"/>
+                <a16:creationId xmlns:a16="http://schemas.microsoft.com/office/drawing/2014/main" xmlns="" id="{3C6F1611-1A11-4BD8-8329-8A4415E81CDB}"/>
               </a:ext>
             </a:extLst>
           </p:cNvPr>
@@ -9772,7 +13605,7 @@
           <p:cNvPr id="9" name="TextBox 8">
             <a:extLst>
               <a:ext uri="{FF2B5EF4-FFF2-40B4-BE49-F238E27FC236}">
-                <a16:creationId xmlns:a16="http://schemas.microsoft.com/office/drawing/2014/main" id="{EF03C967-0F80-4EEF-8CCF-238E893644BD}"/>
+                <a16:creationId xmlns:a16="http://schemas.microsoft.com/office/drawing/2014/main" xmlns="" id="{EF03C967-0F80-4EEF-8CCF-238E893644BD}"/>
               </a:ext>
             </a:extLst>
           </p:cNvPr>
@@ -9808,7 +13641,7 @@
           <p:cNvPr id="10" name="TextBox 9">
             <a:extLst>
               <a:ext uri="{FF2B5EF4-FFF2-40B4-BE49-F238E27FC236}">
-                <a16:creationId xmlns:a16="http://schemas.microsoft.com/office/drawing/2014/main" id="{5EFB62E0-A4A3-45A8-B38F-ABB2144B5445}"/>
+                <a16:creationId xmlns:a16="http://schemas.microsoft.com/office/drawing/2014/main" xmlns="" id="{5EFB62E0-A4A3-45A8-B38F-ABB2144B5445}"/>
               </a:ext>
             </a:extLst>
           </p:cNvPr>
@@ -9844,7 +13677,7 @@
           <p:cNvPr id="11" name="TextBox 10">
             <a:extLst>
               <a:ext uri="{FF2B5EF4-FFF2-40B4-BE49-F238E27FC236}">
-                <a16:creationId xmlns:a16="http://schemas.microsoft.com/office/drawing/2014/main" id="{922282BF-59EE-46F9-BCFA-AECFAF3E487A}"/>
+                <a16:creationId xmlns:a16="http://schemas.microsoft.com/office/drawing/2014/main" xmlns="" id="{922282BF-59EE-46F9-BCFA-AECFAF3E487A}"/>
               </a:ext>
             </a:extLst>
           </p:cNvPr>
@@ -9906,7 +13739,7 @@
           <p:cNvPr id="14" name="직선 화살표 연결선 13">
             <a:extLst>
               <a:ext uri="{FF2B5EF4-FFF2-40B4-BE49-F238E27FC236}">
-                <a16:creationId xmlns:a16="http://schemas.microsoft.com/office/drawing/2014/main" id="{65BEE110-9E37-448F-8AA5-7CDB5E4277E6}"/>
+                <a16:creationId xmlns:a16="http://schemas.microsoft.com/office/drawing/2014/main" xmlns="" id="{65BEE110-9E37-448F-8AA5-7CDB5E4277E6}"/>
               </a:ext>
             </a:extLst>
           </p:cNvPr>
@@ -9947,7 +13780,7 @@
           <p:cNvPr id="16" name="직선 화살표 연결선 15">
             <a:extLst>
               <a:ext uri="{FF2B5EF4-FFF2-40B4-BE49-F238E27FC236}">
-                <a16:creationId xmlns:a16="http://schemas.microsoft.com/office/drawing/2014/main" id="{AA86219A-7330-427A-954C-D78E7B326504}"/>
+                <a16:creationId xmlns:a16="http://schemas.microsoft.com/office/drawing/2014/main" xmlns="" id="{AA86219A-7330-427A-954C-D78E7B326504}"/>
               </a:ext>
             </a:extLst>
           </p:cNvPr>
@@ -9986,7 +13819,7 @@
           <p:cNvPr id="19" name="연결선: 꺾임 18">
             <a:extLst>
               <a:ext uri="{FF2B5EF4-FFF2-40B4-BE49-F238E27FC236}">
-                <a16:creationId xmlns:a16="http://schemas.microsoft.com/office/drawing/2014/main" id="{84F9F00A-DF12-485D-A886-99D6CEF675D0}"/>
+                <a16:creationId xmlns:a16="http://schemas.microsoft.com/office/drawing/2014/main" xmlns="" id="{84F9F00A-DF12-485D-A886-99D6CEF675D0}"/>
               </a:ext>
             </a:extLst>
           </p:cNvPr>
@@ -10030,7 +13863,7 @@
           <p:cNvPr id="21" name="TextBox 20">
             <a:extLst>
               <a:ext uri="{FF2B5EF4-FFF2-40B4-BE49-F238E27FC236}">
-                <a16:creationId xmlns:a16="http://schemas.microsoft.com/office/drawing/2014/main" id="{3892CE1D-7DAE-4759-9E67-3DC68AF6B9DE}"/>
+                <a16:creationId xmlns:a16="http://schemas.microsoft.com/office/drawing/2014/main" xmlns="" id="{3892CE1D-7DAE-4759-9E67-3DC68AF6B9DE}"/>
               </a:ext>
             </a:extLst>
           </p:cNvPr>
@@ -10067,7 +13900,7 @@
           <p:cNvPr id="23" name="직선 화살표 연결선 22">
             <a:extLst>
               <a:ext uri="{FF2B5EF4-FFF2-40B4-BE49-F238E27FC236}">
-                <a16:creationId xmlns:a16="http://schemas.microsoft.com/office/drawing/2014/main" id="{387BE954-4589-4DAF-9B68-58A80C22C517}"/>
+                <a16:creationId xmlns:a16="http://schemas.microsoft.com/office/drawing/2014/main" xmlns="" id="{387BE954-4589-4DAF-9B68-58A80C22C517}"/>
               </a:ext>
             </a:extLst>
           </p:cNvPr>
@@ -10109,7 +13942,7 @@
           <p:cNvPr id="24" name="TextBox 23">
             <a:extLst>
               <a:ext uri="{FF2B5EF4-FFF2-40B4-BE49-F238E27FC236}">
-                <a16:creationId xmlns:a16="http://schemas.microsoft.com/office/drawing/2014/main" id="{D1B52FD6-3126-4F59-BB86-6C1D4F723B3D}"/>
+                <a16:creationId xmlns:a16="http://schemas.microsoft.com/office/drawing/2014/main" xmlns="" id="{D1B52FD6-3126-4F59-BB86-6C1D4F723B3D}"/>
               </a:ext>
             </a:extLst>
           </p:cNvPr>
@@ -10145,7 +13978,7 @@
           <p:cNvPr id="25" name="TextBox 24">
             <a:extLst>
               <a:ext uri="{FF2B5EF4-FFF2-40B4-BE49-F238E27FC236}">
-                <a16:creationId xmlns:a16="http://schemas.microsoft.com/office/drawing/2014/main" id="{F4E4795D-1E42-44E8-97E1-07091714B619}"/>
+                <a16:creationId xmlns:a16="http://schemas.microsoft.com/office/drawing/2014/main" xmlns="" id="{F4E4795D-1E42-44E8-97E1-07091714B619}"/>
               </a:ext>
             </a:extLst>
           </p:cNvPr>
@@ -10181,7 +14014,7 @@
           <p:cNvPr id="18" name="TextBox 17">
             <a:extLst>
               <a:ext uri="{FF2B5EF4-FFF2-40B4-BE49-F238E27FC236}">
-                <a16:creationId xmlns:a16="http://schemas.microsoft.com/office/drawing/2014/main" id="{A783E93C-D0BF-48CE-8E11-31D0ED27FB27}"/>
+                <a16:creationId xmlns:a16="http://schemas.microsoft.com/office/drawing/2014/main" xmlns="" id="{A783E93C-D0BF-48CE-8E11-31D0ED27FB27}"/>
               </a:ext>
             </a:extLst>
           </p:cNvPr>
@@ -10260,7 +14093,7 @@
           <p:cNvPr id="4" name="직사각형 3">
             <a:extLst>
               <a:ext uri="{FF2B5EF4-FFF2-40B4-BE49-F238E27FC236}">
-                <a16:creationId xmlns:a16="http://schemas.microsoft.com/office/drawing/2014/main" id="{1967F8DE-3ADE-4162-A246-5AA581A2F63E}"/>
+                <a16:creationId xmlns:a16="http://schemas.microsoft.com/office/drawing/2014/main" xmlns="" id="{1967F8DE-3ADE-4162-A246-5AA581A2F63E}"/>
               </a:ext>
             </a:extLst>
           </p:cNvPr>
@@ -10309,7 +14142,7 @@
           <p:cNvPr id="5" name="직사각형 4">
             <a:extLst>
               <a:ext uri="{FF2B5EF4-FFF2-40B4-BE49-F238E27FC236}">
-                <a16:creationId xmlns:a16="http://schemas.microsoft.com/office/drawing/2014/main" id="{E942127B-0771-4625-92FE-03A406491DF7}"/>
+                <a16:creationId xmlns:a16="http://schemas.microsoft.com/office/drawing/2014/main" xmlns="" id="{E942127B-0771-4625-92FE-03A406491DF7}"/>
               </a:ext>
             </a:extLst>
           </p:cNvPr>
@@ -10358,7 +14191,7 @@
           <p:cNvPr id="6" name="사각형: 둥근 모서리 5">
             <a:extLst>
               <a:ext uri="{FF2B5EF4-FFF2-40B4-BE49-F238E27FC236}">
-                <a16:creationId xmlns:a16="http://schemas.microsoft.com/office/drawing/2014/main" id="{077EEB66-EDD7-4A4D-93CA-9CEF3D27BAB4}"/>
+                <a16:creationId xmlns:a16="http://schemas.microsoft.com/office/drawing/2014/main" xmlns="" id="{077EEB66-EDD7-4A4D-93CA-9CEF3D27BAB4}"/>
               </a:ext>
             </a:extLst>
           </p:cNvPr>
@@ -10408,7 +14241,7 @@
           <p:cNvPr id="7" name="직사각형 6">
             <a:extLst>
               <a:ext uri="{FF2B5EF4-FFF2-40B4-BE49-F238E27FC236}">
-                <a16:creationId xmlns:a16="http://schemas.microsoft.com/office/drawing/2014/main" id="{7E0ADC47-1F87-4F74-A681-BE1208B7105C}"/>
+                <a16:creationId xmlns:a16="http://schemas.microsoft.com/office/drawing/2014/main" xmlns="" id="{7E0ADC47-1F87-4F74-A681-BE1208B7105C}"/>
               </a:ext>
             </a:extLst>
           </p:cNvPr>
@@ -10458,7 +14291,7 @@
           <p:cNvPr id="8" name="직사각형 7">
             <a:extLst>
               <a:ext uri="{FF2B5EF4-FFF2-40B4-BE49-F238E27FC236}">
-                <a16:creationId xmlns:a16="http://schemas.microsoft.com/office/drawing/2014/main" id="{646711BF-A52E-4BA4-8D66-274E4707A27C}"/>
+                <a16:creationId xmlns:a16="http://schemas.microsoft.com/office/drawing/2014/main" xmlns="" id="{646711BF-A52E-4BA4-8D66-274E4707A27C}"/>
               </a:ext>
             </a:extLst>
           </p:cNvPr>
@@ -10504,7 +14337,7 @@
           <p:cNvPr id="9" name="직사각형 8">
             <a:extLst>
               <a:ext uri="{FF2B5EF4-FFF2-40B4-BE49-F238E27FC236}">
-                <a16:creationId xmlns:a16="http://schemas.microsoft.com/office/drawing/2014/main" id="{E0CEB039-26D1-4A99-BF33-4A7C6EF3D83E}"/>
+                <a16:creationId xmlns:a16="http://schemas.microsoft.com/office/drawing/2014/main" xmlns="" id="{E0CEB039-26D1-4A99-BF33-4A7C6EF3D83E}"/>
               </a:ext>
             </a:extLst>
           </p:cNvPr>
@@ -10554,7 +14387,7 @@
           <p:cNvPr id="10" name="직사각형 9">
             <a:extLst>
               <a:ext uri="{FF2B5EF4-FFF2-40B4-BE49-F238E27FC236}">
-                <a16:creationId xmlns:a16="http://schemas.microsoft.com/office/drawing/2014/main" id="{2829A0E9-B10A-46D5-ACFB-C28E69DB3FA2}"/>
+                <a16:creationId xmlns:a16="http://schemas.microsoft.com/office/drawing/2014/main" xmlns="" id="{2829A0E9-B10A-46D5-ACFB-C28E69DB3FA2}"/>
               </a:ext>
             </a:extLst>
           </p:cNvPr>
@@ -10600,7 +14433,7 @@
           <p:cNvPr id="11" name="두루마리 모양: 세로로 말림 10">
             <a:extLst>
               <a:ext uri="{FF2B5EF4-FFF2-40B4-BE49-F238E27FC236}">
-                <a16:creationId xmlns:a16="http://schemas.microsoft.com/office/drawing/2014/main" id="{051F20AA-11A3-45A3-B578-DC99FE84AD19}"/>
+                <a16:creationId xmlns:a16="http://schemas.microsoft.com/office/drawing/2014/main" xmlns="" id="{051F20AA-11A3-45A3-B578-DC99FE84AD19}"/>
               </a:ext>
             </a:extLst>
           </p:cNvPr>
@@ -10646,7 +14479,7 @@
           <p:cNvPr id="12" name="TextBox 11">
             <a:extLst>
               <a:ext uri="{FF2B5EF4-FFF2-40B4-BE49-F238E27FC236}">
-                <a16:creationId xmlns:a16="http://schemas.microsoft.com/office/drawing/2014/main" id="{5AB65D2A-440A-48AA-A007-3D4A7473F303}"/>
+                <a16:creationId xmlns:a16="http://schemas.microsoft.com/office/drawing/2014/main" xmlns="" id="{5AB65D2A-440A-48AA-A007-3D4A7473F303}"/>
               </a:ext>
             </a:extLst>
           </p:cNvPr>
@@ -10687,7 +14520,7 @@
           <p:cNvPr id="13" name="TextBox 12">
             <a:extLst>
               <a:ext uri="{FF2B5EF4-FFF2-40B4-BE49-F238E27FC236}">
-                <a16:creationId xmlns:a16="http://schemas.microsoft.com/office/drawing/2014/main" id="{9FE6FB02-5E3A-47A6-BDA2-5A06830FD068}"/>
+                <a16:creationId xmlns:a16="http://schemas.microsoft.com/office/drawing/2014/main" xmlns="" id="{9FE6FB02-5E3A-47A6-BDA2-5A06830FD068}"/>
               </a:ext>
             </a:extLst>
           </p:cNvPr>
@@ -10732,7 +14565,7 @@
           <p:cNvPr id="15" name="연결선: 꺾임 14">
             <a:extLst>
               <a:ext uri="{FF2B5EF4-FFF2-40B4-BE49-F238E27FC236}">
-                <a16:creationId xmlns:a16="http://schemas.microsoft.com/office/drawing/2014/main" id="{07574E59-CD54-48B0-AE0F-6C0DC848A18D}"/>
+                <a16:creationId xmlns:a16="http://schemas.microsoft.com/office/drawing/2014/main" xmlns="" id="{07574E59-CD54-48B0-AE0F-6C0DC848A18D}"/>
               </a:ext>
             </a:extLst>
           </p:cNvPr>
@@ -10776,7 +14609,7 @@
           <p:cNvPr id="17" name="직선 화살표 연결선 16">
             <a:extLst>
               <a:ext uri="{FF2B5EF4-FFF2-40B4-BE49-F238E27FC236}">
-                <a16:creationId xmlns:a16="http://schemas.microsoft.com/office/drawing/2014/main" id="{57D1A8B9-59FC-48B3-9FFC-230AC2199A02}"/>
+                <a16:creationId xmlns:a16="http://schemas.microsoft.com/office/drawing/2014/main" xmlns="" id="{57D1A8B9-59FC-48B3-9FFC-230AC2199A02}"/>
               </a:ext>
             </a:extLst>
           </p:cNvPr>
@@ -10818,7 +14651,7 @@
           <p:cNvPr id="20" name="직선 화살표 연결선 19">
             <a:extLst>
               <a:ext uri="{FF2B5EF4-FFF2-40B4-BE49-F238E27FC236}">
-                <a16:creationId xmlns:a16="http://schemas.microsoft.com/office/drawing/2014/main" id="{B9A0B948-457A-4585-9EBE-94B088098570}"/>
+                <a16:creationId xmlns:a16="http://schemas.microsoft.com/office/drawing/2014/main" xmlns="" id="{B9A0B948-457A-4585-9EBE-94B088098570}"/>
               </a:ext>
             </a:extLst>
           </p:cNvPr>
@@ -10861,7 +14694,7 @@
           <p:cNvPr id="23" name="TextBox 22">
             <a:extLst>
               <a:ext uri="{FF2B5EF4-FFF2-40B4-BE49-F238E27FC236}">
-                <a16:creationId xmlns:a16="http://schemas.microsoft.com/office/drawing/2014/main" id="{E47A2060-5FBE-4352-9F05-18D5670E3546}"/>
+                <a16:creationId xmlns:a16="http://schemas.microsoft.com/office/drawing/2014/main" xmlns="" id="{E47A2060-5FBE-4352-9F05-18D5670E3546}"/>
               </a:ext>
             </a:extLst>
           </p:cNvPr>
@@ -10927,7 +14760,7 @@
           <p:cNvPr id="25" name="TextBox 24">
             <a:extLst>
               <a:ext uri="{FF2B5EF4-FFF2-40B4-BE49-F238E27FC236}">
-                <a16:creationId xmlns:a16="http://schemas.microsoft.com/office/drawing/2014/main" id="{06341FAA-A532-4417-AE41-F1F1459A383A}"/>
+                <a16:creationId xmlns:a16="http://schemas.microsoft.com/office/drawing/2014/main" xmlns="" id="{06341FAA-A532-4417-AE41-F1F1459A383A}"/>
               </a:ext>
             </a:extLst>
           </p:cNvPr>
@@ -10962,6 +14795,1950 @@
     <p:extLst>
       <p:ext uri="{BB962C8B-B14F-4D97-AF65-F5344CB8AC3E}">
         <p14:creationId xmlns:p14="http://schemas.microsoft.com/office/powerpoint/2010/main" val="2256070887"/>
+      </p:ext>
+    </p:extLst>
+  </p:cSld>
+  <p:clrMapOvr>
+    <a:masterClrMapping/>
+  </p:clrMapOvr>
+</p:sld>
+</file>
+
+<file path=ppt/slides/slide8.xml><?xml version="1.0" encoding="utf-8"?>
+<p:sld xmlns:a="http://schemas.openxmlformats.org/drawingml/2006/main" xmlns:r="http://schemas.openxmlformats.org/officeDocument/2006/relationships" xmlns:p="http://schemas.openxmlformats.org/presentationml/2006/main">
+  <p:cSld>
+    <p:spTree>
+      <p:nvGrpSpPr>
+        <p:cNvPr id="1" name=""/>
+        <p:cNvGrpSpPr/>
+        <p:nvPr/>
+      </p:nvGrpSpPr>
+      <p:grpSpPr>
+        <a:xfrm>
+          <a:off x="0" y="0"/>
+          <a:ext cx="0" cy="0"/>
+          <a:chOff x="0" y="0"/>
+          <a:chExt cx="0" cy="0"/>
+        </a:xfrm>
+      </p:grpSpPr>
+      <p:sp>
+        <p:nvSpPr>
+          <p:cNvPr id="33" name="직사각형 32"/>
+          <p:cNvSpPr/>
+          <p:nvPr/>
+        </p:nvSpPr>
+        <p:spPr>
+          <a:xfrm>
+            <a:off x="8377087" y="4807972"/>
+            <a:ext cx="3318387" cy="1776596"/>
+          </a:xfrm>
+          <a:prstGeom prst="rect">
+            <a:avLst/>
+          </a:prstGeom>
+        </p:spPr>
+        <p:style>
+          <a:lnRef idx="2">
+            <a:schemeClr val="accent1">
+              <a:shade val="50000"/>
+            </a:schemeClr>
+          </a:lnRef>
+          <a:fillRef idx="1">
+            <a:schemeClr val="accent1"/>
+          </a:fillRef>
+          <a:effectRef idx="0">
+            <a:schemeClr val="accent1"/>
+          </a:effectRef>
+          <a:fontRef idx="minor">
+            <a:schemeClr val="lt1"/>
+          </a:fontRef>
+        </p:style>
+        <p:txBody>
+          <a:bodyPr rtlCol="0" anchor="ctr"/>
+          <a:lstStyle/>
+          <a:p>
+            <a:pPr algn="ctr"/>
+            <a:endParaRPr lang="ko-KR" altLang="en-US"/>
+          </a:p>
+        </p:txBody>
+      </p:sp>
+      <p:sp>
+        <p:nvSpPr>
+          <p:cNvPr id="4" name="TextBox 3"/>
+          <p:cNvSpPr txBox="1"/>
+          <p:nvPr/>
+        </p:nvSpPr>
+        <p:spPr>
+          <a:xfrm>
+            <a:off x="368710" y="353961"/>
+            <a:ext cx="8834284" cy="2862322"/>
+          </a:xfrm>
+          <a:prstGeom prst="rect">
+            <a:avLst/>
+          </a:prstGeom>
+          <a:noFill/>
+        </p:spPr>
+        <p:txBody>
+          <a:bodyPr wrap="square" rtlCol="0">
+            <a:spAutoFit/>
+          </a:bodyPr>
+          <a:lstStyle/>
+          <a:p>
+            <a:r>
+              <a:rPr lang="en-US" altLang="ko-KR" b="1" dirty="0"/>
+              <a:t>exec</a:t>
+            </a:r>
+            <a:r>
+              <a:rPr lang="ko-KR" altLang="en-US" b="1" dirty="0"/>
+              <a:t>에 붙는 문자의 의미</a:t>
+            </a:r>
+            <a:r>
+              <a:rPr lang="en-US" altLang="ko-KR" b="1" dirty="0"/>
+              <a:t>:</a:t>
+            </a:r>
+          </a:p>
+          <a:p>
+            <a:r>
+              <a:rPr lang="en-US" altLang="ko-KR" dirty="0"/>
+              <a:t> * l  :  </a:t>
+            </a:r>
+            <a:r>
+              <a:rPr lang="ko-KR" altLang="en-US" dirty="0"/>
+              <a:t>리스트 형태의 명령 라인</a:t>
+            </a:r>
+            <a:r>
+              <a:rPr lang="en-US" altLang="ko-KR" dirty="0"/>
+              <a:t>(</a:t>
+            </a:r>
+            <a:r>
+              <a:rPr lang="en-US" altLang="ko-KR" dirty="0" err="1"/>
+              <a:t>argv</a:t>
+            </a:r>
+            <a:r>
+              <a:rPr lang="en-US" altLang="ko-KR" dirty="0"/>
+              <a:t>[0], </a:t>
+            </a:r>
+            <a:r>
+              <a:rPr lang="en-US" altLang="ko-KR" dirty="0" err="1"/>
+              <a:t>argv</a:t>
+            </a:r>
+            <a:r>
+              <a:rPr lang="en-US" altLang="ko-KR" dirty="0"/>
+              <a:t>[1], </a:t>
+            </a:r>
+            <a:r>
+              <a:rPr lang="en-US" altLang="ko-KR" dirty="0" err="1"/>
+              <a:t>argv</a:t>
+            </a:r>
+            <a:r>
+              <a:rPr lang="en-US" altLang="ko-KR" dirty="0"/>
+              <a:t>[2]...)</a:t>
+            </a:r>
+          </a:p>
+          <a:p>
+            <a:r>
+              <a:rPr lang="en-US" altLang="ko-KR" dirty="0"/>
+              <a:t> * v : vector </a:t>
+            </a:r>
+            <a:r>
+              <a:rPr lang="ko-KR" altLang="en-US" dirty="0"/>
+              <a:t>형태의 명령 라인</a:t>
+            </a:r>
+            <a:r>
+              <a:rPr lang="en-US" altLang="ko-KR" dirty="0"/>
+              <a:t>(</a:t>
+            </a:r>
+            <a:r>
+              <a:rPr lang="en-US" altLang="ko-KR" dirty="0" err="1"/>
+              <a:t>argv</a:t>
+            </a:r>
+            <a:r>
+              <a:rPr lang="en-US" altLang="ko-KR" dirty="0"/>
+              <a:t>[])</a:t>
+            </a:r>
+          </a:p>
+          <a:p>
+            <a:r>
+              <a:rPr lang="en-US" altLang="ko-KR" dirty="0"/>
+              <a:t> * e : </a:t>
+            </a:r>
+            <a:r>
+              <a:rPr lang="ko-KR" altLang="en-US" dirty="0"/>
+              <a:t>환경변수 인자</a:t>
+            </a:r>
+            <a:r>
+              <a:rPr lang="en-US" altLang="ko-KR" dirty="0"/>
+              <a:t>(</a:t>
+            </a:r>
+            <a:r>
+              <a:rPr lang="en-US" altLang="ko-KR" dirty="0" err="1"/>
+              <a:t>envp</a:t>
+            </a:r>
+            <a:r>
+              <a:rPr lang="en-US" altLang="ko-KR" dirty="0"/>
+              <a:t>[])</a:t>
+            </a:r>
+          </a:p>
+          <a:p>
+            <a:r>
+              <a:rPr lang="en-US" altLang="ko-KR" dirty="0"/>
+              <a:t> * p : path </a:t>
+            </a:r>
+            <a:r>
+              <a:rPr lang="ko-KR" altLang="en-US" dirty="0"/>
+              <a:t>정보가 없는 </a:t>
+            </a:r>
+            <a:r>
+              <a:rPr lang="ko-KR" altLang="en-US" dirty="0" err="1"/>
+              <a:t>실행화일</a:t>
+            </a:r>
+            <a:r>
+              <a:rPr lang="ko-KR" altLang="en-US" dirty="0"/>
+              <a:t> 이름</a:t>
+            </a:r>
+          </a:p>
+          <a:p>
+            <a:r>
+              <a:rPr lang="ko-KR" altLang="en-US" dirty="0"/>
+              <a:t/>
+            </a:r>
+            <a:br>
+              <a:rPr lang="ko-KR" altLang="en-US" dirty="0"/>
+            </a:br>
+            <a:endParaRPr lang="ko-KR" altLang="en-US" dirty="0"/>
+          </a:p>
+          <a:p>
+            <a:r>
+              <a:rPr lang="en-US" altLang="ko-KR" dirty="0" err="1"/>
+              <a:t>execve</a:t>
+            </a:r>
+            <a:r>
+              <a:rPr lang="en-US" altLang="ko-KR" dirty="0"/>
+              <a:t> </a:t>
+            </a:r>
+            <a:r>
+              <a:rPr lang="ko-KR" altLang="en-US" dirty="0"/>
+              <a:t>함수만이 </a:t>
+            </a:r>
+            <a:r>
+              <a:rPr lang="ko-KR" altLang="en-US" dirty="0" err="1"/>
+              <a:t>커널내의</a:t>
+            </a:r>
+            <a:r>
+              <a:rPr lang="ko-KR" altLang="en-US" dirty="0"/>
+              <a:t> 시스템 함수</a:t>
+            </a:r>
+          </a:p>
+          <a:p>
+            <a:r>
+              <a:rPr lang="ko-KR" altLang="en-US" dirty="0"/>
+              <a:t>나머지 함수들은 라이브러리 함수로서 </a:t>
+            </a:r>
+            <a:r>
+              <a:rPr lang="en-US" altLang="ko-KR" dirty="0" err="1"/>
+              <a:t>evecve</a:t>
+            </a:r>
+            <a:r>
+              <a:rPr lang="en-US" altLang="ko-KR" dirty="0"/>
+              <a:t> </a:t>
+            </a:r>
+            <a:r>
+              <a:rPr lang="ko-KR" altLang="en-US" dirty="0"/>
+              <a:t>함수를 호출한다</a:t>
+            </a:r>
+            <a:r>
+              <a:rPr lang="en-US" altLang="ko-KR" dirty="0"/>
+              <a:t>.</a:t>
+            </a:r>
+          </a:p>
+          <a:p>
+            <a:endParaRPr lang="ko-KR" altLang="en-US" dirty="0"/>
+          </a:p>
+        </p:txBody>
+      </p:sp>
+      <p:sp>
+        <p:nvSpPr>
+          <p:cNvPr id="5" name="직사각형 4"/>
+          <p:cNvSpPr/>
+          <p:nvPr/>
+        </p:nvSpPr>
+        <p:spPr>
+          <a:xfrm>
+            <a:off x="958649" y="3334268"/>
+            <a:ext cx="1519084" cy="515059"/>
+          </a:xfrm>
+          <a:prstGeom prst="rect">
+            <a:avLst/>
+          </a:prstGeom>
+        </p:spPr>
+        <p:style>
+          <a:lnRef idx="2">
+            <a:schemeClr val="dk1"/>
+          </a:lnRef>
+          <a:fillRef idx="1">
+            <a:schemeClr val="lt1"/>
+          </a:fillRef>
+          <a:effectRef idx="0">
+            <a:schemeClr val="dk1"/>
+          </a:effectRef>
+          <a:fontRef idx="minor">
+            <a:schemeClr val="dk1"/>
+          </a:fontRef>
+        </p:style>
+        <p:txBody>
+          <a:bodyPr rtlCol="0" anchor="ctr"/>
+          <a:lstStyle/>
+          <a:p>
+            <a:pPr algn="ctr"/>
+            <a:r>
+              <a:rPr lang="en-US" altLang="ko-KR" dirty="0" err="1" smtClean="0"/>
+              <a:t>execlp</a:t>
+            </a:r>
+            <a:endParaRPr lang="ko-KR" altLang="en-US" dirty="0"/>
+          </a:p>
+        </p:txBody>
+      </p:sp>
+      <p:sp>
+        <p:nvSpPr>
+          <p:cNvPr id="6" name="직사각형 5"/>
+          <p:cNvSpPr/>
+          <p:nvPr/>
+        </p:nvSpPr>
+        <p:spPr>
+          <a:xfrm>
+            <a:off x="958649" y="5118823"/>
+            <a:ext cx="1519084" cy="515059"/>
+          </a:xfrm>
+          <a:prstGeom prst="rect">
+            <a:avLst/>
+          </a:prstGeom>
+        </p:spPr>
+        <p:style>
+          <a:lnRef idx="2">
+            <a:schemeClr val="dk1"/>
+          </a:lnRef>
+          <a:fillRef idx="1">
+            <a:schemeClr val="lt1"/>
+          </a:fillRef>
+          <a:effectRef idx="0">
+            <a:schemeClr val="dk1"/>
+          </a:effectRef>
+          <a:fontRef idx="minor">
+            <a:schemeClr val="dk1"/>
+          </a:fontRef>
+        </p:style>
+        <p:txBody>
+          <a:bodyPr rtlCol="0" anchor="ctr"/>
+          <a:lstStyle/>
+          <a:p>
+            <a:pPr algn="ctr"/>
+            <a:r>
+              <a:rPr lang="en-US" altLang="ko-KR" dirty="0" err="1" smtClean="0"/>
+              <a:t>execvp</a:t>
+            </a:r>
+            <a:endParaRPr lang="ko-KR" altLang="en-US" dirty="0"/>
+          </a:p>
+        </p:txBody>
+      </p:sp>
+      <p:sp>
+        <p:nvSpPr>
+          <p:cNvPr id="7" name="직사각형 6"/>
+          <p:cNvSpPr/>
+          <p:nvPr/>
+        </p:nvSpPr>
+        <p:spPr>
+          <a:xfrm>
+            <a:off x="4409772" y="5118823"/>
+            <a:ext cx="1519084" cy="515059"/>
+          </a:xfrm>
+          <a:prstGeom prst="rect">
+            <a:avLst/>
+          </a:prstGeom>
+        </p:spPr>
+        <p:style>
+          <a:lnRef idx="2">
+            <a:schemeClr val="dk1"/>
+          </a:lnRef>
+          <a:fillRef idx="1">
+            <a:schemeClr val="lt1"/>
+          </a:fillRef>
+          <a:effectRef idx="0">
+            <a:schemeClr val="dk1"/>
+          </a:effectRef>
+          <a:fontRef idx="minor">
+            <a:schemeClr val="dk1"/>
+          </a:fontRef>
+        </p:style>
+        <p:txBody>
+          <a:bodyPr rtlCol="0" anchor="ctr"/>
+          <a:lstStyle/>
+          <a:p>
+            <a:pPr algn="ctr"/>
+            <a:r>
+              <a:rPr lang="en-US" altLang="ko-KR" dirty="0" err="1" smtClean="0"/>
+              <a:t>execv</a:t>
+            </a:r>
+            <a:endParaRPr lang="ko-KR" altLang="en-US" dirty="0"/>
+          </a:p>
+        </p:txBody>
+      </p:sp>
+      <p:sp>
+        <p:nvSpPr>
+          <p:cNvPr id="8" name="직사각형 7"/>
+          <p:cNvSpPr/>
+          <p:nvPr/>
+        </p:nvSpPr>
+        <p:spPr>
+          <a:xfrm>
+            <a:off x="8613066" y="5118822"/>
+            <a:ext cx="1519084" cy="515059"/>
+          </a:xfrm>
+          <a:prstGeom prst="rect">
+            <a:avLst/>
+          </a:prstGeom>
+        </p:spPr>
+        <p:style>
+          <a:lnRef idx="3">
+            <a:schemeClr val="lt1"/>
+          </a:lnRef>
+          <a:fillRef idx="1">
+            <a:schemeClr val="accent1"/>
+          </a:fillRef>
+          <a:effectRef idx="1">
+            <a:schemeClr val="accent1"/>
+          </a:effectRef>
+          <a:fontRef idx="minor">
+            <a:schemeClr val="lt1"/>
+          </a:fontRef>
+        </p:style>
+        <p:txBody>
+          <a:bodyPr rtlCol="0" anchor="ctr"/>
+          <a:lstStyle/>
+          <a:p>
+            <a:pPr algn="ctr"/>
+            <a:r>
+              <a:rPr lang="en-US" altLang="ko-KR" dirty="0" err="1" smtClean="0"/>
+              <a:t>execve</a:t>
+            </a:r>
+            <a:endParaRPr lang="ko-KR" altLang="en-US" dirty="0"/>
+          </a:p>
+        </p:txBody>
+      </p:sp>
+      <p:sp>
+        <p:nvSpPr>
+          <p:cNvPr id="9" name="직사각형 8"/>
+          <p:cNvSpPr/>
+          <p:nvPr/>
+        </p:nvSpPr>
+        <p:spPr>
+          <a:xfrm>
+            <a:off x="4409772" y="3304771"/>
+            <a:ext cx="1519084" cy="515059"/>
+          </a:xfrm>
+          <a:prstGeom prst="rect">
+            <a:avLst/>
+          </a:prstGeom>
+        </p:spPr>
+        <p:style>
+          <a:lnRef idx="2">
+            <a:schemeClr val="dk1"/>
+          </a:lnRef>
+          <a:fillRef idx="1">
+            <a:schemeClr val="lt1"/>
+          </a:fillRef>
+          <a:effectRef idx="0">
+            <a:schemeClr val="dk1"/>
+          </a:effectRef>
+          <a:fontRef idx="minor">
+            <a:schemeClr val="dk1"/>
+          </a:fontRef>
+        </p:style>
+        <p:txBody>
+          <a:bodyPr rtlCol="0" anchor="ctr"/>
+          <a:lstStyle/>
+          <a:p>
+            <a:pPr algn="ctr"/>
+            <a:r>
+              <a:rPr lang="en-US" altLang="ko-KR" dirty="0" err="1" smtClean="0"/>
+              <a:t>execl</a:t>
+            </a:r>
+            <a:endParaRPr lang="ko-KR" altLang="en-US" dirty="0"/>
+          </a:p>
+        </p:txBody>
+      </p:sp>
+      <p:sp>
+        <p:nvSpPr>
+          <p:cNvPr id="10" name="직사각형 9"/>
+          <p:cNvSpPr/>
+          <p:nvPr/>
+        </p:nvSpPr>
+        <p:spPr>
+          <a:xfrm>
+            <a:off x="8613066" y="3304770"/>
+            <a:ext cx="1519084" cy="515059"/>
+          </a:xfrm>
+          <a:prstGeom prst="rect">
+            <a:avLst/>
+          </a:prstGeom>
+        </p:spPr>
+        <p:style>
+          <a:lnRef idx="2">
+            <a:schemeClr val="dk1"/>
+          </a:lnRef>
+          <a:fillRef idx="1">
+            <a:schemeClr val="lt1"/>
+          </a:fillRef>
+          <a:effectRef idx="0">
+            <a:schemeClr val="dk1"/>
+          </a:effectRef>
+          <a:fontRef idx="minor">
+            <a:schemeClr val="dk1"/>
+          </a:fontRef>
+        </p:style>
+        <p:txBody>
+          <a:bodyPr rtlCol="0" anchor="ctr"/>
+          <a:lstStyle/>
+          <a:p>
+            <a:pPr algn="ctr"/>
+            <a:r>
+              <a:rPr lang="en-US" altLang="ko-KR" dirty="0" err="1" smtClean="0"/>
+              <a:t>execle</a:t>
+            </a:r>
+            <a:endParaRPr lang="ko-KR" altLang="en-US" dirty="0"/>
+          </a:p>
+        </p:txBody>
+      </p:sp>
+      <p:cxnSp>
+        <p:nvCxnSpPr>
+          <p:cNvPr id="12" name="직선 화살표 연결선 11"/>
+          <p:cNvCxnSpPr>
+            <a:stCxn id="5" idx="2"/>
+            <a:endCxn id="6" idx="0"/>
+          </p:cNvCxnSpPr>
+          <p:nvPr/>
+        </p:nvCxnSpPr>
+        <p:spPr>
+          <a:xfrm>
+            <a:off x="1718191" y="3849327"/>
+            <a:ext cx="0" cy="1269496"/>
+          </a:xfrm>
+          <a:prstGeom prst="straightConnector1">
+            <a:avLst/>
+          </a:prstGeom>
+          <a:ln>
+            <a:tailEnd type="triangle"/>
+          </a:ln>
+        </p:spPr>
+        <p:style>
+          <a:lnRef idx="2">
+            <a:schemeClr val="dk1"/>
+          </a:lnRef>
+          <a:fillRef idx="0">
+            <a:schemeClr val="dk1"/>
+          </a:fillRef>
+          <a:effectRef idx="1">
+            <a:schemeClr val="dk1"/>
+          </a:effectRef>
+          <a:fontRef idx="minor">
+            <a:schemeClr val="tx1"/>
+          </a:fontRef>
+        </p:style>
+      </p:cxnSp>
+      <p:cxnSp>
+        <p:nvCxnSpPr>
+          <p:cNvPr id="13" name="직선 화살표 연결선 12"/>
+          <p:cNvCxnSpPr>
+            <a:stCxn id="9" idx="2"/>
+            <a:endCxn id="7" idx="0"/>
+          </p:cNvCxnSpPr>
+          <p:nvPr/>
+        </p:nvCxnSpPr>
+        <p:spPr>
+          <a:xfrm>
+            <a:off x="5169314" y="3819830"/>
+            <a:ext cx="0" cy="1298993"/>
+          </a:xfrm>
+          <a:prstGeom prst="straightConnector1">
+            <a:avLst/>
+          </a:prstGeom>
+          <a:ln>
+            <a:tailEnd type="triangle"/>
+          </a:ln>
+        </p:spPr>
+        <p:style>
+          <a:lnRef idx="2">
+            <a:schemeClr val="dk1"/>
+          </a:lnRef>
+          <a:fillRef idx="0">
+            <a:schemeClr val="dk1"/>
+          </a:fillRef>
+          <a:effectRef idx="1">
+            <a:schemeClr val="dk1"/>
+          </a:effectRef>
+          <a:fontRef idx="minor">
+            <a:schemeClr val="tx1"/>
+          </a:fontRef>
+        </p:style>
+      </p:cxnSp>
+      <p:cxnSp>
+        <p:nvCxnSpPr>
+          <p:cNvPr id="16" name="직선 화살표 연결선 15"/>
+          <p:cNvCxnSpPr>
+            <a:stCxn id="10" idx="2"/>
+            <a:endCxn id="8" idx="0"/>
+          </p:cNvCxnSpPr>
+          <p:nvPr/>
+        </p:nvCxnSpPr>
+        <p:spPr>
+          <a:xfrm>
+            <a:off x="9372608" y="3819829"/>
+            <a:ext cx="0" cy="1298993"/>
+          </a:xfrm>
+          <a:prstGeom prst="straightConnector1">
+            <a:avLst/>
+          </a:prstGeom>
+          <a:ln>
+            <a:tailEnd type="triangle"/>
+          </a:ln>
+        </p:spPr>
+        <p:style>
+          <a:lnRef idx="2">
+            <a:schemeClr val="dk1"/>
+          </a:lnRef>
+          <a:fillRef idx="0">
+            <a:schemeClr val="dk1"/>
+          </a:fillRef>
+          <a:effectRef idx="1">
+            <a:schemeClr val="dk1"/>
+          </a:effectRef>
+          <a:fontRef idx="minor">
+            <a:schemeClr val="tx1"/>
+          </a:fontRef>
+        </p:style>
+      </p:cxnSp>
+      <p:sp>
+        <p:nvSpPr>
+          <p:cNvPr id="21" name="TextBox 20"/>
+          <p:cNvSpPr txBox="1"/>
+          <p:nvPr/>
+        </p:nvSpPr>
+        <p:spPr>
+          <a:xfrm>
+            <a:off x="1806691" y="4299409"/>
+            <a:ext cx="1533830" cy="369332"/>
+          </a:xfrm>
+          <a:prstGeom prst="rect">
+            <a:avLst/>
+          </a:prstGeom>
+          <a:noFill/>
+        </p:spPr>
+        <p:txBody>
+          <a:bodyPr wrap="square" rtlCol="0">
+            <a:spAutoFit/>
+          </a:bodyPr>
+          <a:lstStyle/>
+          <a:p>
+            <a:r>
+              <a:rPr lang="en-US" altLang="ko-KR" dirty="0" err="1" smtClean="0"/>
+              <a:t>argv</a:t>
+            </a:r>
+            <a:r>
+              <a:rPr lang="en-US" altLang="ko-KR" dirty="0" smtClean="0"/>
+              <a:t> </a:t>
+            </a:r>
+            <a:r>
+              <a:rPr lang="ko-KR" altLang="en-US" dirty="0" smtClean="0"/>
+              <a:t>생성</a:t>
+            </a:r>
+            <a:endParaRPr lang="ko-KR" altLang="en-US" dirty="0"/>
+          </a:p>
+        </p:txBody>
+      </p:sp>
+      <p:sp>
+        <p:nvSpPr>
+          <p:cNvPr id="22" name="TextBox 21"/>
+          <p:cNvSpPr txBox="1"/>
+          <p:nvPr/>
+        </p:nvSpPr>
+        <p:spPr>
+          <a:xfrm>
+            <a:off x="5302054" y="4269912"/>
+            <a:ext cx="1533830" cy="369332"/>
+          </a:xfrm>
+          <a:prstGeom prst="rect">
+            <a:avLst/>
+          </a:prstGeom>
+          <a:noFill/>
+        </p:spPr>
+        <p:txBody>
+          <a:bodyPr wrap="square" rtlCol="0">
+            <a:spAutoFit/>
+          </a:bodyPr>
+          <a:lstStyle/>
+          <a:p>
+            <a:r>
+              <a:rPr lang="en-US" altLang="ko-KR" err="1" smtClean="0"/>
+              <a:t>argv</a:t>
+            </a:r>
+            <a:r>
+              <a:rPr lang="en-US" altLang="ko-KR" dirty="0" smtClean="0"/>
+              <a:t> </a:t>
+            </a:r>
+            <a:r>
+              <a:rPr lang="ko-KR" altLang="en-US" dirty="0" smtClean="0"/>
+              <a:t>생성</a:t>
+            </a:r>
+            <a:endParaRPr lang="ko-KR" altLang="en-US" dirty="0"/>
+          </a:p>
+        </p:txBody>
+      </p:sp>
+      <p:sp>
+        <p:nvSpPr>
+          <p:cNvPr id="23" name="TextBox 22"/>
+          <p:cNvSpPr txBox="1"/>
+          <p:nvPr/>
+        </p:nvSpPr>
+        <p:spPr>
+          <a:xfrm>
+            <a:off x="9671269" y="4299409"/>
+            <a:ext cx="1533830" cy="369332"/>
+          </a:xfrm>
+          <a:prstGeom prst="rect">
+            <a:avLst/>
+          </a:prstGeom>
+          <a:noFill/>
+        </p:spPr>
+        <p:txBody>
+          <a:bodyPr wrap="square" rtlCol="0">
+            <a:spAutoFit/>
+          </a:bodyPr>
+          <a:lstStyle/>
+          <a:p>
+            <a:r>
+              <a:rPr lang="en-US" altLang="ko-KR" dirty="0" err="1" smtClean="0"/>
+              <a:t>argv</a:t>
+            </a:r>
+            <a:r>
+              <a:rPr lang="en-US" altLang="ko-KR" dirty="0" smtClean="0"/>
+              <a:t> </a:t>
+            </a:r>
+            <a:r>
+              <a:rPr lang="ko-KR" altLang="en-US" dirty="0" smtClean="0"/>
+              <a:t>생성</a:t>
+            </a:r>
+            <a:endParaRPr lang="ko-KR" altLang="en-US" dirty="0"/>
+          </a:p>
+        </p:txBody>
+      </p:sp>
+      <p:cxnSp>
+        <p:nvCxnSpPr>
+          <p:cNvPr id="24" name="직선 화살표 연결선 23"/>
+          <p:cNvCxnSpPr>
+            <a:stCxn id="6" idx="3"/>
+            <a:endCxn id="7" idx="1"/>
+          </p:cNvCxnSpPr>
+          <p:nvPr/>
+        </p:nvCxnSpPr>
+        <p:spPr>
+          <a:xfrm>
+            <a:off x="2477733" y="5376353"/>
+            <a:ext cx="1932039" cy="0"/>
+          </a:xfrm>
+          <a:prstGeom prst="straightConnector1">
+            <a:avLst/>
+          </a:prstGeom>
+          <a:ln>
+            <a:tailEnd type="triangle"/>
+          </a:ln>
+        </p:spPr>
+        <p:style>
+          <a:lnRef idx="2">
+            <a:schemeClr val="dk1"/>
+          </a:lnRef>
+          <a:fillRef idx="0">
+            <a:schemeClr val="dk1"/>
+          </a:fillRef>
+          <a:effectRef idx="1">
+            <a:schemeClr val="dk1"/>
+          </a:effectRef>
+          <a:fontRef idx="minor">
+            <a:schemeClr val="tx1"/>
+          </a:fontRef>
+        </p:style>
+      </p:cxnSp>
+      <p:sp>
+        <p:nvSpPr>
+          <p:cNvPr id="27" name="TextBox 26"/>
+          <p:cNvSpPr txBox="1"/>
+          <p:nvPr/>
+        </p:nvSpPr>
+        <p:spPr>
+          <a:xfrm>
+            <a:off x="1976287" y="5761261"/>
+            <a:ext cx="2691581" cy="646331"/>
+          </a:xfrm>
+          <a:prstGeom prst="rect">
+            <a:avLst/>
+          </a:prstGeom>
+          <a:noFill/>
+        </p:spPr>
+        <p:txBody>
+          <a:bodyPr wrap="square" rtlCol="0">
+            <a:spAutoFit/>
+          </a:bodyPr>
+          <a:lstStyle/>
+          <a:p>
+            <a:r>
+              <a:rPr lang="en-US" altLang="ko-KR" dirty="0" smtClean="0"/>
+              <a:t>PATH </a:t>
+            </a:r>
+            <a:r>
+              <a:rPr lang="ko-KR" altLang="en-US" dirty="0" smtClean="0"/>
+              <a:t>변수를 이용해서 실행파일 </a:t>
+            </a:r>
+            <a:r>
+              <a:rPr lang="en-US" altLang="ko-KR" dirty="0" smtClean="0"/>
+              <a:t>path</a:t>
+            </a:r>
+            <a:r>
+              <a:rPr lang="ko-KR" altLang="en-US" dirty="0" smtClean="0"/>
+              <a:t>를 완성</a:t>
+            </a:r>
+            <a:endParaRPr lang="ko-KR" altLang="en-US" dirty="0"/>
+          </a:p>
+        </p:txBody>
+      </p:sp>
+      <p:sp>
+        <p:nvSpPr>
+          <p:cNvPr id="28" name="TextBox 27"/>
+          <p:cNvSpPr txBox="1"/>
+          <p:nvPr/>
+        </p:nvSpPr>
+        <p:spPr>
+          <a:xfrm>
+            <a:off x="5552778" y="5687521"/>
+            <a:ext cx="2691581" cy="646331"/>
+          </a:xfrm>
+          <a:prstGeom prst="rect">
+            <a:avLst/>
+          </a:prstGeom>
+          <a:noFill/>
+        </p:spPr>
+        <p:txBody>
+          <a:bodyPr wrap="square" rtlCol="0">
+            <a:spAutoFit/>
+          </a:bodyPr>
+          <a:lstStyle/>
+          <a:p>
+            <a:r>
+              <a:rPr lang="en-US" altLang="ko-KR" dirty="0"/>
+              <a:t>e</a:t>
+            </a:r>
+            <a:r>
+              <a:rPr lang="en-US" altLang="ko-KR" dirty="0" smtClean="0"/>
+              <a:t>nviron </a:t>
+            </a:r>
+            <a:r>
+              <a:rPr lang="ko-KR" altLang="en-US" dirty="0" smtClean="0"/>
+              <a:t>변수를 이용해서 환경변수 배열 완성</a:t>
+            </a:r>
+            <a:endParaRPr lang="ko-KR" altLang="en-US" dirty="0"/>
+          </a:p>
+        </p:txBody>
+      </p:sp>
+      <p:sp>
+        <p:nvSpPr>
+          <p:cNvPr id="29" name="TextBox 28"/>
+          <p:cNvSpPr txBox="1"/>
+          <p:nvPr/>
+        </p:nvSpPr>
+        <p:spPr>
+          <a:xfrm>
+            <a:off x="8649933" y="5820250"/>
+            <a:ext cx="2691581" cy="369332"/>
+          </a:xfrm>
+          <a:prstGeom prst="rect">
+            <a:avLst/>
+          </a:prstGeom>
+          <a:noFill/>
+        </p:spPr>
+        <p:txBody>
+          <a:bodyPr wrap="square" rtlCol="0">
+            <a:spAutoFit/>
+          </a:bodyPr>
+          <a:lstStyle/>
+          <a:p>
+            <a:r>
+              <a:rPr lang="ko-KR" altLang="en-US" dirty="0" smtClean="0"/>
+              <a:t>시스템 함수 호출</a:t>
+            </a:r>
+            <a:r>
+              <a:rPr lang="en-US" altLang="ko-KR" dirty="0" smtClean="0"/>
+              <a:t>(</a:t>
+            </a:r>
+            <a:r>
+              <a:rPr lang="ko-KR" altLang="en-US" dirty="0" err="1" smtClean="0"/>
+              <a:t>커널</a:t>
+            </a:r>
+            <a:r>
+              <a:rPr lang="en-US" altLang="ko-KR" dirty="0" smtClean="0"/>
+              <a:t>)</a:t>
+            </a:r>
+            <a:endParaRPr lang="ko-KR" altLang="en-US" dirty="0"/>
+          </a:p>
+        </p:txBody>
+      </p:sp>
+      <p:cxnSp>
+        <p:nvCxnSpPr>
+          <p:cNvPr id="30" name="직선 화살표 연결선 29"/>
+          <p:cNvCxnSpPr>
+            <a:stCxn id="7" idx="3"/>
+            <a:endCxn id="8" idx="1"/>
+          </p:cNvCxnSpPr>
+          <p:nvPr/>
+        </p:nvCxnSpPr>
+        <p:spPr>
+          <a:xfrm flipV="1">
+            <a:off x="5928856" y="5376352"/>
+            <a:ext cx="2684210" cy="1"/>
+          </a:xfrm>
+          <a:prstGeom prst="straightConnector1">
+            <a:avLst/>
+          </a:prstGeom>
+          <a:ln>
+            <a:tailEnd type="triangle"/>
+          </a:ln>
+        </p:spPr>
+        <p:style>
+          <a:lnRef idx="2">
+            <a:schemeClr val="dk1"/>
+          </a:lnRef>
+          <a:fillRef idx="0">
+            <a:schemeClr val="dk1"/>
+          </a:fillRef>
+          <a:effectRef idx="1">
+            <a:schemeClr val="dk1"/>
+          </a:effectRef>
+          <a:fontRef idx="minor">
+            <a:schemeClr val="tx1"/>
+          </a:fontRef>
+        </p:style>
+      </p:cxnSp>
+    </p:spTree>
+    <p:extLst>
+      <p:ext uri="{BB962C8B-B14F-4D97-AF65-F5344CB8AC3E}">
+        <p14:creationId xmlns:p14="http://schemas.microsoft.com/office/powerpoint/2010/main" val="35697269"/>
+      </p:ext>
+    </p:extLst>
+  </p:cSld>
+  <p:clrMapOvr>
+    <a:masterClrMapping/>
+  </p:clrMapOvr>
+</p:sld>
+</file>
+
+<file path=ppt/slides/slide9.xml><?xml version="1.0" encoding="utf-8"?>
+<p:sld xmlns:a="http://schemas.openxmlformats.org/drawingml/2006/main" xmlns:r="http://schemas.openxmlformats.org/officeDocument/2006/relationships" xmlns:p="http://schemas.openxmlformats.org/presentationml/2006/main">
+  <p:cSld>
+    <p:spTree>
+      <p:nvGrpSpPr>
+        <p:cNvPr id="1" name=""/>
+        <p:cNvGrpSpPr/>
+        <p:nvPr/>
+      </p:nvGrpSpPr>
+      <p:grpSpPr>
+        <a:xfrm>
+          <a:off x="0" y="0"/>
+          <a:ext cx="0" cy="0"/>
+          <a:chOff x="0" y="0"/>
+          <a:chExt cx="0" cy="0"/>
+        </a:xfrm>
+      </p:grpSpPr>
+      <p:sp>
+        <p:nvSpPr>
+          <p:cNvPr id="7" name="직사각형 6">
+            <a:extLst>
+              <a:ext uri="{FF2B5EF4-FFF2-40B4-BE49-F238E27FC236}">
+                <a16:creationId xmlns:a16="http://schemas.microsoft.com/office/drawing/2014/main" xmlns="" id="{AA7231FC-3028-4C36-8DED-8474CF01E01D}"/>
+              </a:ext>
+            </a:extLst>
+          </p:cNvPr>
+          <p:cNvSpPr/>
+          <p:nvPr/>
+        </p:nvSpPr>
+        <p:spPr>
+          <a:xfrm>
+            <a:off x="1007327" y="1469489"/>
+            <a:ext cx="1334428" cy="3983457"/>
+          </a:xfrm>
+          <a:prstGeom prst="rect">
+            <a:avLst/>
+          </a:prstGeom>
+        </p:spPr>
+        <p:style>
+          <a:lnRef idx="2">
+            <a:schemeClr val="dk1"/>
+          </a:lnRef>
+          <a:fillRef idx="1">
+            <a:schemeClr val="lt1"/>
+          </a:fillRef>
+          <a:effectRef idx="0">
+            <a:schemeClr val="dk1"/>
+          </a:effectRef>
+          <a:fontRef idx="minor">
+            <a:schemeClr val="dk1"/>
+          </a:fontRef>
+        </p:style>
+        <p:txBody>
+          <a:bodyPr rtlCol="0" anchor="ctr"/>
+          <a:lstStyle/>
+          <a:p>
+            <a:pPr algn="ctr"/>
+            <a:endParaRPr lang="ko-KR" altLang="en-US"/>
+          </a:p>
+        </p:txBody>
+      </p:sp>
+      <p:sp>
+        <p:nvSpPr>
+          <p:cNvPr id="8" name="직사각형 7">
+            <a:extLst>
+              <a:ext uri="{FF2B5EF4-FFF2-40B4-BE49-F238E27FC236}">
+                <a16:creationId xmlns:a16="http://schemas.microsoft.com/office/drawing/2014/main" xmlns="" id="{196F14C3-28B0-434D-9501-B1EBF55ADE0C}"/>
+              </a:ext>
+            </a:extLst>
+          </p:cNvPr>
+          <p:cNvSpPr/>
+          <p:nvPr/>
+        </p:nvSpPr>
+        <p:spPr>
+          <a:xfrm>
+            <a:off x="1005470" y="1857274"/>
+            <a:ext cx="1334428" cy="556191"/>
+          </a:xfrm>
+          <a:prstGeom prst="rect">
+            <a:avLst/>
+          </a:prstGeom>
+        </p:spPr>
+        <p:style>
+          <a:lnRef idx="2">
+            <a:schemeClr val="accent1">
+              <a:shade val="50000"/>
+            </a:schemeClr>
+          </a:lnRef>
+          <a:fillRef idx="1">
+            <a:schemeClr val="accent1"/>
+          </a:fillRef>
+          <a:effectRef idx="0">
+            <a:schemeClr val="accent1"/>
+          </a:effectRef>
+          <a:fontRef idx="minor">
+            <a:schemeClr val="lt1"/>
+          </a:fontRef>
+        </p:style>
+        <p:txBody>
+          <a:bodyPr rtlCol="0" anchor="ctr"/>
+          <a:lstStyle/>
+          <a:p>
+            <a:pPr algn="ctr"/>
+            <a:r>
+              <a:rPr lang="en-US" altLang="ko-KR" dirty="0"/>
+              <a:t>text</a:t>
+            </a:r>
+            <a:endParaRPr lang="ko-KR" altLang="en-US" dirty="0"/>
+          </a:p>
+        </p:txBody>
+      </p:sp>
+      <p:sp>
+        <p:nvSpPr>
+          <p:cNvPr id="10" name="TextBox 9">
+            <a:extLst>
+              <a:ext uri="{FF2B5EF4-FFF2-40B4-BE49-F238E27FC236}">
+                <a16:creationId xmlns:a16="http://schemas.microsoft.com/office/drawing/2014/main" xmlns="" id="{D234E267-1352-4B64-91C9-86F87DC60B1E}"/>
+              </a:ext>
+            </a:extLst>
+          </p:cNvPr>
+          <p:cNvSpPr txBox="1"/>
+          <p:nvPr/>
+        </p:nvSpPr>
+        <p:spPr>
+          <a:xfrm>
+            <a:off x="1050072" y="1093398"/>
+            <a:ext cx="1248937" cy="307777"/>
+          </a:xfrm>
+          <a:prstGeom prst="rect">
+            <a:avLst/>
+          </a:prstGeom>
+          <a:noFill/>
+        </p:spPr>
+        <p:txBody>
+          <a:bodyPr wrap="square" rtlCol="0">
+            <a:spAutoFit/>
+          </a:bodyPr>
+          <a:lstStyle/>
+          <a:p>
+            <a:pPr algn="ctr"/>
+            <a:r>
+              <a:rPr lang="en-US" altLang="ko-KR" sz="1400" dirty="0"/>
+              <a:t>parent</a:t>
+            </a:r>
+            <a:endParaRPr lang="ko-KR" altLang="en-US" sz="1400" dirty="0"/>
+          </a:p>
+        </p:txBody>
+      </p:sp>
+      <p:sp>
+        <p:nvSpPr>
+          <p:cNvPr id="3" name="직사각형 2"/>
+          <p:cNvSpPr/>
+          <p:nvPr/>
+        </p:nvSpPr>
+        <p:spPr>
+          <a:xfrm>
+            <a:off x="3593690" y="598895"/>
+            <a:ext cx="6096000" cy="2246769"/>
+          </a:xfrm>
+          <a:prstGeom prst="rect">
+            <a:avLst/>
+          </a:prstGeom>
+        </p:spPr>
+        <p:style>
+          <a:lnRef idx="2">
+            <a:schemeClr val="dk1"/>
+          </a:lnRef>
+          <a:fillRef idx="1">
+            <a:schemeClr val="lt1"/>
+          </a:fillRef>
+          <a:effectRef idx="0">
+            <a:schemeClr val="dk1"/>
+          </a:effectRef>
+          <a:fontRef idx="minor">
+            <a:schemeClr val="dk1"/>
+          </a:fontRef>
+        </p:style>
+        <p:txBody>
+          <a:bodyPr>
+            <a:spAutoFit/>
+          </a:bodyPr>
+          <a:lstStyle/>
+          <a:p>
+            <a:r>
+              <a:rPr lang="en-US" altLang="ko-KR" sz="1400" dirty="0" err="1">
+                <a:solidFill>
+                  <a:srgbClr val="222222"/>
+                </a:solidFill>
+                <a:latin typeface="Verdana" panose="020B0604030504040204" pitchFamily="34" charset="0"/>
+              </a:rPr>
+              <a:t>int</a:t>
+            </a:r>
+            <a:r>
+              <a:rPr lang="en-US" altLang="ko-KR" sz="1400" dirty="0">
+                <a:solidFill>
+                  <a:srgbClr val="222222"/>
+                </a:solidFill>
+                <a:latin typeface="Verdana" panose="020B0604030504040204" pitchFamily="34" charset="0"/>
+              </a:rPr>
+              <a:t> main() </a:t>
+            </a:r>
+            <a:r>
+              <a:rPr lang="en-US" altLang="ko-KR" sz="1400" dirty="0"/>
+              <a:t/>
+            </a:r>
+            <a:br>
+              <a:rPr lang="en-US" altLang="ko-KR" sz="1400" dirty="0"/>
+            </a:br>
+            <a:r>
+              <a:rPr lang="en-US" altLang="ko-KR" sz="1400" dirty="0">
+                <a:solidFill>
+                  <a:srgbClr val="222222"/>
+                </a:solidFill>
+                <a:latin typeface="Verdana" panose="020B0604030504040204" pitchFamily="34" charset="0"/>
+              </a:rPr>
+              <a:t>{ </a:t>
+            </a:r>
+            <a:r>
+              <a:rPr lang="en-US" altLang="ko-KR" sz="1400" dirty="0"/>
+              <a:t/>
+            </a:r>
+            <a:br>
+              <a:rPr lang="en-US" altLang="ko-KR" sz="1400" dirty="0"/>
+            </a:br>
+            <a:r>
+              <a:rPr lang="en-US" altLang="ko-KR" sz="1400" dirty="0">
+                <a:solidFill>
+                  <a:srgbClr val="222222"/>
+                </a:solidFill>
+                <a:latin typeface="Verdana" panose="020B0604030504040204" pitchFamily="34" charset="0"/>
+              </a:rPr>
+              <a:t>    char *</a:t>
+            </a:r>
+            <a:r>
+              <a:rPr lang="en-US" altLang="ko-KR" sz="1400" dirty="0" err="1">
+                <a:solidFill>
+                  <a:srgbClr val="222222"/>
+                </a:solidFill>
+                <a:latin typeface="Verdana" panose="020B0604030504040204" pitchFamily="34" charset="0"/>
+              </a:rPr>
+              <a:t>argv</a:t>
+            </a:r>
+            <a:r>
+              <a:rPr lang="en-US" altLang="ko-KR" sz="1400" dirty="0">
+                <a:solidFill>
+                  <a:srgbClr val="222222"/>
+                </a:solidFill>
+                <a:latin typeface="Verdana" panose="020B0604030504040204" pitchFamily="34" charset="0"/>
+              </a:rPr>
+              <a:t>[] = { "ls", (char*)0}; </a:t>
+            </a:r>
+            <a:r>
+              <a:rPr lang="en-US" altLang="ko-KR" sz="1400" dirty="0"/>
+              <a:t/>
+            </a:r>
+            <a:br>
+              <a:rPr lang="en-US" altLang="ko-KR" sz="1400" dirty="0"/>
+            </a:br>
+            <a:r>
+              <a:rPr lang="en-US" altLang="ko-KR" sz="1400" dirty="0"/>
+              <a:t/>
+            </a:r>
+            <a:br>
+              <a:rPr lang="en-US" altLang="ko-KR" sz="1400" dirty="0"/>
+            </a:br>
+            <a:r>
+              <a:rPr lang="en-US" altLang="ko-KR" sz="1400" dirty="0">
+                <a:solidFill>
+                  <a:srgbClr val="222222"/>
+                </a:solidFill>
+                <a:latin typeface="Verdana" panose="020B0604030504040204" pitchFamily="34" charset="0"/>
+              </a:rPr>
+              <a:t>    </a:t>
+            </a:r>
+            <a:r>
+              <a:rPr lang="en-US" altLang="ko-KR" sz="1400" b="1" dirty="0" err="1">
+                <a:solidFill>
+                  <a:srgbClr val="222222"/>
+                </a:solidFill>
+                <a:latin typeface="Verdana" panose="020B0604030504040204" pitchFamily="34" charset="0"/>
+              </a:rPr>
+              <a:t>execve</a:t>
+            </a:r>
+            <a:r>
+              <a:rPr lang="en-US" altLang="ko-KR" sz="1400" b="1" dirty="0">
+                <a:solidFill>
+                  <a:srgbClr val="222222"/>
+                </a:solidFill>
+                <a:latin typeface="Verdana" panose="020B0604030504040204" pitchFamily="34" charset="0"/>
+              </a:rPr>
+              <a:t>("/bin/ls", </a:t>
+            </a:r>
+            <a:r>
+              <a:rPr lang="en-US" altLang="ko-KR" sz="1400" b="1" dirty="0" err="1">
+                <a:solidFill>
+                  <a:srgbClr val="222222"/>
+                </a:solidFill>
+                <a:latin typeface="Verdana" panose="020B0604030504040204" pitchFamily="34" charset="0"/>
+              </a:rPr>
+              <a:t>argv</a:t>
+            </a:r>
+            <a:r>
+              <a:rPr lang="en-US" altLang="ko-KR" sz="1400" b="1" dirty="0">
+                <a:solidFill>
+                  <a:srgbClr val="222222"/>
+                </a:solidFill>
+                <a:latin typeface="Verdana" panose="020B0604030504040204" pitchFamily="34" charset="0"/>
+              </a:rPr>
+              <a:t>, 0); </a:t>
+            </a:r>
+            <a:r>
+              <a:rPr lang="en-US" altLang="ko-KR" sz="1400" dirty="0"/>
+              <a:t/>
+            </a:r>
+            <a:br>
+              <a:rPr lang="en-US" altLang="ko-KR" sz="1400" dirty="0"/>
+            </a:br>
+            <a:r>
+              <a:rPr lang="en-US" altLang="ko-KR" sz="1400" dirty="0"/>
+              <a:t/>
+            </a:r>
+            <a:br>
+              <a:rPr lang="en-US" altLang="ko-KR" sz="1400" dirty="0"/>
+            </a:br>
+            <a:r>
+              <a:rPr lang="en-US" altLang="ko-KR" sz="1400" dirty="0">
+                <a:solidFill>
+                  <a:srgbClr val="222222"/>
+                </a:solidFill>
+                <a:latin typeface="Verdana" panose="020B0604030504040204" pitchFamily="34" charset="0"/>
+              </a:rPr>
+              <a:t>    </a:t>
+            </a:r>
+            <a:r>
+              <a:rPr lang="en-US" altLang="ko-KR" sz="1400" dirty="0" err="1">
+                <a:solidFill>
+                  <a:srgbClr val="FF0000"/>
+                </a:solidFill>
+                <a:latin typeface="Verdana" panose="020B0604030504040204" pitchFamily="34" charset="0"/>
+              </a:rPr>
+              <a:t>printf</a:t>
+            </a:r>
+            <a:r>
+              <a:rPr lang="en-US" altLang="ko-KR" sz="1400" dirty="0">
+                <a:solidFill>
+                  <a:srgbClr val="FF0000"/>
+                </a:solidFill>
+                <a:latin typeface="Verdana" panose="020B0604030504040204" pitchFamily="34" charset="0"/>
+              </a:rPr>
+              <a:t>("after\n");  // </a:t>
+            </a:r>
+            <a:r>
+              <a:rPr lang="ko-KR" altLang="en-US" sz="1400" dirty="0">
+                <a:solidFill>
+                  <a:srgbClr val="FF0000"/>
+                </a:solidFill>
+                <a:latin typeface="Verdana" panose="020B0604030504040204" pitchFamily="34" charset="0"/>
+              </a:rPr>
+              <a:t>동작 </a:t>
+            </a:r>
+            <a:r>
+              <a:rPr lang="ko-KR" altLang="en-US" sz="1400" dirty="0" err="1">
+                <a:solidFill>
+                  <a:srgbClr val="FF0000"/>
+                </a:solidFill>
+                <a:latin typeface="Verdana" panose="020B0604030504040204" pitchFamily="34" charset="0"/>
+              </a:rPr>
+              <a:t>안한다</a:t>
+            </a:r>
+            <a:r>
+              <a:rPr lang="en-US" altLang="ko-KR" sz="1400" dirty="0">
+                <a:solidFill>
+                  <a:srgbClr val="FF0000"/>
+                </a:solidFill>
+                <a:latin typeface="Verdana" panose="020B0604030504040204" pitchFamily="34" charset="0"/>
+              </a:rPr>
+              <a:t>.</a:t>
+            </a:r>
+            <a:r>
+              <a:rPr lang="ko-KR" altLang="en-US" sz="1400" dirty="0"/>
+              <a:t/>
+            </a:r>
+            <a:br>
+              <a:rPr lang="ko-KR" altLang="en-US" sz="1400" dirty="0"/>
+            </a:br>
+            <a:r>
+              <a:rPr lang="ko-KR" altLang="en-US" sz="1400" dirty="0"/>
+              <a:t/>
+            </a:r>
+            <a:br>
+              <a:rPr lang="ko-KR" altLang="en-US" sz="1400" dirty="0"/>
+            </a:br>
+            <a:r>
+              <a:rPr lang="ko-KR" altLang="en-US" sz="1400" dirty="0">
+                <a:solidFill>
+                  <a:srgbClr val="222222"/>
+                </a:solidFill>
+                <a:latin typeface="Verdana" panose="020B0604030504040204" pitchFamily="34" charset="0"/>
+              </a:rPr>
+              <a:t>    </a:t>
+            </a:r>
+            <a:r>
+              <a:rPr lang="en-US" altLang="ko-KR" sz="1400" dirty="0">
+                <a:solidFill>
+                  <a:srgbClr val="222222"/>
+                </a:solidFill>
+                <a:latin typeface="Verdana" panose="020B0604030504040204" pitchFamily="34" charset="0"/>
+              </a:rPr>
+              <a:t>return 0; </a:t>
+            </a:r>
+            <a:r>
+              <a:rPr lang="en-US" altLang="ko-KR" sz="1400" dirty="0"/>
+              <a:t/>
+            </a:r>
+            <a:br>
+              <a:rPr lang="en-US" altLang="ko-KR" sz="1400" dirty="0"/>
+            </a:br>
+            <a:r>
+              <a:rPr lang="en-US" altLang="ko-KR" sz="1400" dirty="0">
+                <a:solidFill>
+                  <a:srgbClr val="222222"/>
+                </a:solidFill>
+                <a:latin typeface="Verdana" panose="020B0604030504040204" pitchFamily="34" charset="0"/>
+              </a:rPr>
+              <a:t>}</a:t>
+            </a:r>
+            <a:endParaRPr lang="ko-KR" altLang="en-US" sz="1400" dirty="0"/>
+          </a:p>
+        </p:txBody>
+      </p:sp>
+      <p:sp>
+        <p:nvSpPr>
+          <p:cNvPr id="11" name="원통 10"/>
+          <p:cNvSpPr/>
+          <p:nvPr/>
+        </p:nvSpPr>
+        <p:spPr>
+          <a:xfrm>
+            <a:off x="8981768" y="3701842"/>
+            <a:ext cx="1460090" cy="2433484"/>
+          </a:xfrm>
+          <a:prstGeom prst="can">
+            <a:avLst/>
+          </a:prstGeom>
+        </p:spPr>
+        <p:style>
+          <a:lnRef idx="2">
+            <a:schemeClr val="dk1"/>
+          </a:lnRef>
+          <a:fillRef idx="1">
+            <a:schemeClr val="lt1"/>
+          </a:fillRef>
+          <a:effectRef idx="0">
+            <a:schemeClr val="dk1"/>
+          </a:effectRef>
+          <a:fontRef idx="minor">
+            <a:schemeClr val="dk1"/>
+          </a:fontRef>
+        </p:style>
+        <p:txBody>
+          <a:bodyPr rtlCol="0" anchor="ctr"/>
+          <a:lstStyle/>
+          <a:p>
+            <a:pPr algn="ctr"/>
+            <a:endParaRPr lang="ko-KR" altLang="en-US"/>
+          </a:p>
+        </p:txBody>
+      </p:sp>
+      <p:sp>
+        <p:nvSpPr>
+          <p:cNvPr id="16" name="직사각형 15"/>
+          <p:cNvSpPr/>
+          <p:nvPr/>
+        </p:nvSpPr>
+        <p:spPr>
+          <a:xfrm>
+            <a:off x="9232491" y="4395016"/>
+            <a:ext cx="1002890" cy="1327355"/>
+          </a:xfrm>
+          <a:prstGeom prst="rect">
+            <a:avLst/>
+          </a:prstGeom>
+        </p:spPr>
+        <p:style>
+          <a:lnRef idx="2">
+            <a:schemeClr val="dk1"/>
+          </a:lnRef>
+          <a:fillRef idx="1">
+            <a:schemeClr val="lt1"/>
+          </a:fillRef>
+          <a:effectRef idx="0">
+            <a:schemeClr val="dk1"/>
+          </a:effectRef>
+          <a:fontRef idx="minor">
+            <a:schemeClr val="dk1"/>
+          </a:fontRef>
+        </p:style>
+        <p:txBody>
+          <a:bodyPr rtlCol="0" anchor="ctr"/>
+          <a:lstStyle/>
+          <a:p>
+            <a:r>
+              <a:rPr lang="ko-KR" altLang="en-US" sz="900" dirty="0"/>
+              <a:t>main:</a:t>
+            </a:r>
+          </a:p>
+          <a:p>
+            <a:r>
+              <a:rPr lang="ko-KR" altLang="en-US" sz="900" dirty="0"/>
+              <a:t>.LFB0:</a:t>
+            </a:r>
+          </a:p>
+          <a:p>
+            <a:r>
+              <a:rPr lang="ko-KR" altLang="en-US" sz="900" dirty="0"/>
+              <a:t>        .cfi_startproc</a:t>
+            </a:r>
+          </a:p>
+          <a:p>
+            <a:r>
+              <a:rPr lang="ko-KR" altLang="en-US" sz="900" dirty="0"/>
+              <a:t>        pushq   %</a:t>
+            </a:r>
+            <a:r>
+              <a:rPr lang="ko-KR" altLang="en-US" sz="900" dirty="0" smtClean="0"/>
+              <a:t>rbp</a:t>
+            </a:r>
+            <a:endParaRPr lang="ko-KR" altLang="en-US" sz="900" dirty="0"/>
+          </a:p>
+        </p:txBody>
+      </p:sp>
+      <p:sp>
+        <p:nvSpPr>
+          <p:cNvPr id="20" name="직사각형 19"/>
+          <p:cNvSpPr/>
+          <p:nvPr/>
+        </p:nvSpPr>
+        <p:spPr>
+          <a:xfrm>
+            <a:off x="3775588" y="3760838"/>
+            <a:ext cx="4011561" cy="1666568"/>
+          </a:xfrm>
+          <a:prstGeom prst="rect">
+            <a:avLst/>
+          </a:prstGeom>
+        </p:spPr>
+        <p:style>
+          <a:lnRef idx="2">
+            <a:schemeClr val="dk1"/>
+          </a:lnRef>
+          <a:fillRef idx="1">
+            <a:schemeClr val="lt1"/>
+          </a:fillRef>
+          <a:effectRef idx="0">
+            <a:schemeClr val="dk1"/>
+          </a:effectRef>
+          <a:fontRef idx="minor">
+            <a:schemeClr val="dk1"/>
+          </a:fontRef>
+        </p:style>
+        <p:txBody>
+          <a:bodyPr rtlCol="0" anchor="ctr"/>
+          <a:lstStyle/>
+          <a:p>
+            <a:r>
+              <a:rPr lang="ko-KR" altLang="en-US" dirty="0"/>
+              <a:t>main:</a:t>
+            </a:r>
+          </a:p>
+          <a:p>
+            <a:r>
+              <a:rPr lang="ko-KR" altLang="en-US" dirty="0"/>
+              <a:t>.LFB0:</a:t>
+            </a:r>
+          </a:p>
+          <a:p>
+            <a:r>
+              <a:rPr lang="ko-KR" altLang="en-US" dirty="0"/>
+              <a:t>        .cfi_startproc</a:t>
+            </a:r>
+          </a:p>
+          <a:p>
+            <a:r>
+              <a:rPr lang="ko-KR" altLang="en-US" dirty="0"/>
+              <a:t>        pushq   %rbp</a:t>
+            </a:r>
+          </a:p>
+          <a:p>
+            <a:pPr algn="ctr"/>
+            <a:endParaRPr lang="ko-KR" altLang="en-US" dirty="0"/>
+          </a:p>
+        </p:txBody>
+      </p:sp>
+      <p:cxnSp>
+        <p:nvCxnSpPr>
+          <p:cNvPr id="26" name="구부러진 연결선 25"/>
+          <p:cNvCxnSpPr>
+            <a:stCxn id="16" idx="1"/>
+            <a:endCxn id="20" idx="3"/>
+          </p:cNvCxnSpPr>
+          <p:nvPr/>
+        </p:nvCxnSpPr>
+        <p:spPr>
+          <a:xfrm rot="10800000">
+            <a:off x="7787149" y="4594122"/>
+            <a:ext cx="1445342" cy="464572"/>
+          </a:xfrm>
+          <a:prstGeom prst="curvedConnector3">
+            <a:avLst/>
+          </a:prstGeom>
+          <a:ln>
+            <a:tailEnd type="triangle"/>
+          </a:ln>
+        </p:spPr>
+        <p:style>
+          <a:lnRef idx="1">
+            <a:schemeClr val="accent1"/>
+          </a:lnRef>
+          <a:fillRef idx="0">
+            <a:schemeClr val="accent1"/>
+          </a:fillRef>
+          <a:effectRef idx="0">
+            <a:schemeClr val="accent1"/>
+          </a:effectRef>
+          <a:fontRef idx="minor">
+            <a:schemeClr val="tx1"/>
+          </a:fontRef>
+        </p:style>
+      </p:cxnSp>
+      <p:cxnSp>
+        <p:nvCxnSpPr>
+          <p:cNvPr id="30" name="직선 연결선 29"/>
+          <p:cNvCxnSpPr/>
+          <p:nvPr/>
+        </p:nvCxnSpPr>
+        <p:spPr>
+          <a:xfrm>
+            <a:off x="2339898" y="1934827"/>
+            <a:ext cx="1435690" cy="1826011"/>
+          </a:xfrm>
+          <a:prstGeom prst="line">
+            <a:avLst/>
+          </a:prstGeom>
+        </p:spPr>
+        <p:style>
+          <a:lnRef idx="3">
+            <a:schemeClr val="dk1"/>
+          </a:lnRef>
+          <a:fillRef idx="0">
+            <a:schemeClr val="dk1"/>
+          </a:fillRef>
+          <a:effectRef idx="2">
+            <a:schemeClr val="dk1"/>
+          </a:effectRef>
+          <a:fontRef idx="minor">
+            <a:schemeClr val="tx1"/>
+          </a:fontRef>
+        </p:style>
+      </p:cxnSp>
+      <p:cxnSp>
+        <p:nvCxnSpPr>
+          <p:cNvPr id="32" name="직선 연결선 31"/>
+          <p:cNvCxnSpPr/>
+          <p:nvPr/>
+        </p:nvCxnSpPr>
+        <p:spPr>
+          <a:xfrm>
+            <a:off x="2318525" y="2413465"/>
+            <a:ext cx="1457063" cy="3013941"/>
+          </a:xfrm>
+          <a:prstGeom prst="line">
+            <a:avLst/>
+          </a:prstGeom>
+        </p:spPr>
+        <p:style>
+          <a:lnRef idx="3">
+            <a:schemeClr val="dk1"/>
+          </a:lnRef>
+          <a:fillRef idx="0">
+            <a:schemeClr val="dk1"/>
+          </a:fillRef>
+          <a:effectRef idx="2">
+            <a:schemeClr val="dk1"/>
+          </a:effectRef>
+          <a:fontRef idx="minor">
+            <a:schemeClr val="tx1"/>
+          </a:fontRef>
+        </p:style>
+      </p:cxnSp>
+      <p:sp>
+        <p:nvSpPr>
+          <p:cNvPr id="36" name="오른쪽 화살표 35"/>
+          <p:cNvSpPr/>
+          <p:nvPr/>
+        </p:nvSpPr>
+        <p:spPr>
+          <a:xfrm>
+            <a:off x="3215418" y="3508136"/>
+            <a:ext cx="437535" cy="530945"/>
+          </a:xfrm>
+          <a:prstGeom prst="rightArrow">
+            <a:avLst/>
+          </a:prstGeom>
+          <a:solidFill>
+            <a:srgbClr val="FF0000"/>
+          </a:solidFill>
+        </p:spPr>
+        <p:style>
+          <a:lnRef idx="2">
+            <a:schemeClr val="accent1">
+              <a:shade val="50000"/>
+            </a:schemeClr>
+          </a:lnRef>
+          <a:fillRef idx="1">
+            <a:schemeClr val="accent1"/>
+          </a:fillRef>
+          <a:effectRef idx="0">
+            <a:schemeClr val="accent1"/>
+          </a:effectRef>
+          <a:fontRef idx="minor">
+            <a:schemeClr val="lt1"/>
+          </a:fontRef>
+        </p:style>
+        <p:txBody>
+          <a:bodyPr rtlCol="0" anchor="ctr"/>
+          <a:lstStyle/>
+          <a:p>
+            <a:pPr algn="ctr"/>
+            <a:endParaRPr lang="ko-KR" altLang="en-US"/>
+          </a:p>
+        </p:txBody>
+      </p:sp>
+      <p:sp>
+        <p:nvSpPr>
+          <p:cNvPr id="37" name="TextBox 36"/>
+          <p:cNvSpPr txBox="1"/>
+          <p:nvPr/>
+        </p:nvSpPr>
+        <p:spPr>
+          <a:xfrm>
+            <a:off x="3593690" y="136134"/>
+            <a:ext cx="1612491" cy="369332"/>
+          </a:xfrm>
+          <a:prstGeom prst="rect">
+            <a:avLst/>
+          </a:prstGeom>
+          <a:noFill/>
+        </p:spPr>
+        <p:txBody>
+          <a:bodyPr wrap="square" rtlCol="0">
+            <a:spAutoFit/>
+          </a:bodyPr>
+          <a:lstStyle/>
+          <a:p>
+            <a:r>
+              <a:rPr lang="en-US" altLang="ko-KR" b="1" dirty="0" smtClean="0"/>
+              <a:t>./</a:t>
+            </a:r>
+            <a:r>
+              <a:rPr lang="en-US" altLang="ko-KR" b="1" dirty="0" err="1" smtClean="0"/>
+              <a:t>a.out</a:t>
+            </a:r>
+            <a:endParaRPr lang="ko-KR" altLang="en-US" b="1" dirty="0"/>
+          </a:p>
+        </p:txBody>
+      </p:sp>
+      <p:sp>
+        <p:nvSpPr>
+          <p:cNvPr id="38" name="TextBox 37"/>
+          <p:cNvSpPr txBox="1"/>
+          <p:nvPr/>
+        </p:nvSpPr>
+        <p:spPr>
+          <a:xfrm>
+            <a:off x="10235381" y="3508136"/>
+            <a:ext cx="1612491" cy="646331"/>
+          </a:xfrm>
+          <a:prstGeom prst="rect">
+            <a:avLst/>
+          </a:prstGeom>
+          <a:noFill/>
+        </p:spPr>
+        <p:txBody>
+          <a:bodyPr wrap="square" rtlCol="0">
+            <a:spAutoFit/>
+          </a:bodyPr>
+          <a:lstStyle/>
+          <a:p>
+            <a:r>
+              <a:rPr lang="en-US" altLang="ko-KR" b="1" dirty="0" smtClean="0"/>
+              <a:t>/bin/ls</a:t>
+            </a:r>
+          </a:p>
+          <a:p>
+            <a:r>
+              <a:rPr lang="en-US" altLang="ko-KR" b="1" dirty="0"/>
+              <a:t> </a:t>
+            </a:r>
+            <a:r>
+              <a:rPr lang="en-US" altLang="ko-KR" b="1" dirty="0" smtClean="0"/>
+              <a:t>  .text</a:t>
+            </a:r>
+            <a:endParaRPr lang="ko-KR" altLang="en-US" b="1" dirty="0"/>
+          </a:p>
+        </p:txBody>
+      </p:sp>
+      <p:sp>
+        <p:nvSpPr>
+          <p:cNvPr id="39" name="직사각형 38"/>
+          <p:cNvSpPr/>
+          <p:nvPr/>
+        </p:nvSpPr>
+        <p:spPr>
+          <a:xfrm>
+            <a:off x="50294" y="1857274"/>
+            <a:ext cx="944489" cy="369332"/>
+          </a:xfrm>
+          <a:prstGeom prst="rect">
+            <a:avLst/>
+          </a:prstGeom>
+        </p:spPr>
+        <p:txBody>
+          <a:bodyPr wrap="none">
+            <a:spAutoFit/>
+          </a:bodyPr>
+          <a:lstStyle/>
+          <a:p>
+            <a:r>
+              <a:rPr lang="ko-KR" altLang="en-US" dirty="0"/>
+              <a:t>402a00</a:t>
+            </a:r>
+          </a:p>
+        </p:txBody>
+      </p:sp>
+      <p:cxnSp>
+        <p:nvCxnSpPr>
+          <p:cNvPr id="41" name="직선 연결선 40"/>
+          <p:cNvCxnSpPr/>
+          <p:nvPr/>
+        </p:nvCxnSpPr>
+        <p:spPr>
+          <a:xfrm flipV="1">
+            <a:off x="2339898" y="598895"/>
+            <a:ext cx="1253792" cy="1258379"/>
+          </a:xfrm>
+          <a:prstGeom prst="line">
+            <a:avLst/>
+          </a:prstGeom>
+          <a:ln>
+            <a:prstDash val="dash"/>
+          </a:ln>
+        </p:spPr>
+        <p:style>
+          <a:lnRef idx="2">
+            <a:schemeClr val="dk1"/>
+          </a:lnRef>
+          <a:fillRef idx="0">
+            <a:schemeClr val="dk1"/>
+          </a:fillRef>
+          <a:effectRef idx="1">
+            <a:schemeClr val="dk1"/>
+          </a:effectRef>
+          <a:fontRef idx="minor">
+            <a:schemeClr val="tx1"/>
+          </a:fontRef>
+        </p:style>
+      </p:cxnSp>
+      <p:cxnSp>
+        <p:nvCxnSpPr>
+          <p:cNvPr id="42" name="직선 연결선 41"/>
+          <p:cNvCxnSpPr/>
+          <p:nvPr/>
+        </p:nvCxnSpPr>
+        <p:spPr>
+          <a:xfrm>
+            <a:off x="2338041" y="2470588"/>
+            <a:ext cx="1255649" cy="375076"/>
+          </a:xfrm>
+          <a:prstGeom prst="line">
+            <a:avLst/>
+          </a:prstGeom>
+          <a:ln>
+            <a:prstDash val="dash"/>
+          </a:ln>
+        </p:spPr>
+        <p:style>
+          <a:lnRef idx="2">
+            <a:schemeClr val="dk1"/>
+          </a:lnRef>
+          <a:fillRef idx="0">
+            <a:schemeClr val="dk1"/>
+          </a:fillRef>
+          <a:effectRef idx="1">
+            <a:schemeClr val="dk1"/>
+          </a:effectRef>
+          <a:fontRef idx="minor">
+            <a:schemeClr val="tx1"/>
+          </a:fontRef>
+        </p:style>
+      </p:cxnSp>
+      <p:sp>
+        <p:nvSpPr>
+          <p:cNvPr id="45" name="TextBox 44"/>
+          <p:cNvSpPr txBox="1"/>
+          <p:nvPr/>
+        </p:nvSpPr>
+        <p:spPr>
+          <a:xfrm>
+            <a:off x="6872749" y="136134"/>
+            <a:ext cx="2109020" cy="369332"/>
+          </a:xfrm>
+          <a:prstGeom prst="rect">
+            <a:avLst/>
+          </a:prstGeom>
+          <a:noFill/>
+        </p:spPr>
+        <p:txBody>
+          <a:bodyPr wrap="square" rtlCol="0">
+            <a:spAutoFit/>
+          </a:bodyPr>
+          <a:lstStyle/>
+          <a:p>
+            <a:r>
+              <a:rPr lang="en-US" altLang="ko-KR" b="1" dirty="0" smtClean="0"/>
+              <a:t>refs = 1 -&gt; 0</a:t>
+            </a:r>
+            <a:endParaRPr lang="ko-KR" altLang="en-US" b="1" dirty="0"/>
+          </a:p>
+        </p:txBody>
+      </p:sp>
+      <p:sp>
+        <p:nvSpPr>
+          <p:cNvPr id="46" name="TextBox 45"/>
+          <p:cNvSpPr txBox="1"/>
+          <p:nvPr/>
+        </p:nvSpPr>
+        <p:spPr>
+          <a:xfrm>
+            <a:off x="5427406" y="3276551"/>
+            <a:ext cx="2227007" cy="369332"/>
+          </a:xfrm>
+          <a:prstGeom prst="rect">
+            <a:avLst/>
+          </a:prstGeom>
+          <a:noFill/>
+        </p:spPr>
+        <p:txBody>
+          <a:bodyPr wrap="square" rtlCol="0">
+            <a:spAutoFit/>
+          </a:bodyPr>
+          <a:lstStyle/>
+          <a:p>
+            <a:r>
+              <a:rPr lang="en-US" altLang="ko-KR" b="1" dirty="0"/>
+              <a:t>r</a:t>
+            </a:r>
+            <a:r>
+              <a:rPr lang="en-US" altLang="ko-KR" b="1" dirty="0" smtClean="0"/>
+              <a:t>efs = 0 -&gt; 1</a:t>
+            </a:r>
+            <a:endParaRPr lang="ko-KR" altLang="en-US" b="1" dirty="0"/>
+          </a:p>
+        </p:txBody>
+      </p:sp>
+      <p:cxnSp>
+        <p:nvCxnSpPr>
+          <p:cNvPr id="48" name="직선 연결선 47"/>
+          <p:cNvCxnSpPr/>
+          <p:nvPr/>
+        </p:nvCxnSpPr>
+        <p:spPr>
+          <a:xfrm flipV="1">
+            <a:off x="3593690" y="598895"/>
+            <a:ext cx="6096000" cy="2246769"/>
+          </a:xfrm>
+          <a:prstGeom prst="line">
+            <a:avLst/>
+          </a:prstGeom>
+          <a:ln>
+            <a:solidFill>
+              <a:srgbClr val="FF0000"/>
+            </a:solidFill>
+          </a:ln>
+        </p:spPr>
+        <p:style>
+          <a:lnRef idx="1">
+            <a:schemeClr val="accent1"/>
+          </a:lnRef>
+          <a:fillRef idx="0">
+            <a:schemeClr val="accent1"/>
+          </a:fillRef>
+          <a:effectRef idx="0">
+            <a:schemeClr val="accent1"/>
+          </a:effectRef>
+          <a:fontRef idx="minor">
+            <a:schemeClr val="tx1"/>
+          </a:fontRef>
+        </p:style>
+      </p:cxnSp>
+    </p:spTree>
+    <p:extLst>
+      <p:ext uri="{BB962C8B-B14F-4D97-AF65-F5344CB8AC3E}">
+        <p14:creationId xmlns:p14="http://schemas.microsoft.com/office/powerpoint/2010/main" val="703382592"/>
       </p:ext>
     </p:extLst>
   </p:cSld>
